--- a/documentacao/slides-shopup.pptx
+++ b/documentacao/slides-shopup.pptx
@@ -5,7 +5,7 @@
     <p:sldMasterId id="2147483648" r:id="rId1"/>
   </p:sldMasterIdLst>
   <p:notesMasterIdLst>
-    <p:notesMasterId r:id="rId32"/>
+    <p:notesMasterId r:id="rId35"/>
   </p:notesMasterIdLst>
   <p:sldIdLst>
     <p:sldId id="256" r:id="rId2"/>
@@ -24,49 +24,45 @@
     <p:sldId id="267" r:id="rId15"/>
     <p:sldId id="268" r:id="rId16"/>
     <p:sldId id="269" r:id="rId17"/>
-    <p:sldId id="270" r:id="rId18"/>
-    <p:sldId id="271" r:id="rId19"/>
-    <p:sldId id="272" r:id="rId20"/>
-    <p:sldId id="273" r:id="rId21"/>
-    <p:sldId id="274" r:id="rId22"/>
-    <p:sldId id="275" r:id="rId23"/>
-    <p:sldId id="276" r:id="rId24"/>
-    <p:sldId id="277" r:id="rId25"/>
-    <p:sldId id="278" r:id="rId26"/>
-    <p:sldId id="285" r:id="rId27"/>
-    <p:sldId id="279" r:id="rId28"/>
-    <p:sldId id="280" r:id="rId29"/>
-    <p:sldId id="286" r:id="rId30"/>
-    <p:sldId id="281" r:id="rId31"/>
+    <p:sldId id="287" r:id="rId18"/>
+    <p:sldId id="288" r:id="rId19"/>
+    <p:sldId id="289" r:id="rId20"/>
+    <p:sldId id="270" r:id="rId21"/>
+    <p:sldId id="271" r:id="rId22"/>
+    <p:sldId id="272" r:id="rId23"/>
+    <p:sldId id="273" r:id="rId24"/>
+    <p:sldId id="274" r:id="rId25"/>
+    <p:sldId id="275" r:id="rId26"/>
+    <p:sldId id="276" r:id="rId27"/>
+    <p:sldId id="277" r:id="rId28"/>
+    <p:sldId id="278" r:id="rId29"/>
+    <p:sldId id="285" r:id="rId30"/>
+    <p:sldId id="279" r:id="rId31"/>
+    <p:sldId id="280" r:id="rId32"/>
+    <p:sldId id="286" r:id="rId33"/>
+    <p:sldId id="281" r:id="rId34"/>
   </p:sldIdLst>
   <p:sldSz cx="18288000" cy="10287000"/>
   <p:notesSz cx="6858000" cy="9144000"/>
   <p:embeddedFontLst>
     <p:embeddedFont>
       <p:font typeface="Abhaya Libre" panose="020B0604020202020204" charset="0"/>
-      <p:regular r:id="rId33"/>
+      <p:regular r:id="rId36"/>
     </p:embeddedFont>
     <p:embeddedFont>
       <p:font typeface="Abhaya Libre Bold" panose="020B0604020202020204" charset="0"/>
-      <p:regular r:id="rId34"/>
+      <p:regular r:id="rId37"/>
     </p:embeddedFont>
     <p:embeddedFont>
       <p:font typeface="Abhaya Libre Italics" panose="020B0604020202020204" charset="0"/>
-      <p:regular r:id="rId35"/>
+      <p:regular r:id="rId38"/>
     </p:embeddedFont>
     <p:embeddedFont>
-      <p:font typeface="Calibri" panose="020F0502020204030204" pitchFamily="34" charset="0"/>
-      <p:regular r:id="rId36"/>
-      <p:bold r:id="rId37"/>
-      <p:italic r:id="rId38"/>
-      <p:boldItalic r:id="rId39"/>
-    </p:embeddedFont>
-    <p:embeddedFont>
-      <p:font typeface="Poppins" panose="020B0604020202020204" charset="0"/>
-      <p:regular r:id="rId40"/>
-      <p:bold r:id="rId41"/>
-      <p:italic r:id="rId42"/>
-      <p:boldItalic r:id="rId43"/>
+      <p:font typeface="Poppins" panose="00000500000000000000" pitchFamily="2" charset="0"/>
+      <p:regular r:id="rId39"/>
+      <p:bold r:id="rId40"/>
+      <p:italic r:id="rId41"/>
+      <p:boldItalic r:id="rId42"/>
     </p:embeddedFont>
   </p:embeddedFontLst>
   <p:defaultTextStyle>
@@ -187,6 +183,7 @@
 <p1510:revInfo xmlns:a="http://schemas.openxmlformats.org/drawingml/2006/main" xmlns:r="http://schemas.openxmlformats.org/officeDocument/2006/relationships" xmlns:p1510="http://schemas.microsoft.com/office/powerpoint/2015/10/main">
   <p1510:revLst>
     <p1510:client id="{39CCA207-8268-1EA5-728B-D4ED406246C8}" v="24" dt="2025-12-03T22:41:31.143"/>
+    <p1510:client id="{5D98B9CB-5E85-C999-3201-6D91691A3D88}" v="163" dt="2025-12-04T21:08:04.472"/>
   </p1510:revLst>
 </p1510:revInfo>
 </file>
@@ -2266,7 +2263,13 @@
   <p:cSld>
     <p:spTree>
       <p:nvGrpSpPr>
-        <p:cNvPr id="1" name=""/>
+        <p:cNvPr id="1" name="">
+          <a:extLst>
+            <a:ext uri="{FF2B5EF4-FFF2-40B4-BE49-F238E27FC236}">
+              <a16:creationId xmlns:a16="http://schemas.microsoft.com/office/drawing/2014/main" id="{B0E8E41D-3F5D-480E-FD98-09E24FD41BAF}"/>
+            </a:ext>
+          </a:extLst>
+        </p:cNvPr>
         <p:cNvGrpSpPr/>
         <p:nvPr/>
       </p:nvGrpSpPr>
@@ -2280,7 +2283,13 @@
       </p:grpSpPr>
       <p:sp>
         <p:nvSpPr>
-          <p:cNvPr id="2" name="Header Placeholder 1"/>
+          <p:cNvPr id="2" name="Header Placeholder 1">
+            <a:extLst>
+              <a:ext uri="{FF2B5EF4-FFF2-40B4-BE49-F238E27FC236}">
+                <a16:creationId xmlns:a16="http://schemas.microsoft.com/office/drawing/2014/main" id="{981A4C25-5681-E177-0BCA-17854550E9E8}"/>
+              </a:ext>
+            </a:extLst>
+          </p:cNvPr>
           <p:cNvSpPr>
             <a:spLocks noGrp="1"/>
           </p:cNvSpPr>
@@ -2311,7 +2320,13 @@
       </p:sp>
       <p:sp>
         <p:nvSpPr>
-          <p:cNvPr id="3" name="Date Placeholder 2"/>
+          <p:cNvPr id="3" name="Date Placeholder 2">
+            <a:extLst>
+              <a:ext uri="{FF2B5EF4-FFF2-40B4-BE49-F238E27FC236}">
+                <a16:creationId xmlns:a16="http://schemas.microsoft.com/office/drawing/2014/main" id="{79970CD2-7F03-C755-D4E8-29087686B412}"/>
+              </a:ext>
+            </a:extLst>
+          </p:cNvPr>
           <p:cNvSpPr>
             <a:spLocks noGrp="1"/>
           </p:cNvSpPr>
@@ -2345,7 +2360,13 @@
       </p:sp>
       <p:sp>
         <p:nvSpPr>
-          <p:cNvPr id="4" name="Slide Image Placeholder 3"/>
+          <p:cNvPr id="4" name="Slide Image Placeholder 3">
+            <a:extLst>
+              <a:ext uri="{FF2B5EF4-FFF2-40B4-BE49-F238E27FC236}">
+                <a16:creationId xmlns:a16="http://schemas.microsoft.com/office/drawing/2014/main" id="{6BDA5C33-C001-22B7-1EA7-F35099FD17AB}"/>
+              </a:ext>
+            </a:extLst>
+          </p:cNvPr>
           <p:cNvSpPr>
             <a:spLocks noGrp="1" noRot="1" noChangeAspect="1"/>
           </p:cNvSpPr>
@@ -2378,7 +2399,13 @@
       </p:sp>
       <p:sp>
         <p:nvSpPr>
-          <p:cNvPr id="5" name="Notes Placeholder 4"/>
+          <p:cNvPr id="5" name="Notes Placeholder 4">
+            <a:extLst>
+              <a:ext uri="{FF2B5EF4-FFF2-40B4-BE49-F238E27FC236}">
+                <a16:creationId xmlns:a16="http://schemas.microsoft.com/office/drawing/2014/main" id="{7AAA9C64-8FDA-ADC5-E6C0-3022315147DF}"/>
+              </a:ext>
+            </a:extLst>
+          </p:cNvPr>
           <p:cNvSpPr>
             <a:spLocks noGrp="1"/>
           </p:cNvSpPr>
@@ -2405,7 +2432,13 @@
       </p:sp>
       <p:sp>
         <p:nvSpPr>
-          <p:cNvPr id="6" name="Footer Placeholder 5"/>
+          <p:cNvPr id="6" name="Footer Placeholder 5">
+            <a:extLst>
+              <a:ext uri="{FF2B5EF4-FFF2-40B4-BE49-F238E27FC236}">
+                <a16:creationId xmlns:a16="http://schemas.microsoft.com/office/drawing/2014/main" id="{B7CE8EDA-E6A1-9F08-E495-C5B381ED3C74}"/>
+              </a:ext>
+            </a:extLst>
+          </p:cNvPr>
           <p:cNvSpPr>
             <a:spLocks noGrp="1"/>
           </p:cNvSpPr>
@@ -2436,7 +2469,13 @@
       </p:sp>
       <p:sp>
         <p:nvSpPr>
-          <p:cNvPr id="7" name="Slide Number Placeholder 6"/>
+          <p:cNvPr id="7" name="Slide Number Placeholder 6">
+            <a:extLst>
+              <a:ext uri="{FF2B5EF4-FFF2-40B4-BE49-F238E27FC236}">
+                <a16:creationId xmlns:a16="http://schemas.microsoft.com/office/drawing/2014/main" id="{053F71B5-0BAD-CD8B-8864-ECB52F0EB22C}"/>
+              </a:ext>
+            </a:extLst>
+          </p:cNvPr>
           <p:cNvSpPr>
             <a:spLocks noGrp="1"/>
           </p:cNvSpPr>
@@ -2469,6 +2508,11 @@
         </p:txBody>
       </p:sp>
     </p:spTree>
+    <p:extLst>
+      <p:ext uri="{BB962C8B-B14F-4D97-AF65-F5344CB8AC3E}">
+        <p14:creationId xmlns:p14="http://schemas.microsoft.com/office/powerpoint/2010/main" val="3704114574"/>
+      </p:ext>
+    </p:extLst>
   </p:cSld>
   <p:clrMapOvr>
     <a:masterClrMapping/>
@@ -2481,7 +2525,13 @@
   <p:cSld>
     <p:spTree>
       <p:nvGrpSpPr>
-        <p:cNvPr id="1" name=""/>
+        <p:cNvPr id="1" name="">
+          <a:extLst>
+            <a:ext uri="{FF2B5EF4-FFF2-40B4-BE49-F238E27FC236}">
+              <a16:creationId xmlns:a16="http://schemas.microsoft.com/office/drawing/2014/main" id="{9AC1F087-C889-7DF6-0248-8F1D5E6C33AD}"/>
+            </a:ext>
+          </a:extLst>
+        </p:cNvPr>
         <p:cNvGrpSpPr/>
         <p:nvPr/>
       </p:nvGrpSpPr>
@@ -2495,7 +2545,13 @@
       </p:grpSpPr>
       <p:sp>
         <p:nvSpPr>
-          <p:cNvPr id="2" name="Header Placeholder 1"/>
+          <p:cNvPr id="2" name="Header Placeholder 1">
+            <a:extLst>
+              <a:ext uri="{FF2B5EF4-FFF2-40B4-BE49-F238E27FC236}">
+                <a16:creationId xmlns:a16="http://schemas.microsoft.com/office/drawing/2014/main" id="{5E90AE20-8AEE-C010-74AF-3E7334455C50}"/>
+              </a:ext>
+            </a:extLst>
+          </p:cNvPr>
           <p:cNvSpPr>
             <a:spLocks noGrp="1"/>
           </p:cNvSpPr>
@@ -2526,7 +2582,13 @@
       </p:sp>
       <p:sp>
         <p:nvSpPr>
-          <p:cNvPr id="3" name="Date Placeholder 2"/>
+          <p:cNvPr id="3" name="Date Placeholder 2">
+            <a:extLst>
+              <a:ext uri="{FF2B5EF4-FFF2-40B4-BE49-F238E27FC236}">
+                <a16:creationId xmlns:a16="http://schemas.microsoft.com/office/drawing/2014/main" id="{02DBC0D6-D607-0F14-D5FF-0EE981D226D8}"/>
+              </a:ext>
+            </a:extLst>
+          </p:cNvPr>
           <p:cNvSpPr>
             <a:spLocks noGrp="1"/>
           </p:cNvSpPr>
@@ -2560,7 +2622,13 @@
       </p:sp>
       <p:sp>
         <p:nvSpPr>
-          <p:cNvPr id="4" name="Slide Image Placeholder 3"/>
+          <p:cNvPr id="4" name="Slide Image Placeholder 3">
+            <a:extLst>
+              <a:ext uri="{FF2B5EF4-FFF2-40B4-BE49-F238E27FC236}">
+                <a16:creationId xmlns:a16="http://schemas.microsoft.com/office/drawing/2014/main" id="{B951B847-D02E-17DE-8879-0B3CEC2059C0}"/>
+              </a:ext>
+            </a:extLst>
+          </p:cNvPr>
           <p:cNvSpPr>
             <a:spLocks noGrp="1" noRot="1" noChangeAspect="1"/>
           </p:cNvSpPr>
@@ -2593,7 +2661,13 @@
       </p:sp>
       <p:sp>
         <p:nvSpPr>
-          <p:cNvPr id="5" name="Notes Placeholder 4"/>
+          <p:cNvPr id="5" name="Notes Placeholder 4">
+            <a:extLst>
+              <a:ext uri="{FF2B5EF4-FFF2-40B4-BE49-F238E27FC236}">
+                <a16:creationId xmlns:a16="http://schemas.microsoft.com/office/drawing/2014/main" id="{A45EF27A-40A2-0AD9-0179-0966FDF153DF}"/>
+              </a:ext>
+            </a:extLst>
+          </p:cNvPr>
           <p:cNvSpPr>
             <a:spLocks noGrp="1"/>
           </p:cNvSpPr>
@@ -2620,7 +2694,13 @@
       </p:sp>
       <p:sp>
         <p:nvSpPr>
-          <p:cNvPr id="6" name="Footer Placeholder 5"/>
+          <p:cNvPr id="6" name="Footer Placeholder 5">
+            <a:extLst>
+              <a:ext uri="{FF2B5EF4-FFF2-40B4-BE49-F238E27FC236}">
+                <a16:creationId xmlns:a16="http://schemas.microsoft.com/office/drawing/2014/main" id="{41F3D2C1-28DA-9035-4B8F-FC9ABA02B0F5}"/>
+              </a:ext>
+            </a:extLst>
+          </p:cNvPr>
           <p:cNvSpPr>
             <a:spLocks noGrp="1"/>
           </p:cNvSpPr>
@@ -2651,7 +2731,13 @@
       </p:sp>
       <p:sp>
         <p:nvSpPr>
-          <p:cNvPr id="7" name="Slide Number Placeholder 6"/>
+          <p:cNvPr id="7" name="Slide Number Placeholder 6">
+            <a:extLst>
+              <a:ext uri="{FF2B5EF4-FFF2-40B4-BE49-F238E27FC236}">
+                <a16:creationId xmlns:a16="http://schemas.microsoft.com/office/drawing/2014/main" id="{2968B451-0428-7A95-33A8-05ABB032DD93}"/>
+              </a:ext>
+            </a:extLst>
+          </p:cNvPr>
           <p:cNvSpPr>
             <a:spLocks noGrp="1"/>
           </p:cNvSpPr>
@@ -2684,6 +2770,11 @@
         </p:txBody>
       </p:sp>
     </p:spTree>
+    <p:extLst>
+      <p:ext uri="{BB962C8B-B14F-4D97-AF65-F5344CB8AC3E}">
+        <p14:creationId xmlns:p14="http://schemas.microsoft.com/office/powerpoint/2010/main" val="3055824531"/>
+      </p:ext>
+    </p:extLst>
   </p:cSld>
   <p:clrMapOvr>
     <a:masterClrMapping/>
@@ -2696,7 +2787,13 @@
   <p:cSld>
     <p:spTree>
       <p:nvGrpSpPr>
-        <p:cNvPr id="1" name=""/>
+        <p:cNvPr id="1" name="">
+          <a:extLst>
+            <a:ext uri="{FF2B5EF4-FFF2-40B4-BE49-F238E27FC236}">
+              <a16:creationId xmlns:a16="http://schemas.microsoft.com/office/drawing/2014/main" id="{2FC69441-E1D9-2CC3-3D86-3470DEB3AE8F}"/>
+            </a:ext>
+          </a:extLst>
+        </p:cNvPr>
         <p:cNvGrpSpPr/>
         <p:nvPr/>
       </p:nvGrpSpPr>
@@ -2710,7 +2807,13 @@
       </p:grpSpPr>
       <p:sp>
         <p:nvSpPr>
-          <p:cNvPr id="2" name="Header Placeholder 1"/>
+          <p:cNvPr id="2" name="Header Placeholder 1">
+            <a:extLst>
+              <a:ext uri="{FF2B5EF4-FFF2-40B4-BE49-F238E27FC236}">
+                <a16:creationId xmlns:a16="http://schemas.microsoft.com/office/drawing/2014/main" id="{68E3D90D-7987-EC08-F167-77949E012C43}"/>
+              </a:ext>
+            </a:extLst>
+          </p:cNvPr>
           <p:cNvSpPr>
             <a:spLocks noGrp="1"/>
           </p:cNvSpPr>
@@ -2741,7 +2844,13 @@
       </p:sp>
       <p:sp>
         <p:nvSpPr>
-          <p:cNvPr id="3" name="Date Placeholder 2"/>
+          <p:cNvPr id="3" name="Date Placeholder 2">
+            <a:extLst>
+              <a:ext uri="{FF2B5EF4-FFF2-40B4-BE49-F238E27FC236}">
+                <a16:creationId xmlns:a16="http://schemas.microsoft.com/office/drawing/2014/main" id="{5E49F89F-B671-1593-D918-C6500316FE90}"/>
+              </a:ext>
+            </a:extLst>
+          </p:cNvPr>
           <p:cNvSpPr>
             <a:spLocks noGrp="1"/>
           </p:cNvSpPr>
@@ -2775,7 +2884,13 @@
       </p:sp>
       <p:sp>
         <p:nvSpPr>
-          <p:cNvPr id="4" name="Slide Image Placeholder 3"/>
+          <p:cNvPr id="4" name="Slide Image Placeholder 3">
+            <a:extLst>
+              <a:ext uri="{FF2B5EF4-FFF2-40B4-BE49-F238E27FC236}">
+                <a16:creationId xmlns:a16="http://schemas.microsoft.com/office/drawing/2014/main" id="{C8ACA90F-54FA-3CE5-4F57-EFD006354259}"/>
+              </a:ext>
+            </a:extLst>
+          </p:cNvPr>
           <p:cNvSpPr>
             <a:spLocks noGrp="1" noRot="1" noChangeAspect="1"/>
           </p:cNvSpPr>
@@ -2808,7 +2923,13 @@
       </p:sp>
       <p:sp>
         <p:nvSpPr>
-          <p:cNvPr id="5" name="Notes Placeholder 4"/>
+          <p:cNvPr id="5" name="Notes Placeholder 4">
+            <a:extLst>
+              <a:ext uri="{FF2B5EF4-FFF2-40B4-BE49-F238E27FC236}">
+                <a16:creationId xmlns:a16="http://schemas.microsoft.com/office/drawing/2014/main" id="{0E405CFC-63CE-935F-DDD9-36B5AED156BC}"/>
+              </a:ext>
+            </a:extLst>
+          </p:cNvPr>
           <p:cNvSpPr>
             <a:spLocks noGrp="1"/>
           </p:cNvSpPr>
@@ -2835,7 +2956,13 @@
       </p:sp>
       <p:sp>
         <p:nvSpPr>
-          <p:cNvPr id="6" name="Footer Placeholder 5"/>
+          <p:cNvPr id="6" name="Footer Placeholder 5">
+            <a:extLst>
+              <a:ext uri="{FF2B5EF4-FFF2-40B4-BE49-F238E27FC236}">
+                <a16:creationId xmlns:a16="http://schemas.microsoft.com/office/drawing/2014/main" id="{DC11FFA7-3BCA-C194-BD45-1EBAA8416F42}"/>
+              </a:ext>
+            </a:extLst>
+          </p:cNvPr>
           <p:cNvSpPr>
             <a:spLocks noGrp="1"/>
           </p:cNvSpPr>
@@ -2866,7 +2993,13 @@
       </p:sp>
       <p:sp>
         <p:nvSpPr>
-          <p:cNvPr id="7" name="Slide Number Placeholder 6"/>
+          <p:cNvPr id="7" name="Slide Number Placeholder 6">
+            <a:extLst>
+              <a:ext uri="{FF2B5EF4-FFF2-40B4-BE49-F238E27FC236}">
+                <a16:creationId xmlns:a16="http://schemas.microsoft.com/office/drawing/2014/main" id="{E4AA898D-D672-DED7-5E47-FCBCC36D2116}"/>
+              </a:ext>
+            </a:extLst>
+          </p:cNvPr>
           <p:cNvSpPr>
             <a:spLocks noGrp="1"/>
           </p:cNvSpPr>
@@ -2899,6 +3032,11 @@
         </p:txBody>
       </p:sp>
     </p:spTree>
+    <p:extLst>
+      <p:ext uri="{BB962C8B-B14F-4D97-AF65-F5344CB8AC3E}">
+        <p14:creationId xmlns:p14="http://schemas.microsoft.com/office/powerpoint/2010/main" val="840010002"/>
+      </p:ext>
+    </p:extLst>
   </p:cSld>
   <p:clrMapOvr>
     <a:masterClrMapping/>
@@ -4619,11 +4757,6 @@
         </p:txBody>
       </p:sp>
     </p:spTree>
-    <p:extLst>
-      <p:ext uri="{BB962C8B-B14F-4D97-AF65-F5344CB8AC3E}">
-        <p14:creationId xmlns:p14="http://schemas.microsoft.com/office/powerpoint/2010/main" val="1891637686"/>
-      </p:ext>
-    </p:extLst>
   </p:cSld>
   <p:clrMapOvr>
     <a:masterClrMapping/>
@@ -5271,7 +5404,7 @@
     </p:spTree>
     <p:extLst>
       <p:ext uri="{BB962C8B-B14F-4D97-AF65-F5344CB8AC3E}">
-        <p14:creationId xmlns:p14="http://schemas.microsoft.com/office/powerpoint/2010/main" val="2001883370"/>
+        <p14:creationId xmlns:p14="http://schemas.microsoft.com/office/powerpoint/2010/main" val="1891637686"/>
       </p:ext>
     </p:extLst>
   </p:cSld>
@@ -5497,6 +5630,656 @@
 </file>
 
 <file path=ppt/notesSlides/notesSlide30.xml><?xml version="1.0" encoding="utf-8"?>
+<p:notes xmlns:a="http://schemas.openxmlformats.org/drawingml/2006/main" xmlns:r="http://schemas.openxmlformats.org/officeDocument/2006/relationships" xmlns:p="http://schemas.openxmlformats.org/presentationml/2006/main">
+  <p:cSld>
+    <p:spTree>
+      <p:nvGrpSpPr>
+        <p:cNvPr id="1" name=""/>
+        <p:cNvGrpSpPr/>
+        <p:nvPr/>
+      </p:nvGrpSpPr>
+      <p:grpSpPr>
+        <a:xfrm>
+          <a:off x="0" y="0"/>
+          <a:ext cx="0" cy="0"/>
+          <a:chOff x="0" y="0"/>
+          <a:chExt cx="0" cy="0"/>
+        </a:xfrm>
+      </p:grpSpPr>
+      <p:sp>
+        <p:nvSpPr>
+          <p:cNvPr id="2" name="Header Placeholder 1"/>
+          <p:cNvSpPr>
+            <a:spLocks noGrp="1"/>
+          </p:cNvSpPr>
+          <p:nvPr>
+            <p:ph type="hdr" sz="quarter"/>
+          </p:nvPr>
+        </p:nvSpPr>
+        <p:spPr>
+          <a:xfrm>
+            <a:off x="0" y="0"/>
+            <a:ext cx="3962400" cy="342900"/>
+          </a:xfrm>
+          <a:prstGeom prst="rect">
+            <a:avLst/>
+          </a:prstGeom>
+        </p:spPr>
+        <p:txBody>
+          <a:bodyPr vert="horz" lIns="91440" tIns="45720" rIns="91440" bIns="45720" rtlCol="0"/>
+          <a:lstStyle>
+            <a:lvl1pPr algn="l">
+              <a:defRPr sz="1200"/>
+            </a:lvl1pPr>
+          </a:lstStyle>
+          <a:p>
+            <a:endParaRPr/>
+          </a:p>
+        </p:txBody>
+      </p:sp>
+      <p:sp>
+        <p:nvSpPr>
+          <p:cNvPr id="3" name="Date Placeholder 2"/>
+          <p:cNvSpPr>
+            <a:spLocks noGrp="1"/>
+          </p:cNvSpPr>
+          <p:nvPr>
+            <p:ph type="dt" idx="1"/>
+          </p:nvPr>
+        </p:nvSpPr>
+        <p:spPr>
+          <a:xfrm>
+            <a:off x="5180013" y="0"/>
+            <a:ext cx="3962400" cy="342900"/>
+          </a:xfrm>
+          <a:prstGeom prst="rect">
+            <a:avLst/>
+          </a:prstGeom>
+        </p:spPr>
+        <p:txBody>
+          <a:bodyPr vert="horz" lIns="91440" tIns="45720" rIns="91440" bIns="45720" rtlCol="0"/>
+          <a:lstStyle>
+            <a:lvl1pPr algn="r">
+              <a:defRPr sz="1200"/>
+            </a:lvl1pPr>
+          </a:lstStyle>
+          <a:p>
+            <a:r>
+              <a:rPr lang="cs-CZ"/>
+              <a:t>1.7.2013</a:t>
+            </a:r>
+          </a:p>
+        </p:txBody>
+      </p:sp>
+      <p:sp>
+        <p:nvSpPr>
+          <p:cNvPr id="4" name="Slide Image Placeholder 3"/>
+          <p:cNvSpPr>
+            <a:spLocks noGrp="1" noRot="1" noChangeAspect="1"/>
+          </p:cNvSpPr>
+          <p:nvPr>
+            <p:ph type="sldImg" idx="2"/>
+          </p:nvPr>
+        </p:nvSpPr>
+        <p:spPr>
+          <a:xfrm>
+            <a:off x="2290763" y="512763"/>
+            <a:ext cx="4562475" cy="2566987"/>
+          </a:xfrm>
+          <a:prstGeom prst="rect">
+            <a:avLst/>
+          </a:prstGeom>
+          <a:noFill/>
+          <a:ln w="12700">
+            <a:solidFill>
+              <a:prstClr val="black"/>
+            </a:solidFill>
+          </a:ln>
+        </p:spPr>
+        <p:txBody>
+          <a:bodyPr vert="horz" lIns="91440" tIns="45720" rIns="91440" bIns="45720" rtlCol="0" anchor="ctr"/>
+          <a:lstStyle/>
+          <a:p>
+            <a:endParaRPr/>
+          </a:p>
+        </p:txBody>
+      </p:sp>
+      <p:sp>
+        <p:nvSpPr>
+          <p:cNvPr id="5" name="Notes Placeholder 4"/>
+          <p:cNvSpPr>
+            <a:spLocks noGrp="1"/>
+          </p:cNvSpPr>
+          <p:nvPr>
+            <p:ph type="body" sz="quarter" idx="3"/>
+          </p:nvPr>
+        </p:nvSpPr>
+        <p:spPr>
+          <a:xfrm>
+            <a:off x="914400" y="3251200"/>
+            <a:ext cx="7315200" cy="3081338"/>
+          </a:xfrm>
+          <a:prstGeom prst="rect">
+            <a:avLst/>
+          </a:prstGeom>
+        </p:spPr>
+        <p:txBody>
+          <a:bodyPr vert="horz" lIns="91440" tIns="45720" rIns="91440" bIns="45720" rtlCol="0"/>
+          <a:lstStyle/>
+          <a:p>
+            <a:endParaRPr lang="en-US"/>
+          </a:p>
+        </p:txBody>
+      </p:sp>
+      <p:sp>
+        <p:nvSpPr>
+          <p:cNvPr id="6" name="Footer Placeholder 5"/>
+          <p:cNvSpPr>
+            <a:spLocks noGrp="1"/>
+          </p:cNvSpPr>
+          <p:nvPr>
+            <p:ph type="ftr" sz="quarter" idx="4"/>
+          </p:nvPr>
+        </p:nvSpPr>
+        <p:spPr>
+          <a:xfrm>
+            <a:off x="0" y="6502400"/>
+            <a:ext cx="3962400" cy="341313"/>
+          </a:xfrm>
+          <a:prstGeom prst="rect">
+            <a:avLst/>
+          </a:prstGeom>
+        </p:spPr>
+        <p:txBody>
+          <a:bodyPr vert="horz" lIns="91440" tIns="45720" rIns="91440" bIns="45720" rtlCol="0" anchor="b"/>
+          <a:lstStyle>
+            <a:lvl1pPr algn="l">
+              <a:defRPr sz="1200"/>
+            </a:lvl1pPr>
+          </a:lstStyle>
+          <a:p>
+            <a:endParaRPr/>
+          </a:p>
+        </p:txBody>
+      </p:sp>
+      <p:sp>
+        <p:nvSpPr>
+          <p:cNvPr id="7" name="Slide Number Placeholder 6"/>
+          <p:cNvSpPr>
+            <a:spLocks noGrp="1"/>
+          </p:cNvSpPr>
+          <p:nvPr>
+            <p:ph type="sldNum" sz="quarter" idx="5"/>
+          </p:nvPr>
+        </p:nvSpPr>
+        <p:spPr>
+          <a:xfrm>
+            <a:off x="5180013" y="6502400"/>
+            <a:ext cx="3962400" cy="341313"/>
+          </a:xfrm>
+          <a:prstGeom prst="rect">
+            <a:avLst/>
+          </a:prstGeom>
+        </p:spPr>
+        <p:txBody>
+          <a:bodyPr vert="horz" lIns="91440" tIns="45720" rIns="91440" bIns="45720" rtlCol="0" anchor="b"/>
+          <a:lstStyle>
+            <a:lvl1pPr algn="r">
+              <a:defRPr sz="1200"/>
+            </a:lvl1pPr>
+          </a:lstStyle>
+          <a:p>
+            <a:r>
+              <a:rPr lang="cs-CZ"/>
+              <a:t>‹#›</a:t>
+            </a:r>
+          </a:p>
+        </p:txBody>
+      </p:sp>
+    </p:spTree>
+  </p:cSld>
+  <p:clrMapOvr>
+    <a:masterClrMapping/>
+  </p:clrMapOvr>
+</p:notes>
+</file>
+
+<file path=ppt/notesSlides/notesSlide31.xml><?xml version="1.0" encoding="utf-8"?>
+<p:notes xmlns:a="http://schemas.openxmlformats.org/drawingml/2006/main" xmlns:r="http://schemas.openxmlformats.org/officeDocument/2006/relationships" xmlns:p="http://schemas.openxmlformats.org/presentationml/2006/main">
+  <p:cSld>
+    <p:spTree>
+      <p:nvGrpSpPr>
+        <p:cNvPr id="1" name=""/>
+        <p:cNvGrpSpPr/>
+        <p:nvPr/>
+      </p:nvGrpSpPr>
+      <p:grpSpPr>
+        <a:xfrm>
+          <a:off x="0" y="0"/>
+          <a:ext cx="0" cy="0"/>
+          <a:chOff x="0" y="0"/>
+          <a:chExt cx="0" cy="0"/>
+        </a:xfrm>
+      </p:grpSpPr>
+      <p:sp>
+        <p:nvSpPr>
+          <p:cNvPr id="2" name="Header Placeholder 1"/>
+          <p:cNvSpPr>
+            <a:spLocks noGrp="1"/>
+          </p:cNvSpPr>
+          <p:nvPr>
+            <p:ph type="hdr" sz="quarter"/>
+          </p:nvPr>
+        </p:nvSpPr>
+        <p:spPr>
+          <a:xfrm>
+            <a:off x="0" y="0"/>
+            <a:ext cx="3962400" cy="342900"/>
+          </a:xfrm>
+          <a:prstGeom prst="rect">
+            <a:avLst/>
+          </a:prstGeom>
+        </p:spPr>
+        <p:txBody>
+          <a:bodyPr vert="horz" lIns="91440" tIns="45720" rIns="91440" bIns="45720" rtlCol="0"/>
+          <a:lstStyle>
+            <a:lvl1pPr algn="l">
+              <a:defRPr sz="1200"/>
+            </a:lvl1pPr>
+          </a:lstStyle>
+          <a:p>
+            <a:endParaRPr/>
+          </a:p>
+        </p:txBody>
+      </p:sp>
+      <p:sp>
+        <p:nvSpPr>
+          <p:cNvPr id="3" name="Date Placeholder 2"/>
+          <p:cNvSpPr>
+            <a:spLocks noGrp="1"/>
+          </p:cNvSpPr>
+          <p:nvPr>
+            <p:ph type="dt" idx="1"/>
+          </p:nvPr>
+        </p:nvSpPr>
+        <p:spPr>
+          <a:xfrm>
+            <a:off x="5180013" y="0"/>
+            <a:ext cx="3962400" cy="342900"/>
+          </a:xfrm>
+          <a:prstGeom prst="rect">
+            <a:avLst/>
+          </a:prstGeom>
+        </p:spPr>
+        <p:txBody>
+          <a:bodyPr vert="horz" lIns="91440" tIns="45720" rIns="91440" bIns="45720" rtlCol="0"/>
+          <a:lstStyle>
+            <a:lvl1pPr algn="r">
+              <a:defRPr sz="1200"/>
+            </a:lvl1pPr>
+          </a:lstStyle>
+          <a:p>
+            <a:r>
+              <a:rPr lang="cs-CZ"/>
+              <a:t>1.7.2013</a:t>
+            </a:r>
+          </a:p>
+        </p:txBody>
+      </p:sp>
+      <p:sp>
+        <p:nvSpPr>
+          <p:cNvPr id="4" name="Slide Image Placeholder 3"/>
+          <p:cNvSpPr>
+            <a:spLocks noGrp="1" noRot="1" noChangeAspect="1"/>
+          </p:cNvSpPr>
+          <p:nvPr>
+            <p:ph type="sldImg" idx="2"/>
+          </p:nvPr>
+        </p:nvSpPr>
+        <p:spPr>
+          <a:xfrm>
+            <a:off x="2290763" y="512763"/>
+            <a:ext cx="4562475" cy="2566987"/>
+          </a:xfrm>
+          <a:prstGeom prst="rect">
+            <a:avLst/>
+          </a:prstGeom>
+          <a:noFill/>
+          <a:ln w="12700">
+            <a:solidFill>
+              <a:prstClr val="black"/>
+            </a:solidFill>
+          </a:ln>
+        </p:spPr>
+        <p:txBody>
+          <a:bodyPr vert="horz" lIns="91440" tIns="45720" rIns="91440" bIns="45720" rtlCol="0" anchor="ctr"/>
+          <a:lstStyle/>
+          <a:p>
+            <a:endParaRPr/>
+          </a:p>
+        </p:txBody>
+      </p:sp>
+      <p:sp>
+        <p:nvSpPr>
+          <p:cNvPr id="5" name="Notes Placeholder 4"/>
+          <p:cNvSpPr>
+            <a:spLocks noGrp="1"/>
+          </p:cNvSpPr>
+          <p:nvPr>
+            <p:ph type="body" sz="quarter" idx="3"/>
+          </p:nvPr>
+        </p:nvSpPr>
+        <p:spPr>
+          <a:xfrm>
+            <a:off x="914400" y="3251200"/>
+            <a:ext cx="7315200" cy="3081338"/>
+          </a:xfrm>
+          <a:prstGeom prst="rect">
+            <a:avLst/>
+          </a:prstGeom>
+        </p:spPr>
+        <p:txBody>
+          <a:bodyPr vert="horz" lIns="91440" tIns="45720" rIns="91440" bIns="45720" rtlCol="0"/>
+          <a:lstStyle/>
+          <a:p>
+            <a:endParaRPr lang="en-US"/>
+          </a:p>
+        </p:txBody>
+      </p:sp>
+      <p:sp>
+        <p:nvSpPr>
+          <p:cNvPr id="6" name="Footer Placeholder 5"/>
+          <p:cNvSpPr>
+            <a:spLocks noGrp="1"/>
+          </p:cNvSpPr>
+          <p:nvPr>
+            <p:ph type="ftr" sz="quarter" idx="4"/>
+          </p:nvPr>
+        </p:nvSpPr>
+        <p:spPr>
+          <a:xfrm>
+            <a:off x="0" y="6502400"/>
+            <a:ext cx="3962400" cy="341313"/>
+          </a:xfrm>
+          <a:prstGeom prst="rect">
+            <a:avLst/>
+          </a:prstGeom>
+        </p:spPr>
+        <p:txBody>
+          <a:bodyPr vert="horz" lIns="91440" tIns="45720" rIns="91440" bIns="45720" rtlCol="0" anchor="b"/>
+          <a:lstStyle>
+            <a:lvl1pPr algn="l">
+              <a:defRPr sz="1200"/>
+            </a:lvl1pPr>
+          </a:lstStyle>
+          <a:p>
+            <a:endParaRPr/>
+          </a:p>
+        </p:txBody>
+      </p:sp>
+      <p:sp>
+        <p:nvSpPr>
+          <p:cNvPr id="7" name="Slide Number Placeholder 6"/>
+          <p:cNvSpPr>
+            <a:spLocks noGrp="1"/>
+          </p:cNvSpPr>
+          <p:nvPr>
+            <p:ph type="sldNum" sz="quarter" idx="5"/>
+          </p:nvPr>
+        </p:nvSpPr>
+        <p:spPr>
+          <a:xfrm>
+            <a:off x="5180013" y="6502400"/>
+            <a:ext cx="3962400" cy="341313"/>
+          </a:xfrm>
+          <a:prstGeom prst="rect">
+            <a:avLst/>
+          </a:prstGeom>
+        </p:spPr>
+        <p:txBody>
+          <a:bodyPr vert="horz" lIns="91440" tIns="45720" rIns="91440" bIns="45720" rtlCol="0" anchor="b"/>
+          <a:lstStyle>
+            <a:lvl1pPr algn="r">
+              <a:defRPr sz="1200"/>
+            </a:lvl1pPr>
+          </a:lstStyle>
+          <a:p>
+            <a:r>
+              <a:rPr lang="cs-CZ"/>
+              <a:t>‹#›</a:t>
+            </a:r>
+          </a:p>
+        </p:txBody>
+      </p:sp>
+    </p:spTree>
+  </p:cSld>
+  <p:clrMapOvr>
+    <a:masterClrMapping/>
+  </p:clrMapOvr>
+</p:notes>
+</file>
+
+<file path=ppt/notesSlides/notesSlide32.xml><?xml version="1.0" encoding="utf-8"?>
+<p:notes xmlns:a="http://schemas.openxmlformats.org/drawingml/2006/main" xmlns:r="http://schemas.openxmlformats.org/officeDocument/2006/relationships" xmlns:p="http://schemas.openxmlformats.org/presentationml/2006/main">
+  <p:cSld>
+    <p:spTree>
+      <p:nvGrpSpPr>
+        <p:cNvPr id="1" name=""/>
+        <p:cNvGrpSpPr/>
+        <p:nvPr/>
+      </p:nvGrpSpPr>
+      <p:grpSpPr>
+        <a:xfrm>
+          <a:off x="0" y="0"/>
+          <a:ext cx="0" cy="0"/>
+          <a:chOff x="0" y="0"/>
+          <a:chExt cx="0" cy="0"/>
+        </a:xfrm>
+      </p:grpSpPr>
+      <p:sp>
+        <p:nvSpPr>
+          <p:cNvPr id="2" name="Header Placeholder 1"/>
+          <p:cNvSpPr>
+            <a:spLocks noGrp="1"/>
+          </p:cNvSpPr>
+          <p:nvPr>
+            <p:ph type="hdr" sz="quarter"/>
+          </p:nvPr>
+        </p:nvSpPr>
+        <p:spPr>
+          <a:xfrm>
+            <a:off x="0" y="0"/>
+            <a:ext cx="3962400" cy="342900"/>
+          </a:xfrm>
+          <a:prstGeom prst="rect">
+            <a:avLst/>
+          </a:prstGeom>
+        </p:spPr>
+        <p:txBody>
+          <a:bodyPr vert="horz" lIns="91440" tIns="45720" rIns="91440" bIns="45720" rtlCol="0"/>
+          <a:lstStyle>
+            <a:lvl1pPr algn="l">
+              <a:defRPr sz="1200"/>
+            </a:lvl1pPr>
+          </a:lstStyle>
+          <a:p>
+            <a:endParaRPr/>
+          </a:p>
+        </p:txBody>
+      </p:sp>
+      <p:sp>
+        <p:nvSpPr>
+          <p:cNvPr id="3" name="Date Placeholder 2"/>
+          <p:cNvSpPr>
+            <a:spLocks noGrp="1"/>
+          </p:cNvSpPr>
+          <p:nvPr>
+            <p:ph type="dt" idx="1"/>
+          </p:nvPr>
+        </p:nvSpPr>
+        <p:spPr>
+          <a:xfrm>
+            <a:off x="5180013" y="0"/>
+            <a:ext cx="3962400" cy="342900"/>
+          </a:xfrm>
+          <a:prstGeom prst="rect">
+            <a:avLst/>
+          </a:prstGeom>
+        </p:spPr>
+        <p:txBody>
+          <a:bodyPr vert="horz" lIns="91440" tIns="45720" rIns="91440" bIns="45720" rtlCol="0"/>
+          <a:lstStyle>
+            <a:lvl1pPr algn="r">
+              <a:defRPr sz="1200"/>
+            </a:lvl1pPr>
+          </a:lstStyle>
+          <a:p>
+            <a:r>
+              <a:rPr lang="cs-CZ"/>
+              <a:t>1.7.2013</a:t>
+            </a:r>
+          </a:p>
+        </p:txBody>
+      </p:sp>
+      <p:sp>
+        <p:nvSpPr>
+          <p:cNvPr id="4" name="Slide Image Placeholder 3"/>
+          <p:cNvSpPr>
+            <a:spLocks noGrp="1" noRot="1" noChangeAspect="1"/>
+          </p:cNvSpPr>
+          <p:nvPr>
+            <p:ph type="sldImg" idx="2"/>
+          </p:nvPr>
+        </p:nvSpPr>
+        <p:spPr>
+          <a:xfrm>
+            <a:off x="2290763" y="512763"/>
+            <a:ext cx="4562475" cy="2566987"/>
+          </a:xfrm>
+          <a:prstGeom prst="rect">
+            <a:avLst/>
+          </a:prstGeom>
+          <a:noFill/>
+          <a:ln w="12700">
+            <a:solidFill>
+              <a:prstClr val="black"/>
+            </a:solidFill>
+          </a:ln>
+        </p:spPr>
+        <p:txBody>
+          <a:bodyPr vert="horz" lIns="91440" tIns="45720" rIns="91440" bIns="45720" rtlCol="0" anchor="ctr"/>
+          <a:lstStyle/>
+          <a:p>
+            <a:endParaRPr/>
+          </a:p>
+        </p:txBody>
+      </p:sp>
+      <p:sp>
+        <p:nvSpPr>
+          <p:cNvPr id="5" name="Notes Placeholder 4"/>
+          <p:cNvSpPr>
+            <a:spLocks noGrp="1"/>
+          </p:cNvSpPr>
+          <p:nvPr>
+            <p:ph type="body" sz="quarter" idx="3"/>
+          </p:nvPr>
+        </p:nvSpPr>
+        <p:spPr>
+          <a:xfrm>
+            <a:off x="914400" y="3251200"/>
+            <a:ext cx="7315200" cy="3081338"/>
+          </a:xfrm>
+          <a:prstGeom prst="rect">
+            <a:avLst/>
+          </a:prstGeom>
+        </p:spPr>
+        <p:txBody>
+          <a:bodyPr vert="horz" lIns="91440" tIns="45720" rIns="91440" bIns="45720" rtlCol="0"/>
+          <a:lstStyle/>
+          <a:p>
+            <a:endParaRPr lang="en-US"/>
+          </a:p>
+        </p:txBody>
+      </p:sp>
+      <p:sp>
+        <p:nvSpPr>
+          <p:cNvPr id="6" name="Footer Placeholder 5"/>
+          <p:cNvSpPr>
+            <a:spLocks noGrp="1"/>
+          </p:cNvSpPr>
+          <p:nvPr>
+            <p:ph type="ftr" sz="quarter" idx="4"/>
+          </p:nvPr>
+        </p:nvSpPr>
+        <p:spPr>
+          <a:xfrm>
+            <a:off x="0" y="6502400"/>
+            <a:ext cx="3962400" cy="341313"/>
+          </a:xfrm>
+          <a:prstGeom prst="rect">
+            <a:avLst/>
+          </a:prstGeom>
+        </p:spPr>
+        <p:txBody>
+          <a:bodyPr vert="horz" lIns="91440" tIns="45720" rIns="91440" bIns="45720" rtlCol="0" anchor="b"/>
+          <a:lstStyle>
+            <a:lvl1pPr algn="l">
+              <a:defRPr sz="1200"/>
+            </a:lvl1pPr>
+          </a:lstStyle>
+          <a:p>
+            <a:endParaRPr/>
+          </a:p>
+        </p:txBody>
+      </p:sp>
+      <p:sp>
+        <p:nvSpPr>
+          <p:cNvPr id="7" name="Slide Number Placeholder 6"/>
+          <p:cNvSpPr>
+            <a:spLocks noGrp="1"/>
+          </p:cNvSpPr>
+          <p:nvPr>
+            <p:ph type="sldNum" sz="quarter" idx="5"/>
+          </p:nvPr>
+        </p:nvSpPr>
+        <p:spPr>
+          <a:xfrm>
+            <a:off x="5180013" y="6502400"/>
+            <a:ext cx="3962400" cy="341313"/>
+          </a:xfrm>
+          <a:prstGeom prst="rect">
+            <a:avLst/>
+          </a:prstGeom>
+        </p:spPr>
+        <p:txBody>
+          <a:bodyPr vert="horz" lIns="91440" tIns="45720" rIns="91440" bIns="45720" rtlCol="0" anchor="b"/>
+          <a:lstStyle>
+            <a:lvl1pPr algn="r">
+              <a:defRPr sz="1200"/>
+            </a:lvl1pPr>
+          </a:lstStyle>
+          <a:p>
+            <a:r>
+              <a:rPr lang="cs-CZ"/>
+              <a:t>‹#›</a:t>
+            </a:r>
+          </a:p>
+        </p:txBody>
+      </p:sp>
+    </p:spTree>
+    <p:extLst>
+      <p:ext uri="{BB962C8B-B14F-4D97-AF65-F5344CB8AC3E}">
+        <p14:creationId xmlns:p14="http://schemas.microsoft.com/office/powerpoint/2010/main" val="2001883370"/>
+      </p:ext>
+    </p:extLst>
+  </p:cSld>
+  <p:clrMapOvr>
+    <a:masterClrMapping/>
+  </p:clrMapOvr>
+</p:notes>
+</file>
+
+<file path=ppt/notesSlides/notesSlide33.xml><?xml version="1.0" encoding="utf-8"?>
 <p:notes xmlns:a="http://schemas.openxmlformats.org/drawingml/2006/main" xmlns:r="http://schemas.openxmlformats.org/officeDocument/2006/relationships" xmlns:p="http://schemas.openxmlformats.org/presentationml/2006/main">
   <p:cSld>
     <p:spTree>
@@ -13088,7 +13871,13 @@
     </p:bg>
     <p:spTree>
       <p:nvGrpSpPr>
-        <p:cNvPr id="1" name=""/>
+        <p:cNvPr id="1" name="">
+          <a:extLst>
+            <a:ext uri="{FF2B5EF4-FFF2-40B4-BE49-F238E27FC236}">
+              <a16:creationId xmlns:a16="http://schemas.microsoft.com/office/drawing/2014/main" id="{894D53B2-E76B-BD85-C8ED-FD749854990F}"/>
+            </a:ext>
+          </a:extLst>
+        </p:cNvPr>
         <p:cNvGrpSpPr/>
         <p:nvPr/>
       </p:nvGrpSpPr>
@@ -13102,7 +13891,13 @@
       </p:grpSpPr>
       <p:grpSp>
         <p:nvGrpSpPr>
-          <p:cNvPr id="2" name="Group 2"/>
+          <p:cNvPr id="2" name="Group 2">
+            <a:extLst>
+              <a:ext uri="{FF2B5EF4-FFF2-40B4-BE49-F238E27FC236}">
+                <a16:creationId xmlns:a16="http://schemas.microsoft.com/office/drawing/2014/main" id="{937E5ACA-E0AD-1AFE-414B-41C9DCF0AA40}"/>
+              </a:ext>
+            </a:extLst>
+          </p:cNvPr>
           <p:cNvGrpSpPr/>
           <p:nvPr/>
         </p:nvGrpSpPr>
@@ -13116,7 +13911,13 @@
         </p:grpSpPr>
         <p:sp>
           <p:nvSpPr>
-            <p:cNvPr id="3" name="Freeform 3"/>
+            <p:cNvPr id="3" name="Freeform 3">
+              <a:extLst>
+                <a:ext uri="{FF2B5EF4-FFF2-40B4-BE49-F238E27FC236}">
+                  <a16:creationId xmlns:a16="http://schemas.microsoft.com/office/drawing/2014/main" id="{4B9748C4-3F93-639F-4687-2C7B7ABEE1EB}"/>
+                </a:ext>
+              </a:extLst>
+            </p:cNvPr>
             <p:cNvSpPr/>
             <p:nvPr/>
           </p:nvSpPr>
@@ -13169,21 +13970,33 @@
       </p:grpSp>
       <p:grpSp>
         <p:nvGrpSpPr>
-          <p:cNvPr id="4" name="Group 4"/>
+          <p:cNvPr id="4" name="Group 4">
+            <a:extLst>
+              <a:ext uri="{FF2B5EF4-FFF2-40B4-BE49-F238E27FC236}">
+                <a16:creationId xmlns:a16="http://schemas.microsoft.com/office/drawing/2014/main" id="{0B1778F2-FB7C-E17C-2EB7-00E412B7E4DA}"/>
+              </a:ext>
+            </a:extLst>
+          </p:cNvPr>
           <p:cNvGrpSpPr/>
           <p:nvPr/>
         </p:nvGrpSpPr>
         <p:grpSpPr>
           <a:xfrm>
-            <a:off x="8361755" y="6221856"/>
-            <a:ext cx="6049481" cy="312685"/>
+            <a:off x="7896199" y="6173571"/>
+            <a:ext cx="6003464" cy="310306"/>
             <a:chOff x="0" y="0"/>
             <a:chExt cx="7470592" cy="386139"/>
           </a:xfrm>
         </p:grpSpPr>
         <p:sp>
           <p:nvSpPr>
-            <p:cNvPr id="5" name="Freeform 5"/>
+            <p:cNvPr id="5" name="Freeform 5">
+              <a:extLst>
+                <a:ext uri="{FF2B5EF4-FFF2-40B4-BE49-F238E27FC236}">
+                  <a16:creationId xmlns:a16="http://schemas.microsoft.com/office/drawing/2014/main" id="{ADCF6D38-92FE-DF73-0E0D-4685ADC6D39B}"/>
+                </a:ext>
+              </a:extLst>
+            </p:cNvPr>
             <p:cNvSpPr/>
             <p:nvPr/>
           </p:nvSpPr>
@@ -13224,14 +14037,20 @@
       </p:grpSp>
       <p:sp>
         <p:nvSpPr>
-          <p:cNvPr id="6" name="TextBox 6"/>
+          <p:cNvPr id="6" name="TextBox 6">
+            <a:extLst>
+              <a:ext uri="{FF2B5EF4-FFF2-40B4-BE49-F238E27FC236}">
+                <a16:creationId xmlns:a16="http://schemas.microsoft.com/office/drawing/2014/main" id="{15851337-4B66-E44E-073E-B946E6E506F1}"/>
+              </a:ext>
+            </a:extLst>
+          </p:cNvPr>
           <p:cNvSpPr txBox="1"/>
           <p:nvPr/>
         </p:nvSpPr>
         <p:spPr>
           <a:xfrm>
-            <a:off x="8323655" y="4395948"/>
-            <a:ext cx="10094539" cy="2302493"/>
+            <a:off x="7755400" y="4981984"/>
+            <a:ext cx="10354363" cy="1284967"/>
           </a:xfrm>
           <a:prstGeom prst="rect">
             <a:avLst/>
@@ -13243,13 +14062,13 @@
           </a:bodyPr>
           <a:lstStyle/>
           <a:p>
-            <a:pPr algn="l">
+            <a:pPr>
               <a:lnSpc>
-                <a:spcPts val="8347"/>
+                <a:spcPts val="8592"/>
               </a:lnSpc>
             </a:pPr>
             <a:r>
-              <a:rPr lang="en-US" sz="11593">
+              <a:rPr lang="en-US" sz="11900" dirty="0">
                 <a:solidFill>
                   <a:srgbClr val="000000"/>
                 </a:solidFill>
@@ -13258,14 +14077,29 @@
                 <a:cs typeface="Abhaya Libre"/>
                 <a:sym typeface="Abhaya Libre"/>
               </a:rPr>
-              <a:t>         Tecnologias Utilizadas</a:t>
+              <a:t>Casos de Teste</a:t>
             </a:r>
+            <a:endParaRPr lang="en-US" sz="11934" dirty="0">
+              <a:solidFill>
+                <a:srgbClr val="000000"/>
+              </a:solidFill>
+              <a:latin typeface="Abhaya Libre"/>
+              <a:ea typeface="Abhaya Libre"/>
+              <a:cs typeface="Abhaya Libre"/>
+              <a:sym typeface="Abhaya Libre"/>
+            </a:endParaRPr>
           </a:p>
         </p:txBody>
       </p:sp>
       <p:grpSp>
         <p:nvGrpSpPr>
-          <p:cNvPr id="7" name="Group 7"/>
+          <p:cNvPr id="7" name="Group 7">
+            <a:extLst>
+              <a:ext uri="{FF2B5EF4-FFF2-40B4-BE49-F238E27FC236}">
+                <a16:creationId xmlns:a16="http://schemas.microsoft.com/office/drawing/2014/main" id="{53A3CD74-4A4C-8273-AF3E-4A1F294F4394}"/>
+              </a:ext>
+            </a:extLst>
+          </p:cNvPr>
           <p:cNvGrpSpPr/>
           <p:nvPr/>
         </p:nvGrpSpPr>
@@ -13279,7 +14113,13 @@
         </p:grpSpPr>
         <p:sp>
           <p:nvSpPr>
-            <p:cNvPr id="8" name="Freeform 8"/>
+            <p:cNvPr id="8" name="Freeform 8">
+              <a:extLst>
+                <a:ext uri="{FF2B5EF4-FFF2-40B4-BE49-F238E27FC236}">
+                  <a16:creationId xmlns:a16="http://schemas.microsoft.com/office/drawing/2014/main" id="{EDBE3E70-4D99-C911-759C-D256CB39B4BC}"/>
+                </a:ext>
+              </a:extLst>
+            </p:cNvPr>
             <p:cNvSpPr/>
             <p:nvPr/>
           </p:nvSpPr>
@@ -13340,7 +14180,13 @@
       </p:grpSp>
       <p:sp>
         <p:nvSpPr>
-          <p:cNvPr id="9" name="TextBox 9"/>
+          <p:cNvPr id="9" name="TextBox 9">
+            <a:extLst>
+              <a:ext uri="{FF2B5EF4-FFF2-40B4-BE49-F238E27FC236}">
+                <a16:creationId xmlns:a16="http://schemas.microsoft.com/office/drawing/2014/main" id="{05EF1B62-5F04-8ABF-9D8D-E92207440334}"/>
+              </a:ext>
+            </a:extLst>
+          </p:cNvPr>
           <p:cNvSpPr txBox="1"/>
           <p:nvPr/>
         </p:nvSpPr>
@@ -13381,14 +14227,20 @@
       </p:sp>
       <p:sp>
         <p:nvSpPr>
-          <p:cNvPr id="10" name="TextBox 10"/>
+          <p:cNvPr id="10" name="TextBox 10">
+            <a:extLst>
+              <a:ext uri="{FF2B5EF4-FFF2-40B4-BE49-F238E27FC236}">
+                <a16:creationId xmlns:a16="http://schemas.microsoft.com/office/drawing/2014/main" id="{5D753A87-1A6C-685D-FBAF-4CE806C5148A}"/>
+              </a:ext>
+            </a:extLst>
+          </p:cNvPr>
           <p:cNvSpPr txBox="1"/>
           <p:nvPr/>
         </p:nvSpPr>
         <p:spPr>
           <a:xfrm>
-            <a:off x="8361755" y="7452169"/>
-            <a:ext cx="5746950" cy="514350"/>
+            <a:off x="7896199" y="7193592"/>
+            <a:ext cx="6353305" cy="487313"/>
           </a:xfrm>
           <a:prstGeom prst="rect">
             <a:avLst/>
@@ -13400,29 +14252,45 @@
           </a:bodyPr>
           <a:lstStyle/>
           <a:p>
-            <a:pPr algn="l">
+            <a:pPr>
               <a:lnSpc>
                 <a:spcPts val="3840"/>
               </a:lnSpc>
             </a:pPr>
             <a:r>
-              <a:rPr lang="en-US" sz="3200">
+              <a:rPr lang="en-US" sz="3200" dirty="0">
                 <a:solidFill>
                   <a:srgbClr val="000000"/>
                 </a:solidFill>
                 <a:latin typeface="Poppins"/>
                 <a:ea typeface="Poppins"/>
                 <a:cs typeface="Poppins"/>
-                <a:sym typeface="Poppins"/>
               </a:rPr>
-              <a:t>O que sustenta a solução</a:t>
+              <a:t>Testes para </a:t>
             </a:r>
-          </a:p>
-        </p:txBody>
-      </p:sp>
-      <p:sp>
-        <p:nvSpPr>
-          <p:cNvPr id="11" name="AutoShape 11"/>
+            <a:r>
+              <a:rPr lang="en-US" sz="3200" dirty="0" err="1">
+                <a:solidFill>
+                  <a:srgbClr val="000000"/>
+                </a:solidFill>
+                <a:latin typeface="Poppins"/>
+                <a:ea typeface="Poppins"/>
+                <a:cs typeface="Poppins"/>
+              </a:rPr>
+              <a:t>funcionalidades</a:t>
+            </a:r>
+          </a:p>
+        </p:txBody>
+      </p:sp>
+      <p:sp>
+        <p:nvSpPr>
+          <p:cNvPr id="11" name="AutoShape 11">
+            <a:extLst>
+              <a:ext uri="{FF2B5EF4-FFF2-40B4-BE49-F238E27FC236}">
+                <a16:creationId xmlns:a16="http://schemas.microsoft.com/office/drawing/2014/main" id="{0B9889ED-932C-5B73-17F5-D723DB303B6C}"/>
+              </a:ext>
+            </a:extLst>
+          </p:cNvPr>
           <p:cNvSpPr/>
           <p:nvPr/>
         </p:nvSpPr>
@@ -13446,7 +14314,13 @@
       </p:sp>
       <p:grpSp>
         <p:nvGrpSpPr>
-          <p:cNvPr id="12" name="Group 12"/>
+          <p:cNvPr id="12" name="Group 12">
+            <a:extLst>
+              <a:ext uri="{FF2B5EF4-FFF2-40B4-BE49-F238E27FC236}">
+                <a16:creationId xmlns:a16="http://schemas.microsoft.com/office/drawing/2014/main" id="{C49947FA-0309-471A-50C7-0EDB780566EF}"/>
+              </a:ext>
+            </a:extLst>
+          </p:cNvPr>
           <p:cNvGrpSpPr/>
           <p:nvPr/>
         </p:nvGrpSpPr>
@@ -13460,7 +14334,13 @@
         </p:grpSpPr>
         <p:sp>
           <p:nvSpPr>
-            <p:cNvPr id="13" name="Freeform 13"/>
+            <p:cNvPr id="13" name="Freeform 13">
+              <a:extLst>
+                <a:ext uri="{FF2B5EF4-FFF2-40B4-BE49-F238E27FC236}">
+                  <a16:creationId xmlns:a16="http://schemas.microsoft.com/office/drawing/2014/main" id="{3E9C62E4-A7A1-8BF8-C279-DA164310DE18}"/>
+                </a:ext>
+              </a:extLst>
+            </p:cNvPr>
             <p:cNvSpPr/>
             <p:nvPr/>
           </p:nvSpPr>
@@ -13519,7 +14399,13 @@
       </p:grpSp>
       <p:sp>
         <p:nvSpPr>
-          <p:cNvPr id="14" name="Freeform 14"/>
+          <p:cNvPr id="14" name="Freeform 14">
+            <a:extLst>
+              <a:ext uri="{FF2B5EF4-FFF2-40B4-BE49-F238E27FC236}">
+                <a16:creationId xmlns:a16="http://schemas.microsoft.com/office/drawing/2014/main" id="{10D225FE-9E37-A59F-CC36-210A4648CE23}"/>
+              </a:ext>
+            </a:extLst>
+          </p:cNvPr>
           <p:cNvSpPr/>
           <p:nvPr/>
         </p:nvSpPr>
@@ -13570,6 +14456,11 @@
         </p:spPr>
       </p:sp>
     </p:spTree>
+    <p:extLst>
+      <p:ext uri="{BB962C8B-B14F-4D97-AF65-F5344CB8AC3E}">
+        <p14:creationId xmlns:p14="http://schemas.microsoft.com/office/powerpoint/2010/main" val="3099515003"/>
+      </p:ext>
+    </p:extLst>
   </p:cSld>
   <p:clrMapOvr>
     <a:masterClrMapping/>
@@ -13590,7 +14481,13 @@
     </p:bg>
     <p:spTree>
       <p:nvGrpSpPr>
-        <p:cNvPr id="1" name=""/>
+        <p:cNvPr id="1" name="">
+          <a:extLst>
+            <a:ext uri="{FF2B5EF4-FFF2-40B4-BE49-F238E27FC236}">
+              <a16:creationId xmlns:a16="http://schemas.microsoft.com/office/drawing/2014/main" id="{C50E5833-5409-FECA-8063-5D909792D848}"/>
+            </a:ext>
+          </a:extLst>
+        </p:cNvPr>
         <p:cNvGrpSpPr/>
         <p:nvPr/>
       </p:nvGrpSpPr>
@@ -13604,102 +14501,18 @@
       </p:grpSpPr>
       <p:grpSp>
         <p:nvGrpSpPr>
-          <p:cNvPr id="2" name="Group 2"/>
+          <p:cNvPr id="2" name="Group 2">
+            <a:extLst>
+              <a:ext uri="{FF2B5EF4-FFF2-40B4-BE49-F238E27FC236}">
+                <a16:creationId xmlns:a16="http://schemas.microsoft.com/office/drawing/2014/main" id="{E269B2FC-C64E-51A1-B10C-0ED800496678}"/>
+              </a:ext>
+            </a:extLst>
+          </p:cNvPr>
           <p:cNvGrpSpPr/>
           <p:nvPr/>
         </p:nvGrpSpPr>
         <p:grpSpPr>
           <a:xfrm>
-            <a:off x="16738621" y="7437013"/>
-            <a:ext cx="323746" cy="322864"/>
-            <a:chOff x="0" y="0"/>
-            <a:chExt cx="606741" cy="605088"/>
-          </a:xfrm>
-        </p:grpSpPr>
-        <p:sp>
-          <p:nvSpPr>
-            <p:cNvPr id="3" name="Freeform 3"/>
-            <p:cNvSpPr/>
-            <p:nvPr/>
-          </p:nvSpPr>
-          <p:spPr>
-            <a:xfrm>
-              <a:off x="0" y="0"/>
-              <a:ext cx="606679" cy="605028"/>
-            </a:xfrm>
-            <a:custGeom>
-              <a:avLst/>
-              <a:gdLst/>
-              <a:ahLst/>
-              <a:cxnLst/>
-              <a:rect l="l" t="t" r="r" b="b"/>
-              <a:pathLst>
-                <a:path w="606679" h="605028">
-                  <a:moveTo>
-                    <a:pt x="304165" y="0"/>
-                  </a:moveTo>
-                  <a:lnTo>
-                    <a:pt x="275844" y="115316"/>
-                  </a:lnTo>
-                  <a:cubicBezTo>
-                    <a:pt x="257429" y="193929"/>
-                    <a:pt x="195580" y="255778"/>
-                    <a:pt x="117094" y="274066"/>
-                  </a:cubicBezTo>
-                  <a:lnTo>
-                    <a:pt x="0" y="300863"/>
-                  </a:lnTo>
-                  <a:lnTo>
-                    <a:pt x="116967" y="329311"/>
-                  </a:lnTo>
-                  <a:cubicBezTo>
-                    <a:pt x="195580" y="347726"/>
-                    <a:pt x="257429" y="409575"/>
-                    <a:pt x="275717" y="488061"/>
-                  </a:cubicBezTo>
-                  <a:lnTo>
-                    <a:pt x="302514" y="605028"/>
-                  </a:lnTo>
-                  <a:lnTo>
-                    <a:pt x="330962" y="488061"/>
-                  </a:lnTo>
-                  <a:cubicBezTo>
-                    <a:pt x="349377" y="409448"/>
-                    <a:pt x="411226" y="347599"/>
-                    <a:pt x="489712" y="329311"/>
-                  </a:cubicBezTo>
-                  <a:lnTo>
-                    <a:pt x="606679" y="302514"/>
-                  </a:lnTo>
-                  <a:lnTo>
-                    <a:pt x="489712" y="274066"/>
-                  </a:lnTo>
-                  <a:cubicBezTo>
-                    <a:pt x="411099" y="255651"/>
-                    <a:pt x="349250" y="193802"/>
-                    <a:pt x="330962" y="115316"/>
-                  </a:cubicBezTo>
-                  <a:lnTo>
-                    <a:pt x="304165" y="0"/>
-                  </a:lnTo>
-                  <a:close/>
-                </a:path>
-              </a:pathLst>
-            </a:custGeom>
-            <a:solidFill>
-              <a:srgbClr val="F1EFF2"/>
-            </a:solidFill>
-          </p:spPr>
-        </p:sp>
-      </p:grpSp>
-      <p:grpSp>
-        <p:nvGrpSpPr>
-          <p:cNvPr id="4" name="Group 4"/>
-          <p:cNvGrpSpPr/>
-          <p:nvPr/>
-        </p:nvGrpSpPr>
-        <p:grpSpPr>
-          <a:xfrm>
             <a:off x="0" y="0"/>
             <a:ext cx="504600" cy="10287000"/>
             <a:chOff x="0" y="0"/>
@@ -13708,7 +14521,13 @@
         </p:grpSpPr>
         <p:sp>
           <p:nvSpPr>
-            <p:cNvPr id="5" name="Freeform 5"/>
+            <p:cNvPr id="3" name="Freeform 3">
+              <a:extLst>
+                <a:ext uri="{FF2B5EF4-FFF2-40B4-BE49-F238E27FC236}">
+                  <a16:creationId xmlns:a16="http://schemas.microsoft.com/office/drawing/2014/main" id="{2A4D095C-BD85-0B4F-229F-A1E554253742}"/>
+                </a:ext>
+              </a:extLst>
+            </p:cNvPr>
             <p:cNvSpPr/>
             <p:nvPr/>
           </p:nvSpPr>
@@ -13759,375 +14578,42 @@
           </p:spPr>
         </p:sp>
       </p:grpSp>
-      <p:sp>
-        <p:nvSpPr>
-          <p:cNvPr id="6" name="Freeform 6"/>
-          <p:cNvSpPr/>
+      <p:pic>
+        <p:nvPicPr>
+          <p:cNvPr id="15" name="Imagem 14" descr="Texto&#10;&#10;O conteúdo gerado por IA pode estar incorreto.">
+            <a:extLst>
+              <a:ext uri="{FF2B5EF4-FFF2-40B4-BE49-F238E27FC236}">
+                <a16:creationId xmlns:a16="http://schemas.microsoft.com/office/drawing/2014/main" id="{6420BB8F-632B-1D75-6F88-BF8410A5CC27}"/>
+              </a:ext>
+            </a:extLst>
+          </p:cNvPr>
+          <p:cNvPicPr>
+            <a:picLocks noChangeAspect="1"/>
+          </p:cNvPicPr>
           <p:nvPr/>
-        </p:nvSpPr>
-        <p:spPr>
-          <a:xfrm>
-            <a:off x="1678062" y="3159452"/>
-            <a:ext cx="2067249" cy="2067249"/>
-          </a:xfrm>
-          <a:custGeom>
-            <a:avLst/>
-            <a:gdLst/>
-            <a:ahLst/>
-            <a:cxnLst/>
-            <a:rect l="l" t="t" r="r" b="b"/>
-            <a:pathLst>
-              <a:path w="2067249" h="2067249">
-                <a:moveTo>
-                  <a:pt x="0" y="0"/>
-                </a:moveTo>
-                <a:lnTo>
-                  <a:pt x="2067249" y="0"/>
-                </a:lnTo>
-                <a:lnTo>
-                  <a:pt x="2067249" y="2067249"/>
-                </a:lnTo>
-                <a:lnTo>
-                  <a:pt x="0" y="2067249"/>
-                </a:lnTo>
-                <a:lnTo>
-                  <a:pt x="0" y="0"/>
-                </a:lnTo>
-                <a:close/>
-              </a:path>
-            </a:pathLst>
-          </a:custGeom>
-          <a:blipFill>
-            <a:blip r:embed="rId3"/>
-            <a:stretch>
-              <a:fillRect/>
-            </a:stretch>
-          </a:blipFill>
-        </p:spPr>
-      </p:sp>
-      <p:sp>
-        <p:nvSpPr>
-          <p:cNvPr id="7" name="Freeform 7"/>
-          <p:cNvSpPr/>
-          <p:nvPr/>
-        </p:nvSpPr>
-        <p:spPr>
-          <a:xfrm>
-            <a:off x="4120171" y="3159452"/>
-            <a:ext cx="2067249" cy="2067249"/>
-          </a:xfrm>
-          <a:custGeom>
-            <a:avLst/>
-            <a:gdLst/>
-            <a:ahLst/>
-            <a:cxnLst/>
-            <a:rect l="l" t="t" r="r" b="b"/>
-            <a:pathLst>
-              <a:path w="2067249" h="2067249">
-                <a:moveTo>
-                  <a:pt x="0" y="0"/>
-                </a:moveTo>
-                <a:lnTo>
-                  <a:pt x="2067249" y="0"/>
-                </a:lnTo>
-                <a:lnTo>
-                  <a:pt x="2067249" y="2067249"/>
-                </a:lnTo>
-                <a:lnTo>
-                  <a:pt x="0" y="2067249"/>
-                </a:lnTo>
-                <a:lnTo>
-                  <a:pt x="0" y="0"/>
-                </a:lnTo>
-                <a:close/>
-              </a:path>
-            </a:pathLst>
-          </a:custGeom>
-          <a:blipFill>
-            <a:blip r:embed="rId4"/>
-            <a:stretch>
-              <a:fillRect/>
-            </a:stretch>
-          </a:blipFill>
-        </p:spPr>
-      </p:sp>
-      <p:sp>
-        <p:nvSpPr>
-          <p:cNvPr id="8" name="Freeform 8"/>
-          <p:cNvSpPr/>
-          <p:nvPr/>
-        </p:nvSpPr>
-        <p:spPr>
-          <a:xfrm>
-            <a:off x="1470947" y="5376652"/>
-            <a:ext cx="2274364" cy="2274364"/>
-          </a:xfrm>
-          <a:custGeom>
-            <a:avLst/>
-            <a:gdLst/>
-            <a:ahLst/>
-            <a:cxnLst/>
-            <a:rect l="l" t="t" r="r" b="b"/>
-            <a:pathLst>
-              <a:path w="2274364" h="2274364">
-                <a:moveTo>
-                  <a:pt x="0" y="0"/>
-                </a:moveTo>
-                <a:lnTo>
-                  <a:pt x="2274364" y="0"/>
-                </a:lnTo>
-                <a:lnTo>
-                  <a:pt x="2274364" y="2274364"/>
-                </a:lnTo>
-                <a:lnTo>
-                  <a:pt x="0" y="2274364"/>
-                </a:lnTo>
-                <a:lnTo>
-                  <a:pt x="0" y="0"/>
-                </a:lnTo>
-                <a:close/>
-              </a:path>
-            </a:pathLst>
-          </a:custGeom>
-          <a:blipFill>
-            <a:blip r:embed="rId5"/>
-            <a:stretch>
-              <a:fillRect/>
-            </a:stretch>
-          </a:blipFill>
-        </p:spPr>
-      </p:sp>
-      <p:sp>
-        <p:nvSpPr>
-          <p:cNvPr id="9" name="Freeform 9"/>
-          <p:cNvSpPr/>
-          <p:nvPr/>
-        </p:nvSpPr>
-        <p:spPr>
-          <a:xfrm>
-            <a:off x="14483373" y="2827032"/>
-            <a:ext cx="2057371" cy="2057371"/>
-          </a:xfrm>
-          <a:custGeom>
-            <a:avLst/>
-            <a:gdLst/>
-            <a:ahLst/>
-            <a:cxnLst/>
-            <a:rect l="l" t="t" r="r" b="b"/>
-            <a:pathLst>
-              <a:path w="2057371" h="2057371">
-                <a:moveTo>
-                  <a:pt x="0" y="0"/>
-                </a:moveTo>
-                <a:lnTo>
-                  <a:pt x="2057372" y="0"/>
-                </a:lnTo>
-                <a:lnTo>
-                  <a:pt x="2057372" y="2057372"/>
-                </a:lnTo>
-                <a:lnTo>
-                  <a:pt x="0" y="2057372"/>
-                </a:lnTo>
-                <a:lnTo>
-                  <a:pt x="0" y="0"/>
-                </a:lnTo>
-                <a:close/>
-              </a:path>
-            </a:pathLst>
-          </a:custGeom>
-          <a:blipFill>
-            <a:blip r:embed="rId6"/>
-            <a:stretch>
-              <a:fillRect/>
-            </a:stretch>
-          </a:blipFill>
-        </p:spPr>
-      </p:sp>
-      <p:sp>
-        <p:nvSpPr>
-          <p:cNvPr id="10" name="Freeform 10"/>
-          <p:cNvSpPr/>
-          <p:nvPr/>
-        </p:nvSpPr>
-        <p:spPr>
-          <a:xfrm>
-            <a:off x="11647070" y="2680996"/>
-            <a:ext cx="2349444" cy="2349444"/>
-          </a:xfrm>
-          <a:custGeom>
-            <a:avLst/>
-            <a:gdLst/>
-            <a:ahLst/>
-            <a:cxnLst/>
-            <a:rect l="l" t="t" r="r" b="b"/>
-            <a:pathLst>
-              <a:path w="2349444" h="2349444">
-                <a:moveTo>
-                  <a:pt x="0" y="0"/>
-                </a:moveTo>
-                <a:lnTo>
-                  <a:pt x="2349444" y="0"/>
-                </a:lnTo>
-                <a:lnTo>
-                  <a:pt x="2349444" y="2349444"/>
-                </a:lnTo>
-                <a:lnTo>
-                  <a:pt x="0" y="2349444"/>
-                </a:lnTo>
-                <a:lnTo>
-                  <a:pt x="0" y="0"/>
-                </a:lnTo>
-                <a:close/>
-              </a:path>
-            </a:pathLst>
-          </a:custGeom>
-          <a:blipFill>
-            <a:blip r:embed="rId7"/>
-            <a:stretch>
-              <a:fillRect/>
-            </a:stretch>
-          </a:blipFill>
-        </p:spPr>
-      </p:sp>
-      <p:sp>
-        <p:nvSpPr>
-          <p:cNvPr id="11" name="Freeform 11"/>
-          <p:cNvSpPr/>
-          <p:nvPr/>
-        </p:nvSpPr>
-        <p:spPr>
-          <a:xfrm>
-            <a:off x="14621636" y="5750060"/>
-            <a:ext cx="1788896" cy="1788896"/>
-          </a:xfrm>
-          <a:custGeom>
-            <a:avLst/>
-            <a:gdLst/>
-            <a:ahLst/>
-            <a:cxnLst/>
-            <a:rect l="l" t="t" r="r" b="b"/>
-            <a:pathLst>
-              <a:path w="1788896" h="1788896">
-                <a:moveTo>
-                  <a:pt x="0" y="0"/>
-                </a:moveTo>
-                <a:lnTo>
-                  <a:pt x="1788895" y="0"/>
-                </a:lnTo>
-                <a:lnTo>
-                  <a:pt x="1788895" y="1788895"/>
-                </a:lnTo>
-                <a:lnTo>
-                  <a:pt x="0" y="1788895"/>
-                </a:lnTo>
-                <a:lnTo>
-                  <a:pt x="0" y="0"/>
-                </a:lnTo>
-                <a:close/>
-              </a:path>
-            </a:pathLst>
-          </a:custGeom>
-          <a:blipFill>
-            <a:blip r:embed="rId8"/>
-            <a:stretch>
-              <a:fillRect/>
-            </a:stretch>
-          </a:blipFill>
-        </p:spPr>
-      </p:sp>
-      <p:sp>
-        <p:nvSpPr>
-          <p:cNvPr id="12" name="Freeform 12"/>
-          <p:cNvSpPr/>
-          <p:nvPr/>
-        </p:nvSpPr>
-        <p:spPr>
-          <a:xfrm>
-            <a:off x="11523064" y="5376652"/>
-            <a:ext cx="2473451" cy="2473451"/>
-          </a:xfrm>
-          <a:custGeom>
-            <a:avLst/>
-            <a:gdLst/>
-            <a:ahLst/>
-            <a:cxnLst/>
-            <a:rect l="l" t="t" r="r" b="b"/>
-            <a:pathLst>
-              <a:path w="2473451" h="2473451">
-                <a:moveTo>
-                  <a:pt x="0" y="0"/>
-                </a:moveTo>
-                <a:lnTo>
-                  <a:pt x="2473450" y="0"/>
-                </a:lnTo>
-                <a:lnTo>
-                  <a:pt x="2473450" y="2473451"/>
-                </a:lnTo>
-                <a:lnTo>
-                  <a:pt x="0" y="2473451"/>
-                </a:lnTo>
-                <a:lnTo>
-                  <a:pt x="0" y="0"/>
-                </a:lnTo>
-                <a:close/>
-              </a:path>
-            </a:pathLst>
-          </a:custGeom>
-          <a:blipFill>
-            <a:blip r:embed="rId9"/>
-            <a:stretch>
-              <a:fillRect/>
-            </a:stretch>
-          </a:blipFill>
-        </p:spPr>
-      </p:sp>
-      <p:sp>
-        <p:nvSpPr>
-          <p:cNvPr id="13" name="Freeform 13"/>
-          <p:cNvSpPr/>
-          <p:nvPr/>
-        </p:nvSpPr>
-        <p:spPr>
-          <a:xfrm>
-            <a:off x="4101987" y="5462025"/>
-            <a:ext cx="2103618" cy="2103618"/>
-          </a:xfrm>
-          <a:custGeom>
-            <a:avLst/>
-            <a:gdLst/>
-            <a:ahLst/>
-            <a:cxnLst/>
-            <a:rect l="l" t="t" r="r" b="b"/>
-            <a:pathLst>
-              <a:path w="2103618" h="2103618">
-                <a:moveTo>
-                  <a:pt x="0" y="0"/>
-                </a:moveTo>
-                <a:lnTo>
-                  <a:pt x="2103617" y="0"/>
-                </a:lnTo>
-                <a:lnTo>
-                  <a:pt x="2103617" y="2103618"/>
-                </a:lnTo>
-                <a:lnTo>
-                  <a:pt x="0" y="2103618"/>
-                </a:lnTo>
-                <a:lnTo>
-                  <a:pt x="0" y="0"/>
-                </a:lnTo>
-                <a:close/>
-              </a:path>
-            </a:pathLst>
-          </a:custGeom>
-          <a:blipFill>
-            <a:blip r:embed="rId10"/>
-            <a:stretch>
-              <a:fillRect/>
-            </a:stretch>
-          </a:blipFill>
-        </p:spPr>
-      </p:sp>
+        </p:nvPicPr>
+        <p:blipFill>
+          <a:blip r:embed="rId3"/>
+          <a:stretch>
+            <a:fillRect/>
+          </a:stretch>
+        </p:blipFill>
+        <p:spPr>
+          <a:xfrm>
+            <a:off x="2162671" y="592207"/>
+            <a:ext cx="13962657" cy="9119152"/>
+          </a:xfrm>
+          <a:prstGeom prst="rect">
+            <a:avLst/>
+          </a:prstGeom>
+        </p:spPr>
+      </p:pic>
     </p:spTree>
+    <p:extLst>
+      <p:ext uri="{BB962C8B-B14F-4D97-AF65-F5344CB8AC3E}">
+        <p14:creationId xmlns:p14="http://schemas.microsoft.com/office/powerpoint/2010/main" val="840032006"/>
+      </p:ext>
+    </p:extLst>
   </p:cSld>
   <p:clrMapOvr>
     <a:masterClrMapping/>
@@ -14148,7 +14634,13 @@
     </p:bg>
     <p:spTree>
       <p:nvGrpSpPr>
-        <p:cNvPr id="1" name=""/>
+        <p:cNvPr id="1" name="">
+          <a:extLst>
+            <a:ext uri="{FF2B5EF4-FFF2-40B4-BE49-F238E27FC236}">
+              <a16:creationId xmlns:a16="http://schemas.microsoft.com/office/drawing/2014/main" id="{1FB6D279-542D-E375-D0CE-0579F659093D}"/>
+            </a:ext>
+          </a:extLst>
+        </p:cNvPr>
         <p:cNvGrpSpPr/>
         <p:nvPr/>
       </p:nvGrpSpPr>
@@ -14162,102 +14654,18 @@
       </p:grpSpPr>
       <p:grpSp>
         <p:nvGrpSpPr>
-          <p:cNvPr id="2" name="Group 2"/>
+          <p:cNvPr id="2" name="Group 2">
+            <a:extLst>
+              <a:ext uri="{FF2B5EF4-FFF2-40B4-BE49-F238E27FC236}">
+                <a16:creationId xmlns:a16="http://schemas.microsoft.com/office/drawing/2014/main" id="{0486107A-5C91-EE60-84E5-68BA848618B6}"/>
+              </a:ext>
+            </a:extLst>
+          </p:cNvPr>
           <p:cNvGrpSpPr/>
           <p:nvPr/>
         </p:nvGrpSpPr>
         <p:grpSpPr>
           <a:xfrm>
-            <a:off x="16615730" y="8637146"/>
-            <a:ext cx="455056" cy="453816"/>
-            <a:chOff x="0" y="0"/>
-            <a:chExt cx="606741" cy="605088"/>
-          </a:xfrm>
-        </p:grpSpPr>
-        <p:sp>
-          <p:nvSpPr>
-            <p:cNvPr id="3" name="Freeform 3"/>
-            <p:cNvSpPr/>
-            <p:nvPr/>
-          </p:nvSpPr>
-          <p:spPr>
-            <a:xfrm>
-              <a:off x="0" y="0"/>
-              <a:ext cx="606679" cy="605028"/>
-            </a:xfrm>
-            <a:custGeom>
-              <a:avLst/>
-              <a:gdLst/>
-              <a:ahLst/>
-              <a:cxnLst/>
-              <a:rect l="l" t="t" r="r" b="b"/>
-              <a:pathLst>
-                <a:path w="606679" h="605028">
-                  <a:moveTo>
-                    <a:pt x="304165" y="0"/>
-                  </a:moveTo>
-                  <a:lnTo>
-                    <a:pt x="275844" y="115316"/>
-                  </a:lnTo>
-                  <a:cubicBezTo>
-                    <a:pt x="257429" y="193929"/>
-                    <a:pt x="195580" y="255778"/>
-                    <a:pt x="117094" y="274066"/>
-                  </a:cubicBezTo>
-                  <a:lnTo>
-                    <a:pt x="0" y="300863"/>
-                  </a:lnTo>
-                  <a:lnTo>
-                    <a:pt x="116967" y="329311"/>
-                  </a:lnTo>
-                  <a:cubicBezTo>
-                    <a:pt x="195580" y="347726"/>
-                    <a:pt x="257429" y="409575"/>
-                    <a:pt x="275717" y="488061"/>
-                  </a:cubicBezTo>
-                  <a:lnTo>
-                    <a:pt x="302514" y="605028"/>
-                  </a:lnTo>
-                  <a:lnTo>
-                    <a:pt x="330962" y="488061"/>
-                  </a:lnTo>
-                  <a:cubicBezTo>
-                    <a:pt x="349377" y="409448"/>
-                    <a:pt x="411226" y="347599"/>
-                    <a:pt x="489712" y="329311"/>
-                  </a:cubicBezTo>
-                  <a:lnTo>
-                    <a:pt x="606679" y="302514"/>
-                  </a:lnTo>
-                  <a:lnTo>
-                    <a:pt x="489712" y="274066"/>
-                  </a:lnTo>
-                  <a:cubicBezTo>
-                    <a:pt x="411099" y="255651"/>
-                    <a:pt x="349250" y="193802"/>
-                    <a:pt x="330962" y="115316"/>
-                  </a:cubicBezTo>
-                  <a:lnTo>
-                    <a:pt x="304165" y="0"/>
-                  </a:lnTo>
-                  <a:close/>
-                </a:path>
-              </a:pathLst>
-            </a:custGeom>
-            <a:solidFill>
-              <a:srgbClr val="F1EFF2"/>
-            </a:solidFill>
-          </p:spPr>
-        </p:sp>
-      </p:grpSp>
-      <p:grpSp>
-        <p:nvGrpSpPr>
-          <p:cNvPr id="4" name="Group 4"/>
-          <p:cNvGrpSpPr/>
-          <p:nvPr/>
-        </p:nvGrpSpPr>
-        <p:grpSpPr>
-          <a:xfrm>
             <a:off x="0" y="0"/>
             <a:ext cx="504600" cy="10287000"/>
             <a:chOff x="0" y="0"/>
@@ -14266,7 +14674,13 @@
         </p:grpSpPr>
         <p:sp>
           <p:nvSpPr>
-            <p:cNvPr id="5" name="Freeform 5"/>
+            <p:cNvPr id="3" name="Freeform 3">
+              <a:extLst>
+                <a:ext uri="{FF2B5EF4-FFF2-40B4-BE49-F238E27FC236}">
+                  <a16:creationId xmlns:a16="http://schemas.microsoft.com/office/drawing/2014/main" id="{57DD1724-2BE8-2DAF-7D56-09974AAB4A5B}"/>
+                </a:ext>
+              </a:extLst>
+            </p:cNvPr>
             <p:cNvSpPr/>
             <p:nvPr/>
           </p:nvSpPr>
@@ -14317,242 +14731,12 @@
           </p:spPr>
         </p:sp>
       </p:grpSp>
-      <p:sp>
-        <p:nvSpPr>
-          <p:cNvPr id="6" name="Freeform 6"/>
-          <p:cNvSpPr/>
-          <p:nvPr/>
-        </p:nvSpPr>
-        <p:spPr>
-          <a:xfrm>
-            <a:off x="2177575" y="2627156"/>
-            <a:ext cx="2690350" cy="2690350"/>
-          </a:xfrm>
-          <a:custGeom>
-            <a:avLst/>
-            <a:gdLst/>
-            <a:ahLst/>
-            <a:cxnLst/>
-            <a:rect l="l" t="t" r="r" b="b"/>
-            <a:pathLst>
-              <a:path w="2690350" h="2690350">
-                <a:moveTo>
-                  <a:pt x="0" y="0"/>
-                </a:moveTo>
-                <a:lnTo>
-                  <a:pt x="2690350" y="0"/>
-                </a:lnTo>
-                <a:lnTo>
-                  <a:pt x="2690350" y="2690350"/>
-                </a:lnTo>
-                <a:lnTo>
-                  <a:pt x="0" y="2690350"/>
-                </a:lnTo>
-                <a:lnTo>
-                  <a:pt x="0" y="0"/>
-                </a:lnTo>
-                <a:close/>
-              </a:path>
-            </a:pathLst>
-          </a:custGeom>
-          <a:blipFill>
-            <a:blip r:embed="rId3"/>
-            <a:stretch>
-              <a:fillRect/>
-            </a:stretch>
-          </a:blipFill>
-        </p:spPr>
-      </p:sp>
-      <p:sp>
-        <p:nvSpPr>
-          <p:cNvPr id="7" name="Freeform 7"/>
-          <p:cNvSpPr/>
-          <p:nvPr/>
-        </p:nvSpPr>
-        <p:spPr>
-          <a:xfrm>
-            <a:off x="5183130" y="2829516"/>
-            <a:ext cx="2285631" cy="2285631"/>
-          </a:xfrm>
-          <a:custGeom>
-            <a:avLst/>
-            <a:gdLst/>
-            <a:ahLst/>
-            <a:cxnLst/>
-            <a:rect l="l" t="t" r="r" b="b"/>
-            <a:pathLst>
-              <a:path w="2285631" h="2285631">
-                <a:moveTo>
-                  <a:pt x="0" y="0"/>
-                </a:moveTo>
-                <a:lnTo>
-                  <a:pt x="2285631" y="0"/>
-                </a:lnTo>
-                <a:lnTo>
-                  <a:pt x="2285631" y="2285631"/>
-                </a:lnTo>
-                <a:lnTo>
-                  <a:pt x="0" y="2285631"/>
-                </a:lnTo>
-                <a:lnTo>
-                  <a:pt x="0" y="0"/>
-                </a:lnTo>
-                <a:close/>
-              </a:path>
-            </a:pathLst>
-          </a:custGeom>
-          <a:blipFill>
-            <a:blip r:embed="rId4"/>
-            <a:stretch>
-              <a:fillRect/>
-            </a:stretch>
-          </a:blipFill>
-        </p:spPr>
-      </p:sp>
-      <p:sp>
-        <p:nvSpPr>
-          <p:cNvPr id="8" name="Freeform 8"/>
-          <p:cNvSpPr/>
-          <p:nvPr/>
-        </p:nvSpPr>
-        <p:spPr>
-          <a:xfrm>
-            <a:off x="2379935" y="5669328"/>
-            <a:ext cx="2285631" cy="2285631"/>
-          </a:xfrm>
-          <a:custGeom>
-            <a:avLst/>
-            <a:gdLst/>
-            <a:ahLst/>
-            <a:cxnLst/>
-            <a:rect l="l" t="t" r="r" b="b"/>
-            <a:pathLst>
-              <a:path w="2285631" h="2285631">
-                <a:moveTo>
-                  <a:pt x="0" y="0"/>
-                </a:moveTo>
-                <a:lnTo>
-                  <a:pt x="2285631" y="0"/>
-                </a:lnTo>
-                <a:lnTo>
-                  <a:pt x="2285631" y="2285631"/>
-                </a:lnTo>
-                <a:lnTo>
-                  <a:pt x="0" y="2285631"/>
-                </a:lnTo>
-                <a:lnTo>
-                  <a:pt x="0" y="0"/>
-                </a:lnTo>
-                <a:close/>
-              </a:path>
-            </a:pathLst>
-          </a:custGeom>
-          <a:blipFill>
-            <a:blip r:embed="rId5"/>
-            <a:stretch>
-              <a:fillRect/>
-            </a:stretch>
-          </a:blipFill>
-        </p:spPr>
-      </p:sp>
-      <p:sp>
-        <p:nvSpPr>
-          <p:cNvPr id="9" name="Freeform 9"/>
-          <p:cNvSpPr/>
-          <p:nvPr/>
-        </p:nvSpPr>
-        <p:spPr>
-          <a:xfrm>
-            <a:off x="11894890" y="2031907"/>
-            <a:ext cx="2869461" cy="2869461"/>
-          </a:xfrm>
-          <a:custGeom>
-            <a:avLst/>
-            <a:gdLst/>
-            <a:ahLst/>
-            <a:cxnLst/>
-            <a:rect l="l" t="t" r="r" b="b"/>
-            <a:pathLst>
-              <a:path w="2869461" h="2869461">
-                <a:moveTo>
-                  <a:pt x="0" y="0"/>
-                </a:moveTo>
-                <a:lnTo>
-                  <a:pt x="2869461" y="0"/>
-                </a:lnTo>
-                <a:lnTo>
-                  <a:pt x="2869461" y="2869462"/>
-                </a:lnTo>
-                <a:lnTo>
-                  <a:pt x="0" y="2869462"/>
-                </a:lnTo>
-                <a:lnTo>
-                  <a:pt x="0" y="0"/>
-                </a:lnTo>
-                <a:close/>
-              </a:path>
-            </a:pathLst>
-          </a:custGeom>
-          <a:blipFill>
-            <a:blip r:embed="rId6"/>
-            <a:stretch>
-              <a:fillRect/>
-            </a:stretch>
-          </a:blipFill>
-        </p:spPr>
-      </p:sp>
-      <p:sp>
-        <p:nvSpPr>
-          <p:cNvPr id="10" name="Freeform 10"/>
-          <p:cNvSpPr/>
-          <p:nvPr/>
-        </p:nvSpPr>
-        <p:spPr>
-          <a:xfrm>
-            <a:off x="10935787" y="4720550"/>
-            <a:ext cx="4787666" cy="4787666"/>
-          </a:xfrm>
-          <a:custGeom>
-            <a:avLst/>
-            <a:gdLst/>
-            <a:ahLst/>
-            <a:cxnLst/>
-            <a:rect l="l" t="t" r="r" b="b"/>
-            <a:pathLst>
-              <a:path w="4787666" h="4787666">
-                <a:moveTo>
-                  <a:pt x="0" y="0"/>
-                </a:moveTo>
-                <a:lnTo>
-                  <a:pt x="4787667" y="0"/>
-                </a:lnTo>
-                <a:lnTo>
-                  <a:pt x="4787667" y="4787666"/>
-                </a:lnTo>
-                <a:lnTo>
-                  <a:pt x="0" y="4787666"/>
-                </a:lnTo>
-                <a:lnTo>
-                  <a:pt x="0" y="0"/>
-                </a:lnTo>
-                <a:close/>
-              </a:path>
-            </a:pathLst>
-          </a:custGeom>
-          <a:blipFill>
-            <a:blip r:embed="rId7"/>
-            <a:stretch>
-              <a:fillRect/>
-            </a:stretch>
-          </a:blipFill>
-        </p:spPr>
-      </p:sp>
       <p:pic>
         <p:nvPicPr>
-          <p:cNvPr id="11" name="Imagem 10" descr="Trello - ícones de mídia social grátis">
+          <p:cNvPr id="15" name="Imagem 14" descr="Texto&#10;&#10;O conteúdo gerado por IA pode estar incorreto.">
             <a:extLst>
               <a:ext uri="{FF2B5EF4-FFF2-40B4-BE49-F238E27FC236}">
-                <a16:creationId xmlns:a16="http://schemas.microsoft.com/office/drawing/2014/main" id="{9782C365-9E8D-5C49-2581-805CC9C82E65}"/>
+                <a16:creationId xmlns:a16="http://schemas.microsoft.com/office/drawing/2014/main" id="{3002E7E5-236F-2378-EE07-F4D45133BD4F}"/>
               </a:ext>
             </a:extLst>
           </p:cNvPr>
@@ -14562,15 +14746,15 @@
           <p:nvPr/>
         </p:nvPicPr>
         <p:blipFill>
-          <a:blip r:embed="rId8"/>
+          <a:blip r:embed="rId3"/>
           <a:stretch>
             <a:fillRect/>
           </a:stretch>
         </p:blipFill>
         <p:spPr>
           <a:xfrm>
-            <a:off x="5330685" y="5802795"/>
-            <a:ext cx="2011019" cy="2011019"/>
+            <a:off x="1432063" y="592207"/>
+            <a:ext cx="15423873" cy="9119152"/>
           </a:xfrm>
           <a:prstGeom prst="rect">
             <a:avLst/>
@@ -14578,6 +14762,11 @@
         </p:spPr>
       </p:pic>
     </p:spTree>
+    <p:extLst>
+      <p:ext uri="{BB962C8B-B14F-4D97-AF65-F5344CB8AC3E}">
+        <p14:creationId xmlns:p14="http://schemas.microsoft.com/office/powerpoint/2010/main" val="2352305121"/>
+      </p:ext>
+    </p:extLst>
   </p:cSld>
   <p:clrMapOvr>
     <a:masterClrMapping/>
@@ -15187,8 +15376,8 @@
         </p:nvGrpSpPr>
         <p:grpSpPr>
           <a:xfrm>
-            <a:off x="7540152" y="6270542"/>
-            <a:ext cx="10464862" cy="540906"/>
+            <a:off x="8361755" y="6221856"/>
+            <a:ext cx="6049481" cy="312685"/>
             <a:chOff x="0" y="0"/>
             <a:chExt cx="7470592" cy="386139"/>
           </a:xfrm>
@@ -15242,8 +15431,8 @@
         </p:nvSpPr>
         <p:spPr>
           <a:xfrm>
-            <a:off x="7707775" y="4451981"/>
-            <a:ext cx="10297239" cy="1327338"/>
+            <a:off x="8323655" y="4395948"/>
+            <a:ext cx="10094539" cy="2302493"/>
           </a:xfrm>
           <a:prstGeom prst="rect">
             <a:avLst/>
@@ -15257,11 +15446,11 @@
           <a:p>
             <a:pPr algn="l">
               <a:lnSpc>
-                <a:spcPts val="8927"/>
+                <a:spcPts val="8347"/>
               </a:lnSpc>
             </a:pPr>
             <a:r>
-              <a:rPr lang="en-US" sz="12399">
+              <a:rPr lang="en-US" sz="11593">
                 <a:solidFill>
                   <a:srgbClr val="000000"/>
                 </a:solidFill>
@@ -15270,7 +15459,7 @@
                 <a:cs typeface="Abhaya Libre"/>
                 <a:sym typeface="Abhaya Libre"/>
               </a:rPr>
-              <a:t>         Processo de</a:t>
+              <a:t>         Tecnologias Utilizadas</a:t>
             </a:r>
           </a:p>
         </p:txBody>
@@ -15399,8 +15588,8 @@
         </p:nvSpPr>
         <p:spPr>
           <a:xfrm>
-            <a:off x="7707775" y="7280026"/>
-            <a:ext cx="7217426" cy="1000125"/>
+            <a:off x="8361755" y="7452169"/>
+            <a:ext cx="5746950" cy="514350"/>
           </a:xfrm>
           <a:prstGeom prst="rect">
             <a:avLst/>
@@ -15427,7 +15616,7 @@
                 <a:cs typeface="Poppins"/>
                 <a:sym typeface="Poppins"/>
               </a:rPr>
-              <a:t>O caminho percorrido: etapas que transformaram o projeto</a:t>
+              <a:t>O que sustenta a solução</a:t>
             </a:r>
           </a:p>
         </p:txBody>
@@ -15581,6 +15770,1546 @@
           </a:blipFill>
         </p:spPr>
       </p:sp>
+    </p:spTree>
+  </p:cSld>
+  <p:clrMapOvr>
+    <a:masterClrMapping/>
+  </p:clrMapOvr>
+</p:sld>
+</file>
+
+<file path=ppt/slides/slide21.xml><?xml version="1.0" encoding="utf-8"?>
+<p:sld xmlns:a="http://schemas.openxmlformats.org/drawingml/2006/main" xmlns:r="http://schemas.openxmlformats.org/officeDocument/2006/relationships" xmlns:p="http://schemas.openxmlformats.org/presentationml/2006/main">
+  <p:cSld>
+    <p:bg>
+      <p:bgPr>
+        <a:solidFill>
+          <a:srgbClr val="F3F3F3"/>
+        </a:solidFill>
+        <a:effectLst/>
+      </p:bgPr>
+    </p:bg>
+    <p:spTree>
+      <p:nvGrpSpPr>
+        <p:cNvPr id="1" name=""/>
+        <p:cNvGrpSpPr/>
+        <p:nvPr/>
+      </p:nvGrpSpPr>
+      <p:grpSpPr>
+        <a:xfrm>
+          <a:off x="0" y="0"/>
+          <a:ext cx="0" cy="0"/>
+          <a:chOff x="0" y="0"/>
+          <a:chExt cx="0" cy="0"/>
+        </a:xfrm>
+      </p:grpSpPr>
+      <p:grpSp>
+        <p:nvGrpSpPr>
+          <p:cNvPr id="2" name="Group 2"/>
+          <p:cNvGrpSpPr/>
+          <p:nvPr/>
+        </p:nvGrpSpPr>
+        <p:grpSpPr>
+          <a:xfrm>
+            <a:off x="16738621" y="7437013"/>
+            <a:ext cx="323746" cy="322864"/>
+            <a:chOff x="0" y="0"/>
+            <a:chExt cx="606741" cy="605088"/>
+          </a:xfrm>
+        </p:grpSpPr>
+        <p:sp>
+          <p:nvSpPr>
+            <p:cNvPr id="3" name="Freeform 3"/>
+            <p:cNvSpPr/>
+            <p:nvPr/>
+          </p:nvSpPr>
+          <p:spPr>
+            <a:xfrm>
+              <a:off x="0" y="0"/>
+              <a:ext cx="606679" cy="605028"/>
+            </a:xfrm>
+            <a:custGeom>
+              <a:avLst/>
+              <a:gdLst/>
+              <a:ahLst/>
+              <a:cxnLst/>
+              <a:rect l="l" t="t" r="r" b="b"/>
+              <a:pathLst>
+                <a:path w="606679" h="605028">
+                  <a:moveTo>
+                    <a:pt x="304165" y="0"/>
+                  </a:moveTo>
+                  <a:lnTo>
+                    <a:pt x="275844" y="115316"/>
+                  </a:lnTo>
+                  <a:cubicBezTo>
+                    <a:pt x="257429" y="193929"/>
+                    <a:pt x="195580" y="255778"/>
+                    <a:pt x="117094" y="274066"/>
+                  </a:cubicBezTo>
+                  <a:lnTo>
+                    <a:pt x="0" y="300863"/>
+                  </a:lnTo>
+                  <a:lnTo>
+                    <a:pt x="116967" y="329311"/>
+                  </a:lnTo>
+                  <a:cubicBezTo>
+                    <a:pt x="195580" y="347726"/>
+                    <a:pt x="257429" y="409575"/>
+                    <a:pt x="275717" y="488061"/>
+                  </a:cubicBezTo>
+                  <a:lnTo>
+                    <a:pt x="302514" y="605028"/>
+                  </a:lnTo>
+                  <a:lnTo>
+                    <a:pt x="330962" y="488061"/>
+                  </a:lnTo>
+                  <a:cubicBezTo>
+                    <a:pt x="349377" y="409448"/>
+                    <a:pt x="411226" y="347599"/>
+                    <a:pt x="489712" y="329311"/>
+                  </a:cubicBezTo>
+                  <a:lnTo>
+                    <a:pt x="606679" y="302514"/>
+                  </a:lnTo>
+                  <a:lnTo>
+                    <a:pt x="489712" y="274066"/>
+                  </a:lnTo>
+                  <a:cubicBezTo>
+                    <a:pt x="411099" y="255651"/>
+                    <a:pt x="349250" y="193802"/>
+                    <a:pt x="330962" y="115316"/>
+                  </a:cubicBezTo>
+                  <a:lnTo>
+                    <a:pt x="304165" y="0"/>
+                  </a:lnTo>
+                  <a:close/>
+                </a:path>
+              </a:pathLst>
+            </a:custGeom>
+            <a:solidFill>
+              <a:srgbClr val="F1EFF2"/>
+            </a:solidFill>
+          </p:spPr>
+        </p:sp>
+      </p:grpSp>
+      <p:grpSp>
+        <p:nvGrpSpPr>
+          <p:cNvPr id="4" name="Group 4"/>
+          <p:cNvGrpSpPr/>
+          <p:nvPr/>
+        </p:nvGrpSpPr>
+        <p:grpSpPr>
+          <a:xfrm>
+            <a:off x="0" y="0"/>
+            <a:ext cx="504600" cy="10287000"/>
+            <a:chOff x="0" y="0"/>
+            <a:chExt cx="672800" cy="13716000"/>
+          </a:xfrm>
+        </p:grpSpPr>
+        <p:sp>
+          <p:nvSpPr>
+            <p:cNvPr id="5" name="Freeform 5"/>
+            <p:cNvSpPr/>
+            <p:nvPr/>
+          </p:nvSpPr>
+          <p:spPr>
+            <a:xfrm>
+              <a:off x="0" y="0"/>
+              <a:ext cx="672846" cy="13716000"/>
+            </a:xfrm>
+            <a:custGeom>
+              <a:avLst/>
+              <a:gdLst/>
+              <a:ahLst/>
+              <a:cxnLst/>
+              <a:rect l="l" t="t" r="r" b="b"/>
+              <a:pathLst>
+                <a:path w="672846" h="13716000">
+                  <a:moveTo>
+                    <a:pt x="0" y="0"/>
+                  </a:moveTo>
+                  <a:lnTo>
+                    <a:pt x="672846" y="0"/>
+                  </a:lnTo>
+                  <a:lnTo>
+                    <a:pt x="672846" y="13716000"/>
+                  </a:lnTo>
+                  <a:lnTo>
+                    <a:pt x="0" y="13716000"/>
+                  </a:lnTo>
+                  <a:close/>
+                </a:path>
+              </a:pathLst>
+            </a:custGeom>
+            <a:gradFill rotWithShape="1">
+              <a:gsLst>
+                <a:gs pos="0">
+                  <a:srgbClr val="ED7A07">
+                    <a:alpha val="100000"/>
+                  </a:srgbClr>
+                </a:gs>
+                <a:gs pos="100000">
+                  <a:srgbClr val="737373">
+                    <a:alpha val="0"/>
+                  </a:srgbClr>
+                </a:gs>
+              </a:gsLst>
+              <a:lin ang="5400002"/>
+            </a:gradFill>
+          </p:spPr>
+        </p:sp>
+      </p:grpSp>
+      <p:sp>
+        <p:nvSpPr>
+          <p:cNvPr id="6" name="Freeform 6"/>
+          <p:cNvSpPr/>
+          <p:nvPr/>
+        </p:nvSpPr>
+        <p:spPr>
+          <a:xfrm>
+            <a:off x="1678062" y="3159452"/>
+            <a:ext cx="2067249" cy="2067249"/>
+          </a:xfrm>
+          <a:custGeom>
+            <a:avLst/>
+            <a:gdLst/>
+            <a:ahLst/>
+            <a:cxnLst/>
+            <a:rect l="l" t="t" r="r" b="b"/>
+            <a:pathLst>
+              <a:path w="2067249" h="2067249">
+                <a:moveTo>
+                  <a:pt x="0" y="0"/>
+                </a:moveTo>
+                <a:lnTo>
+                  <a:pt x="2067249" y="0"/>
+                </a:lnTo>
+                <a:lnTo>
+                  <a:pt x="2067249" y="2067249"/>
+                </a:lnTo>
+                <a:lnTo>
+                  <a:pt x="0" y="2067249"/>
+                </a:lnTo>
+                <a:lnTo>
+                  <a:pt x="0" y="0"/>
+                </a:lnTo>
+                <a:close/>
+              </a:path>
+            </a:pathLst>
+          </a:custGeom>
+          <a:blipFill>
+            <a:blip r:embed="rId3"/>
+            <a:stretch>
+              <a:fillRect/>
+            </a:stretch>
+          </a:blipFill>
+        </p:spPr>
+      </p:sp>
+      <p:sp>
+        <p:nvSpPr>
+          <p:cNvPr id="7" name="Freeform 7"/>
+          <p:cNvSpPr/>
+          <p:nvPr/>
+        </p:nvSpPr>
+        <p:spPr>
+          <a:xfrm>
+            <a:off x="4120171" y="3159452"/>
+            <a:ext cx="2067249" cy="2067249"/>
+          </a:xfrm>
+          <a:custGeom>
+            <a:avLst/>
+            <a:gdLst/>
+            <a:ahLst/>
+            <a:cxnLst/>
+            <a:rect l="l" t="t" r="r" b="b"/>
+            <a:pathLst>
+              <a:path w="2067249" h="2067249">
+                <a:moveTo>
+                  <a:pt x="0" y="0"/>
+                </a:moveTo>
+                <a:lnTo>
+                  <a:pt x="2067249" y="0"/>
+                </a:lnTo>
+                <a:lnTo>
+                  <a:pt x="2067249" y="2067249"/>
+                </a:lnTo>
+                <a:lnTo>
+                  <a:pt x="0" y="2067249"/>
+                </a:lnTo>
+                <a:lnTo>
+                  <a:pt x="0" y="0"/>
+                </a:lnTo>
+                <a:close/>
+              </a:path>
+            </a:pathLst>
+          </a:custGeom>
+          <a:blipFill>
+            <a:blip r:embed="rId4"/>
+            <a:stretch>
+              <a:fillRect/>
+            </a:stretch>
+          </a:blipFill>
+        </p:spPr>
+      </p:sp>
+      <p:sp>
+        <p:nvSpPr>
+          <p:cNvPr id="8" name="Freeform 8"/>
+          <p:cNvSpPr/>
+          <p:nvPr/>
+        </p:nvSpPr>
+        <p:spPr>
+          <a:xfrm>
+            <a:off x="1470947" y="5376652"/>
+            <a:ext cx="2274364" cy="2274364"/>
+          </a:xfrm>
+          <a:custGeom>
+            <a:avLst/>
+            <a:gdLst/>
+            <a:ahLst/>
+            <a:cxnLst/>
+            <a:rect l="l" t="t" r="r" b="b"/>
+            <a:pathLst>
+              <a:path w="2274364" h="2274364">
+                <a:moveTo>
+                  <a:pt x="0" y="0"/>
+                </a:moveTo>
+                <a:lnTo>
+                  <a:pt x="2274364" y="0"/>
+                </a:lnTo>
+                <a:lnTo>
+                  <a:pt x="2274364" y="2274364"/>
+                </a:lnTo>
+                <a:lnTo>
+                  <a:pt x="0" y="2274364"/>
+                </a:lnTo>
+                <a:lnTo>
+                  <a:pt x="0" y="0"/>
+                </a:lnTo>
+                <a:close/>
+              </a:path>
+            </a:pathLst>
+          </a:custGeom>
+          <a:blipFill>
+            <a:blip r:embed="rId5"/>
+            <a:stretch>
+              <a:fillRect/>
+            </a:stretch>
+          </a:blipFill>
+        </p:spPr>
+      </p:sp>
+      <p:sp>
+        <p:nvSpPr>
+          <p:cNvPr id="9" name="Freeform 9"/>
+          <p:cNvSpPr/>
+          <p:nvPr/>
+        </p:nvSpPr>
+        <p:spPr>
+          <a:xfrm>
+            <a:off x="14483373" y="2827032"/>
+            <a:ext cx="2057371" cy="2057371"/>
+          </a:xfrm>
+          <a:custGeom>
+            <a:avLst/>
+            <a:gdLst/>
+            <a:ahLst/>
+            <a:cxnLst/>
+            <a:rect l="l" t="t" r="r" b="b"/>
+            <a:pathLst>
+              <a:path w="2057371" h="2057371">
+                <a:moveTo>
+                  <a:pt x="0" y="0"/>
+                </a:moveTo>
+                <a:lnTo>
+                  <a:pt x="2057372" y="0"/>
+                </a:lnTo>
+                <a:lnTo>
+                  <a:pt x="2057372" y="2057372"/>
+                </a:lnTo>
+                <a:lnTo>
+                  <a:pt x="0" y="2057372"/>
+                </a:lnTo>
+                <a:lnTo>
+                  <a:pt x="0" y="0"/>
+                </a:lnTo>
+                <a:close/>
+              </a:path>
+            </a:pathLst>
+          </a:custGeom>
+          <a:blipFill>
+            <a:blip r:embed="rId6"/>
+            <a:stretch>
+              <a:fillRect/>
+            </a:stretch>
+          </a:blipFill>
+        </p:spPr>
+      </p:sp>
+      <p:sp>
+        <p:nvSpPr>
+          <p:cNvPr id="10" name="Freeform 10"/>
+          <p:cNvSpPr/>
+          <p:nvPr/>
+        </p:nvSpPr>
+        <p:spPr>
+          <a:xfrm>
+            <a:off x="11647070" y="2680996"/>
+            <a:ext cx="2349444" cy="2349444"/>
+          </a:xfrm>
+          <a:custGeom>
+            <a:avLst/>
+            <a:gdLst/>
+            <a:ahLst/>
+            <a:cxnLst/>
+            <a:rect l="l" t="t" r="r" b="b"/>
+            <a:pathLst>
+              <a:path w="2349444" h="2349444">
+                <a:moveTo>
+                  <a:pt x="0" y="0"/>
+                </a:moveTo>
+                <a:lnTo>
+                  <a:pt x="2349444" y="0"/>
+                </a:lnTo>
+                <a:lnTo>
+                  <a:pt x="2349444" y="2349444"/>
+                </a:lnTo>
+                <a:lnTo>
+                  <a:pt x="0" y="2349444"/>
+                </a:lnTo>
+                <a:lnTo>
+                  <a:pt x="0" y="0"/>
+                </a:lnTo>
+                <a:close/>
+              </a:path>
+            </a:pathLst>
+          </a:custGeom>
+          <a:blipFill>
+            <a:blip r:embed="rId7"/>
+            <a:stretch>
+              <a:fillRect/>
+            </a:stretch>
+          </a:blipFill>
+        </p:spPr>
+      </p:sp>
+      <p:sp>
+        <p:nvSpPr>
+          <p:cNvPr id="11" name="Freeform 11"/>
+          <p:cNvSpPr/>
+          <p:nvPr/>
+        </p:nvSpPr>
+        <p:spPr>
+          <a:xfrm>
+            <a:off x="14621636" y="5750060"/>
+            <a:ext cx="1788896" cy="1788896"/>
+          </a:xfrm>
+          <a:custGeom>
+            <a:avLst/>
+            <a:gdLst/>
+            <a:ahLst/>
+            <a:cxnLst/>
+            <a:rect l="l" t="t" r="r" b="b"/>
+            <a:pathLst>
+              <a:path w="1788896" h="1788896">
+                <a:moveTo>
+                  <a:pt x="0" y="0"/>
+                </a:moveTo>
+                <a:lnTo>
+                  <a:pt x="1788895" y="0"/>
+                </a:lnTo>
+                <a:lnTo>
+                  <a:pt x="1788895" y="1788895"/>
+                </a:lnTo>
+                <a:lnTo>
+                  <a:pt x="0" y="1788895"/>
+                </a:lnTo>
+                <a:lnTo>
+                  <a:pt x="0" y="0"/>
+                </a:lnTo>
+                <a:close/>
+              </a:path>
+            </a:pathLst>
+          </a:custGeom>
+          <a:blipFill>
+            <a:blip r:embed="rId8"/>
+            <a:stretch>
+              <a:fillRect/>
+            </a:stretch>
+          </a:blipFill>
+        </p:spPr>
+      </p:sp>
+      <p:sp>
+        <p:nvSpPr>
+          <p:cNvPr id="12" name="Freeform 12"/>
+          <p:cNvSpPr/>
+          <p:nvPr/>
+        </p:nvSpPr>
+        <p:spPr>
+          <a:xfrm>
+            <a:off x="11523064" y="5376652"/>
+            <a:ext cx="2473451" cy="2473451"/>
+          </a:xfrm>
+          <a:custGeom>
+            <a:avLst/>
+            <a:gdLst/>
+            <a:ahLst/>
+            <a:cxnLst/>
+            <a:rect l="l" t="t" r="r" b="b"/>
+            <a:pathLst>
+              <a:path w="2473451" h="2473451">
+                <a:moveTo>
+                  <a:pt x="0" y="0"/>
+                </a:moveTo>
+                <a:lnTo>
+                  <a:pt x="2473450" y="0"/>
+                </a:lnTo>
+                <a:lnTo>
+                  <a:pt x="2473450" y="2473451"/>
+                </a:lnTo>
+                <a:lnTo>
+                  <a:pt x="0" y="2473451"/>
+                </a:lnTo>
+                <a:lnTo>
+                  <a:pt x="0" y="0"/>
+                </a:lnTo>
+                <a:close/>
+              </a:path>
+            </a:pathLst>
+          </a:custGeom>
+          <a:blipFill>
+            <a:blip r:embed="rId9"/>
+            <a:stretch>
+              <a:fillRect/>
+            </a:stretch>
+          </a:blipFill>
+        </p:spPr>
+      </p:sp>
+      <p:sp>
+        <p:nvSpPr>
+          <p:cNvPr id="13" name="Freeform 13"/>
+          <p:cNvSpPr/>
+          <p:nvPr/>
+        </p:nvSpPr>
+        <p:spPr>
+          <a:xfrm>
+            <a:off x="4101987" y="5462025"/>
+            <a:ext cx="2103618" cy="2103618"/>
+          </a:xfrm>
+          <a:custGeom>
+            <a:avLst/>
+            <a:gdLst/>
+            <a:ahLst/>
+            <a:cxnLst/>
+            <a:rect l="l" t="t" r="r" b="b"/>
+            <a:pathLst>
+              <a:path w="2103618" h="2103618">
+                <a:moveTo>
+                  <a:pt x="0" y="0"/>
+                </a:moveTo>
+                <a:lnTo>
+                  <a:pt x="2103617" y="0"/>
+                </a:lnTo>
+                <a:lnTo>
+                  <a:pt x="2103617" y="2103618"/>
+                </a:lnTo>
+                <a:lnTo>
+                  <a:pt x="0" y="2103618"/>
+                </a:lnTo>
+                <a:lnTo>
+                  <a:pt x="0" y="0"/>
+                </a:lnTo>
+                <a:close/>
+              </a:path>
+            </a:pathLst>
+          </a:custGeom>
+          <a:blipFill>
+            <a:blip r:embed="rId10"/>
+            <a:stretch>
+              <a:fillRect/>
+            </a:stretch>
+          </a:blipFill>
+        </p:spPr>
+      </p:sp>
+    </p:spTree>
+  </p:cSld>
+  <p:clrMapOvr>
+    <a:masterClrMapping/>
+  </p:clrMapOvr>
+</p:sld>
+</file>
+
+<file path=ppt/slides/slide22.xml><?xml version="1.0" encoding="utf-8"?>
+<p:sld xmlns:a="http://schemas.openxmlformats.org/drawingml/2006/main" xmlns:r="http://schemas.openxmlformats.org/officeDocument/2006/relationships" xmlns:p="http://schemas.openxmlformats.org/presentationml/2006/main">
+  <p:cSld>
+    <p:bg>
+      <p:bgPr>
+        <a:solidFill>
+          <a:srgbClr val="F3F3F3"/>
+        </a:solidFill>
+        <a:effectLst/>
+      </p:bgPr>
+    </p:bg>
+    <p:spTree>
+      <p:nvGrpSpPr>
+        <p:cNvPr id="1" name=""/>
+        <p:cNvGrpSpPr/>
+        <p:nvPr/>
+      </p:nvGrpSpPr>
+      <p:grpSpPr>
+        <a:xfrm>
+          <a:off x="0" y="0"/>
+          <a:ext cx="0" cy="0"/>
+          <a:chOff x="0" y="0"/>
+          <a:chExt cx="0" cy="0"/>
+        </a:xfrm>
+      </p:grpSpPr>
+      <p:grpSp>
+        <p:nvGrpSpPr>
+          <p:cNvPr id="2" name="Group 2"/>
+          <p:cNvGrpSpPr/>
+          <p:nvPr/>
+        </p:nvGrpSpPr>
+        <p:grpSpPr>
+          <a:xfrm>
+            <a:off x="16615730" y="8637146"/>
+            <a:ext cx="455056" cy="453816"/>
+            <a:chOff x="0" y="0"/>
+            <a:chExt cx="606741" cy="605088"/>
+          </a:xfrm>
+        </p:grpSpPr>
+        <p:sp>
+          <p:nvSpPr>
+            <p:cNvPr id="3" name="Freeform 3"/>
+            <p:cNvSpPr/>
+            <p:nvPr/>
+          </p:nvSpPr>
+          <p:spPr>
+            <a:xfrm>
+              <a:off x="0" y="0"/>
+              <a:ext cx="606679" cy="605028"/>
+            </a:xfrm>
+            <a:custGeom>
+              <a:avLst/>
+              <a:gdLst/>
+              <a:ahLst/>
+              <a:cxnLst/>
+              <a:rect l="l" t="t" r="r" b="b"/>
+              <a:pathLst>
+                <a:path w="606679" h="605028">
+                  <a:moveTo>
+                    <a:pt x="304165" y="0"/>
+                  </a:moveTo>
+                  <a:lnTo>
+                    <a:pt x="275844" y="115316"/>
+                  </a:lnTo>
+                  <a:cubicBezTo>
+                    <a:pt x="257429" y="193929"/>
+                    <a:pt x="195580" y="255778"/>
+                    <a:pt x="117094" y="274066"/>
+                  </a:cubicBezTo>
+                  <a:lnTo>
+                    <a:pt x="0" y="300863"/>
+                  </a:lnTo>
+                  <a:lnTo>
+                    <a:pt x="116967" y="329311"/>
+                  </a:lnTo>
+                  <a:cubicBezTo>
+                    <a:pt x="195580" y="347726"/>
+                    <a:pt x="257429" y="409575"/>
+                    <a:pt x="275717" y="488061"/>
+                  </a:cubicBezTo>
+                  <a:lnTo>
+                    <a:pt x="302514" y="605028"/>
+                  </a:lnTo>
+                  <a:lnTo>
+                    <a:pt x="330962" y="488061"/>
+                  </a:lnTo>
+                  <a:cubicBezTo>
+                    <a:pt x="349377" y="409448"/>
+                    <a:pt x="411226" y="347599"/>
+                    <a:pt x="489712" y="329311"/>
+                  </a:cubicBezTo>
+                  <a:lnTo>
+                    <a:pt x="606679" y="302514"/>
+                  </a:lnTo>
+                  <a:lnTo>
+                    <a:pt x="489712" y="274066"/>
+                  </a:lnTo>
+                  <a:cubicBezTo>
+                    <a:pt x="411099" y="255651"/>
+                    <a:pt x="349250" y="193802"/>
+                    <a:pt x="330962" y="115316"/>
+                  </a:cubicBezTo>
+                  <a:lnTo>
+                    <a:pt x="304165" y="0"/>
+                  </a:lnTo>
+                  <a:close/>
+                </a:path>
+              </a:pathLst>
+            </a:custGeom>
+            <a:solidFill>
+              <a:srgbClr val="F1EFF2"/>
+            </a:solidFill>
+          </p:spPr>
+        </p:sp>
+      </p:grpSp>
+      <p:grpSp>
+        <p:nvGrpSpPr>
+          <p:cNvPr id="4" name="Group 4"/>
+          <p:cNvGrpSpPr/>
+          <p:nvPr/>
+        </p:nvGrpSpPr>
+        <p:grpSpPr>
+          <a:xfrm>
+            <a:off x="0" y="0"/>
+            <a:ext cx="504600" cy="10287000"/>
+            <a:chOff x="0" y="0"/>
+            <a:chExt cx="672800" cy="13716000"/>
+          </a:xfrm>
+        </p:grpSpPr>
+        <p:sp>
+          <p:nvSpPr>
+            <p:cNvPr id="5" name="Freeform 5"/>
+            <p:cNvSpPr/>
+            <p:nvPr/>
+          </p:nvSpPr>
+          <p:spPr>
+            <a:xfrm>
+              <a:off x="0" y="0"/>
+              <a:ext cx="672846" cy="13716000"/>
+            </a:xfrm>
+            <a:custGeom>
+              <a:avLst/>
+              <a:gdLst/>
+              <a:ahLst/>
+              <a:cxnLst/>
+              <a:rect l="l" t="t" r="r" b="b"/>
+              <a:pathLst>
+                <a:path w="672846" h="13716000">
+                  <a:moveTo>
+                    <a:pt x="0" y="0"/>
+                  </a:moveTo>
+                  <a:lnTo>
+                    <a:pt x="672846" y="0"/>
+                  </a:lnTo>
+                  <a:lnTo>
+                    <a:pt x="672846" y="13716000"/>
+                  </a:lnTo>
+                  <a:lnTo>
+                    <a:pt x="0" y="13716000"/>
+                  </a:lnTo>
+                  <a:close/>
+                </a:path>
+              </a:pathLst>
+            </a:custGeom>
+            <a:gradFill rotWithShape="1">
+              <a:gsLst>
+                <a:gs pos="0">
+                  <a:srgbClr val="ED7A07">
+                    <a:alpha val="100000"/>
+                  </a:srgbClr>
+                </a:gs>
+                <a:gs pos="100000">
+                  <a:srgbClr val="737373">
+                    <a:alpha val="0"/>
+                  </a:srgbClr>
+                </a:gs>
+              </a:gsLst>
+              <a:lin ang="5400002"/>
+            </a:gradFill>
+          </p:spPr>
+        </p:sp>
+      </p:grpSp>
+      <p:sp>
+        <p:nvSpPr>
+          <p:cNvPr id="6" name="Freeform 6"/>
+          <p:cNvSpPr/>
+          <p:nvPr/>
+        </p:nvSpPr>
+        <p:spPr>
+          <a:xfrm>
+            <a:off x="2177575" y="2627156"/>
+            <a:ext cx="2690350" cy="2690350"/>
+          </a:xfrm>
+          <a:custGeom>
+            <a:avLst/>
+            <a:gdLst/>
+            <a:ahLst/>
+            <a:cxnLst/>
+            <a:rect l="l" t="t" r="r" b="b"/>
+            <a:pathLst>
+              <a:path w="2690350" h="2690350">
+                <a:moveTo>
+                  <a:pt x="0" y="0"/>
+                </a:moveTo>
+                <a:lnTo>
+                  <a:pt x="2690350" y="0"/>
+                </a:lnTo>
+                <a:lnTo>
+                  <a:pt x="2690350" y="2690350"/>
+                </a:lnTo>
+                <a:lnTo>
+                  <a:pt x="0" y="2690350"/>
+                </a:lnTo>
+                <a:lnTo>
+                  <a:pt x="0" y="0"/>
+                </a:lnTo>
+                <a:close/>
+              </a:path>
+            </a:pathLst>
+          </a:custGeom>
+          <a:blipFill>
+            <a:blip r:embed="rId3"/>
+            <a:stretch>
+              <a:fillRect/>
+            </a:stretch>
+          </a:blipFill>
+        </p:spPr>
+      </p:sp>
+      <p:sp>
+        <p:nvSpPr>
+          <p:cNvPr id="7" name="Freeform 7"/>
+          <p:cNvSpPr/>
+          <p:nvPr/>
+        </p:nvSpPr>
+        <p:spPr>
+          <a:xfrm>
+            <a:off x="5183130" y="2829516"/>
+            <a:ext cx="2285631" cy="2285631"/>
+          </a:xfrm>
+          <a:custGeom>
+            <a:avLst/>
+            <a:gdLst/>
+            <a:ahLst/>
+            <a:cxnLst/>
+            <a:rect l="l" t="t" r="r" b="b"/>
+            <a:pathLst>
+              <a:path w="2285631" h="2285631">
+                <a:moveTo>
+                  <a:pt x="0" y="0"/>
+                </a:moveTo>
+                <a:lnTo>
+                  <a:pt x="2285631" y="0"/>
+                </a:lnTo>
+                <a:lnTo>
+                  <a:pt x="2285631" y="2285631"/>
+                </a:lnTo>
+                <a:lnTo>
+                  <a:pt x="0" y="2285631"/>
+                </a:lnTo>
+                <a:lnTo>
+                  <a:pt x="0" y="0"/>
+                </a:lnTo>
+                <a:close/>
+              </a:path>
+            </a:pathLst>
+          </a:custGeom>
+          <a:blipFill>
+            <a:blip r:embed="rId4"/>
+            <a:stretch>
+              <a:fillRect/>
+            </a:stretch>
+          </a:blipFill>
+        </p:spPr>
+      </p:sp>
+      <p:sp>
+        <p:nvSpPr>
+          <p:cNvPr id="8" name="Freeform 8"/>
+          <p:cNvSpPr/>
+          <p:nvPr/>
+        </p:nvSpPr>
+        <p:spPr>
+          <a:xfrm>
+            <a:off x="2379935" y="5669328"/>
+            <a:ext cx="2285631" cy="2285631"/>
+          </a:xfrm>
+          <a:custGeom>
+            <a:avLst/>
+            <a:gdLst/>
+            <a:ahLst/>
+            <a:cxnLst/>
+            <a:rect l="l" t="t" r="r" b="b"/>
+            <a:pathLst>
+              <a:path w="2285631" h="2285631">
+                <a:moveTo>
+                  <a:pt x="0" y="0"/>
+                </a:moveTo>
+                <a:lnTo>
+                  <a:pt x="2285631" y="0"/>
+                </a:lnTo>
+                <a:lnTo>
+                  <a:pt x="2285631" y="2285631"/>
+                </a:lnTo>
+                <a:lnTo>
+                  <a:pt x="0" y="2285631"/>
+                </a:lnTo>
+                <a:lnTo>
+                  <a:pt x="0" y="0"/>
+                </a:lnTo>
+                <a:close/>
+              </a:path>
+            </a:pathLst>
+          </a:custGeom>
+          <a:blipFill>
+            <a:blip r:embed="rId5"/>
+            <a:stretch>
+              <a:fillRect/>
+            </a:stretch>
+          </a:blipFill>
+        </p:spPr>
+      </p:sp>
+      <p:sp>
+        <p:nvSpPr>
+          <p:cNvPr id="9" name="Freeform 9"/>
+          <p:cNvSpPr/>
+          <p:nvPr/>
+        </p:nvSpPr>
+        <p:spPr>
+          <a:xfrm>
+            <a:off x="13982107" y="2446037"/>
+            <a:ext cx="2869461" cy="2869461"/>
+          </a:xfrm>
+          <a:custGeom>
+            <a:avLst/>
+            <a:gdLst/>
+            <a:ahLst/>
+            <a:cxnLst/>
+            <a:rect l="l" t="t" r="r" b="b"/>
+            <a:pathLst>
+              <a:path w="2869461" h="2869461">
+                <a:moveTo>
+                  <a:pt x="0" y="0"/>
+                </a:moveTo>
+                <a:lnTo>
+                  <a:pt x="2869461" y="0"/>
+                </a:lnTo>
+                <a:lnTo>
+                  <a:pt x="2869461" y="2869462"/>
+                </a:lnTo>
+                <a:lnTo>
+                  <a:pt x="0" y="2869462"/>
+                </a:lnTo>
+                <a:lnTo>
+                  <a:pt x="0" y="0"/>
+                </a:lnTo>
+                <a:close/>
+              </a:path>
+            </a:pathLst>
+          </a:custGeom>
+          <a:blipFill>
+            <a:blip r:embed="rId6"/>
+            <a:stretch>
+              <a:fillRect/>
+            </a:stretch>
+          </a:blipFill>
+        </p:spPr>
+      </p:sp>
+      <p:sp>
+        <p:nvSpPr>
+          <p:cNvPr id="10" name="Freeform 10"/>
+          <p:cNvSpPr/>
+          <p:nvPr/>
+        </p:nvSpPr>
+        <p:spPr>
+          <a:xfrm>
+            <a:off x="10935787" y="4720550"/>
+            <a:ext cx="4787666" cy="4787666"/>
+          </a:xfrm>
+          <a:custGeom>
+            <a:avLst/>
+            <a:gdLst/>
+            <a:ahLst/>
+            <a:cxnLst/>
+            <a:rect l="l" t="t" r="r" b="b"/>
+            <a:pathLst>
+              <a:path w="4787666" h="4787666">
+                <a:moveTo>
+                  <a:pt x="0" y="0"/>
+                </a:moveTo>
+                <a:lnTo>
+                  <a:pt x="4787667" y="0"/>
+                </a:lnTo>
+                <a:lnTo>
+                  <a:pt x="4787667" y="4787666"/>
+                </a:lnTo>
+                <a:lnTo>
+                  <a:pt x="0" y="4787666"/>
+                </a:lnTo>
+                <a:lnTo>
+                  <a:pt x="0" y="0"/>
+                </a:lnTo>
+                <a:close/>
+              </a:path>
+            </a:pathLst>
+          </a:custGeom>
+          <a:blipFill>
+            <a:blip r:embed="rId7"/>
+            <a:stretch>
+              <a:fillRect/>
+            </a:stretch>
+          </a:blipFill>
+        </p:spPr>
+      </p:sp>
+      <p:pic>
+        <p:nvPicPr>
+          <p:cNvPr id="11" name="Imagem 10" descr="Trello - ícones de mídia social grátis">
+            <a:extLst>
+              <a:ext uri="{FF2B5EF4-FFF2-40B4-BE49-F238E27FC236}">
+                <a16:creationId xmlns:a16="http://schemas.microsoft.com/office/drawing/2014/main" id="{9782C365-9E8D-5C49-2581-805CC9C82E65}"/>
+              </a:ext>
+            </a:extLst>
+          </p:cNvPr>
+          <p:cNvPicPr>
+            <a:picLocks noChangeAspect="1"/>
+          </p:cNvPicPr>
+          <p:nvPr/>
+        </p:nvPicPr>
+        <p:blipFill>
+          <a:blip r:embed="rId8"/>
+          <a:stretch>
+            <a:fillRect/>
+          </a:stretch>
+        </p:blipFill>
+        <p:spPr>
+          <a:xfrm>
+            <a:off x="5330685" y="5802795"/>
+            <a:ext cx="2011019" cy="2011019"/>
+          </a:xfrm>
+          <a:prstGeom prst="rect">
+            <a:avLst/>
+          </a:prstGeom>
+        </p:spPr>
+      </p:pic>
+      <p:pic>
+        <p:nvPicPr>
+          <p:cNvPr id="12" name="Imagem 11" descr="Ficheiro:IntelliJ IDEA Icon.svg – Wikipédia, a enciclopédia livre">
+            <a:extLst>
+              <a:ext uri="{FF2B5EF4-FFF2-40B4-BE49-F238E27FC236}">
+                <a16:creationId xmlns:a16="http://schemas.microsoft.com/office/drawing/2014/main" id="{0AAC28BC-6636-E7ED-104D-63912B1A495A}"/>
+              </a:ext>
+            </a:extLst>
+          </p:cNvPr>
+          <p:cNvPicPr>
+            <a:picLocks noChangeAspect="1"/>
+          </p:cNvPicPr>
+          <p:nvPr/>
+        </p:nvPicPr>
+        <p:blipFill>
+          <a:blip r:embed="rId9"/>
+          <a:stretch>
+            <a:fillRect/>
+          </a:stretch>
+        </p:blipFill>
+        <p:spPr>
+          <a:xfrm>
+            <a:off x="10479983" y="3040132"/>
+            <a:ext cx="2860814" cy="2285172"/>
+          </a:xfrm>
+          <a:prstGeom prst="rect">
+            <a:avLst/>
+          </a:prstGeom>
+        </p:spPr>
+      </p:pic>
+    </p:spTree>
+  </p:cSld>
+  <p:clrMapOvr>
+    <a:masterClrMapping/>
+  </p:clrMapOvr>
+</p:sld>
+</file>
+
+<file path=ppt/slides/slide23.xml><?xml version="1.0" encoding="utf-8"?>
+<p:sld xmlns:a="http://schemas.openxmlformats.org/drawingml/2006/main" xmlns:r="http://schemas.openxmlformats.org/officeDocument/2006/relationships" xmlns:p="http://schemas.openxmlformats.org/presentationml/2006/main">
+  <p:cSld>
+    <p:bg>
+      <p:bgPr>
+        <a:solidFill>
+          <a:srgbClr val="F3F3F3"/>
+        </a:solidFill>
+        <a:effectLst/>
+      </p:bgPr>
+    </p:bg>
+    <p:spTree>
+      <p:nvGrpSpPr>
+        <p:cNvPr id="1" name=""/>
+        <p:cNvGrpSpPr/>
+        <p:nvPr/>
+      </p:nvGrpSpPr>
+      <p:grpSpPr>
+        <a:xfrm>
+          <a:off x="0" y="0"/>
+          <a:ext cx="0" cy="0"/>
+          <a:chOff x="0" y="0"/>
+          <a:chExt cx="0" cy="0"/>
+        </a:xfrm>
+      </p:grpSpPr>
+      <p:grpSp>
+        <p:nvGrpSpPr>
+          <p:cNvPr id="2" name="Group 2"/>
+          <p:cNvGrpSpPr/>
+          <p:nvPr/>
+        </p:nvGrpSpPr>
+        <p:grpSpPr>
+          <a:xfrm>
+            <a:off x="0" y="0"/>
+            <a:ext cx="504600" cy="10287000"/>
+            <a:chOff x="0" y="0"/>
+            <a:chExt cx="672800" cy="13716000"/>
+          </a:xfrm>
+        </p:grpSpPr>
+        <p:sp>
+          <p:nvSpPr>
+            <p:cNvPr id="3" name="Freeform 3"/>
+            <p:cNvSpPr/>
+            <p:nvPr/>
+          </p:nvSpPr>
+          <p:spPr>
+            <a:xfrm>
+              <a:off x="0" y="0"/>
+              <a:ext cx="672846" cy="13716000"/>
+            </a:xfrm>
+            <a:custGeom>
+              <a:avLst/>
+              <a:gdLst/>
+              <a:ahLst/>
+              <a:cxnLst/>
+              <a:rect l="l" t="t" r="r" b="b"/>
+              <a:pathLst>
+                <a:path w="672846" h="13716000">
+                  <a:moveTo>
+                    <a:pt x="0" y="0"/>
+                  </a:moveTo>
+                  <a:lnTo>
+                    <a:pt x="672846" y="0"/>
+                  </a:lnTo>
+                  <a:lnTo>
+                    <a:pt x="672846" y="13716000"/>
+                  </a:lnTo>
+                  <a:lnTo>
+                    <a:pt x="0" y="13716000"/>
+                  </a:lnTo>
+                  <a:close/>
+                </a:path>
+              </a:pathLst>
+            </a:custGeom>
+            <a:gradFill rotWithShape="1">
+              <a:gsLst>
+                <a:gs pos="0">
+                  <a:srgbClr val="ED7A07">
+                    <a:alpha val="100000"/>
+                  </a:srgbClr>
+                </a:gs>
+                <a:gs pos="100000">
+                  <a:srgbClr val="737373">
+                    <a:alpha val="0"/>
+                  </a:srgbClr>
+                </a:gs>
+              </a:gsLst>
+              <a:lin ang="5400002"/>
+            </a:gradFill>
+          </p:spPr>
+        </p:sp>
+      </p:grpSp>
+      <p:grpSp>
+        <p:nvGrpSpPr>
+          <p:cNvPr id="4" name="Group 4"/>
+          <p:cNvGrpSpPr/>
+          <p:nvPr/>
+        </p:nvGrpSpPr>
+        <p:grpSpPr>
+          <a:xfrm>
+            <a:off x="7540152" y="6270542"/>
+            <a:ext cx="10464862" cy="540906"/>
+            <a:chOff x="0" y="0"/>
+            <a:chExt cx="7470592" cy="386139"/>
+          </a:xfrm>
+        </p:grpSpPr>
+        <p:sp>
+          <p:nvSpPr>
+            <p:cNvPr id="5" name="Freeform 5"/>
+            <p:cNvSpPr/>
+            <p:nvPr/>
+          </p:nvSpPr>
+          <p:spPr>
+            <a:xfrm>
+              <a:off x="0" y="0"/>
+              <a:ext cx="7470649" cy="386080"/>
+            </a:xfrm>
+            <a:custGeom>
+              <a:avLst/>
+              <a:gdLst/>
+              <a:ahLst/>
+              <a:cxnLst/>
+              <a:rect l="l" t="t" r="r" b="b"/>
+              <a:pathLst>
+                <a:path w="7470649" h="386080">
+                  <a:moveTo>
+                    <a:pt x="16256" y="0"/>
+                  </a:moveTo>
+                  <a:lnTo>
+                    <a:pt x="0" y="386080"/>
+                  </a:lnTo>
+                  <a:lnTo>
+                    <a:pt x="7454392" y="344678"/>
+                  </a:lnTo>
+                  <a:lnTo>
+                    <a:pt x="7470649" y="55118"/>
+                  </a:lnTo>
+                  <a:close/>
+                </a:path>
+              </a:pathLst>
+            </a:custGeom>
+            <a:solidFill>
+              <a:srgbClr val="ED7A07"/>
+            </a:solidFill>
+          </p:spPr>
+        </p:sp>
+      </p:grpSp>
+      <p:sp>
+        <p:nvSpPr>
+          <p:cNvPr id="6" name="TextBox 6"/>
+          <p:cNvSpPr txBox="1"/>
+          <p:nvPr/>
+        </p:nvSpPr>
+        <p:spPr>
+          <a:xfrm>
+            <a:off x="7707775" y="4451981"/>
+            <a:ext cx="10297239" cy="1327338"/>
+          </a:xfrm>
+          <a:prstGeom prst="rect">
+            <a:avLst/>
+          </a:prstGeom>
+        </p:spPr>
+        <p:txBody>
+          <a:bodyPr lIns="0" tIns="0" rIns="0" bIns="0" rtlCol="0" anchor="t">
+            <a:spAutoFit/>
+          </a:bodyPr>
+          <a:lstStyle/>
+          <a:p>
+            <a:pPr algn="l">
+              <a:lnSpc>
+                <a:spcPts val="8927"/>
+              </a:lnSpc>
+            </a:pPr>
+            <a:r>
+              <a:rPr lang="en-US" sz="12399">
+                <a:solidFill>
+                  <a:srgbClr val="000000"/>
+                </a:solidFill>
+                <a:latin typeface="Abhaya Libre"/>
+                <a:ea typeface="Abhaya Libre"/>
+                <a:cs typeface="Abhaya Libre"/>
+                <a:sym typeface="Abhaya Libre"/>
+              </a:rPr>
+              <a:t>         Processo de</a:t>
+            </a:r>
+          </a:p>
+        </p:txBody>
+      </p:sp>
+      <p:grpSp>
+        <p:nvGrpSpPr>
+          <p:cNvPr id="7" name="Group 7"/>
+          <p:cNvGrpSpPr/>
+          <p:nvPr/>
+        </p:nvGrpSpPr>
+        <p:grpSpPr>
+          <a:xfrm rot="-448633">
+            <a:off x="1342460" y="5476300"/>
+            <a:ext cx="5436024" cy="5434834"/>
+            <a:chOff x="0" y="0"/>
+            <a:chExt cx="7248032" cy="7246445"/>
+          </a:xfrm>
+        </p:grpSpPr>
+        <p:sp>
+          <p:nvSpPr>
+            <p:cNvPr id="8" name="Freeform 8"/>
+            <p:cNvSpPr/>
+            <p:nvPr/>
+          </p:nvSpPr>
+          <p:spPr>
+            <a:xfrm>
+              <a:off x="0" y="0"/>
+              <a:ext cx="7248017" cy="7246493"/>
+            </a:xfrm>
+            <a:custGeom>
+              <a:avLst/>
+              <a:gdLst/>
+              <a:ahLst/>
+              <a:cxnLst/>
+              <a:rect l="l" t="t" r="r" b="b"/>
+              <a:pathLst>
+                <a:path w="7248017" h="7246493">
+                  <a:moveTo>
+                    <a:pt x="0" y="3623183"/>
+                  </a:moveTo>
+                  <a:lnTo>
+                    <a:pt x="692150" y="1383919"/>
+                  </a:lnTo>
+                  <a:lnTo>
+                    <a:pt x="2504186" y="0"/>
+                  </a:lnTo>
+                  <a:lnTo>
+                    <a:pt x="4743958" y="0"/>
+                  </a:lnTo>
+                  <a:lnTo>
+                    <a:pt x="6555867" y="1383919"/>
+                  </a:lnTo>
+                  <a:lnTo>
+                    <a:pt x="7248017" y="3623183"/>
+                  </a:lnTo>
+                  <a:lnTo>
+                    <a:pt x="6555867" y="5862447"/>
+                  </a:lnTo>
+                  <a:lnTo>
+                    <a:pt x="4743958" y="7246493"/>
+                  </a:lnTo>
+                  <a:lnTo>
+                    <a:pt x="2504186" y="7246493"/>
+                  </a:lnTo>
+                  <a:lnTo>
+                    <a:pt x="692150" y="5862447"/>
+                  </a:lnTo>
+                  <a:close/>
+                </a:path>
+              </a:pathLst>
+            </a:custGeom>
+            <a:solidFill>
+              <a:srgbClr val="ED7A07">
+                <a:alpha val="27843"/>
+              </a:srgbClr>
+            </a:solidFill>
+          </p:spPr>
+        </p:sp>
+      </p:grpSp>
+      <p:sp>
+        <p:nvSpPr>
+          <p:cNvPr id="9" name="TextBox 9"/>
+          <p:cNvSpPr txBox="1"/>
+          <p:nvPr/>
+        </p:nvSpPr>
+        <p:spPr>
+          <a:xfrm>
+            <a:off x="7369725" y="515562"/>
+            <a:ext cx="4069614" cy="3847207"/>
+          </a:xfrm>
+          <a:prstGeom prst="rect">
+            <a:avLst/>
+          </a:prstGeom>
+        </p:spPr>
+        <p:txBody>
+          <a:bodyPr lIns="0" tIns="0" rIns="0" bIns="0" rtlCol="0" anchor="t">
+            <a:spAutoFit/>
+          </a:bodyPr>
+          <a:lstStyle/>
+          <a:p>
+            <a:pPr algn="l">
+              <a:lnSpc>
+                <a:spcPts val="30000"/>
+              </a:lnSpc>
+            </a:pPr>
+            <a:r>
+              <a:rPr lang="en-US" sz="25000" dirty="0">
+                <a:solidFill>
+                  <a:srgbClr val="ED7A07"/>
+                </a:solidFill>
+                <a:latin typeface="Poppins"/>
+                <a:ea typeface="Poppins"/>
+                <a:cs typeface="Poppins"/>
+                <a:sym typeface="Poppins"/>
+              </a:rPr>
+              <a:t>10</a:t>
+            </a:r>
+          </a:p>
+        </p:txBody>
+      </p:sp>
+      <p:sp>
+        <p:nvSpPr>
+          <p:cNvPr id="10" name="TextBox 10"/>
+          <p:cNvSpPr txBox="1"/>
+          <p:nvPr/>
+        </p:nvSpPr>
+        <p:spPr>
+          <a:xfrm>
+            <a:off x="7707775" y="7280026"/>
+            <a:ext cx="7217426" cy="1000125"/>
+          </a:xfrm>
+          <a:prstGeom prst="rect">
+            <a:avLst/>
+          </a:prstGeom>
+        </p:spPr>
+        <p:txBody>
+          <a:bodyPr lIns="0" tIns="0" rIns="0" bIns="0" rtlCol="0" anchor="t">
+            <a:spAutoFit/>
+          </a:bodyPr>
+          <a:lstStyle/>
+          <a:p>
+            <a:pPr algn="l">
+              <a:lnSpc>
+                <a:spcPts val="3840"/>
+              </a:lnSpc>
+            </a:pPr>
+            <a:r>
+              <a:rPr lang="en-US" sz="3200">
+                <a:solidFill>
+                  <a:srgbClr val="000000"/>
+                </a:solidFill>
+                <a:latin typeface="Poppins"/>
+                <a:ea typeface="Poppins"/>
+                <a:cs typeface="Poppins"/>
+                <a:sym typeface="Poppins"/>
+              </a:rPr>
+              <a:t>O caminho percorrido: etapas que transformaram o projeto</a:t>
+            </a:r>
+          </a:p>
+        </p:txBody>
+      </p:sp>
+      <p:sp>
+        <p:nvSpPr>
+          <p:cNvPr id="11" name="AutoShape 11"/>
+          <p:cNvSpPr/>
+          <p:nvPr/>
+        </p:nvSpPr>
+        <p:spPr>
+          <a:xfrm rot="211568">
+            <a:off x="7537806" y="4729887"/>
+            <a:ext cx="2477891" cy="0"/>
+          </a:xfrm>
+          <a:prstGeom prst="line">
+            <a:avLst/>
+          </a:prstGeom>
+          <a:ln w="57150" cap="rnd">
+            <a:solidFill>
+              <a:srgbClr val="ED7A07"/>
+            </a:solidFill>
+            <a:prstDash val="solid"/>
+            <a:headEnd type="none" w="sm" len="sm"/>
+            <a:tailEnd type="none" w="sm" len="sm"/>
+          </a:ln>
+        </p:spPr>
+      </p:sp>
+      <p:grpSp>
+        <p:nvGrpSpPr>
+          <p:cNvPr id="12" name="Group 12"/>
+          <p:cNvGrpSpPr/>
+          <p:nvPr/>
+        </p:nvGrpSpPr>
+        <p:grpSpPr>
+          <a:xfrm>
+            <a:off x="1912400" y="1374798"/>
+            <a:ext cx="2082600" cy="2082000"/>
+            <a:chOff x="0" y="0"/>
+            <a:chExt cx="2776800" cy="2776000"/>
+          </a:xfrm>
+        </p:grpSpPr>
+        <p:sp>
+          <p:nvSpPr>
+            <p:cNvPr id="13" name="Freeform 13"/>
+            <p:cNvSpPr/>
+            <p:nvPr/>
+          </p:nvSpPr>
+          <p:spPr>
+            <a:xfrm>
+              <a:off x="0" y="0"/>
+              <a:ext cx="2776855" cy="2776220"/>
+            </a:xfrm>
+            <a:custGeom>
+              <a:avLst/>
+              <a:gdLst/>
+              <a:ahLst/>
+              <a:cxnLst/>
+              <a:rect l="l" t="t" r="r" b="b"/>
+              <a:pathLst>
+                <a:path w="2776855" h="2776220">
+                  <a:moveTo>
+                    <a:pt x="0" y="1387983"/>
+                  </a:moveTo>
+                  <a:lnTo>
+                    <a:pt x="265176" y="530225"/>
+                  </a:lnTo>
+                  <a:lnTo>
+                    <a:pt x="959358" y="0"/>
+                  </a:lnTo>
+                  <a:lnTo>
+                    <a:pt x="1817497" y="0"/>
+                  </a:lnTo>
+                  <a:lnTo>
+                    <a:pt x="2511679" y="530225"/>
+                  </a:lnTo>
+                  <a:lnTo>
+                    <a:pt x="2776855" y="1388110"/>
+                  </a:lnTo>
+                  <a:lnTo>
+                    <a:pt x="2511679" y="2245995"/>
+                  </a:lnTo>
+                  <a:lnTo>
+                    <a:pt x="1817497" y="2776220"/>
+                  </a:lnTo>
+                  <a:lnTo>
+                    <a:pt x="959358" y="2776220"/>
+                  </a:lnTo>
+                  <a:lnTo>
+                    <a:pt x="265176" y="2245868"/>
+                  </a:lnTo>
+                  <a:close/>
+                </a:path>
+              </a:pathLst>
+            </a:custGeom>
+            <a:solidFill>
+              <a:srgbClr val="ED7A07"/>
+            </a:solidFill>
+          </p:spPr>
+        </p:sp>
+      </p:grpSp>
+      <p:sp>
+        <p:nvSpPr>
+          <p:cNvPr id="14" name="Freeform 14"/>
+          <p:cNvSpPr/>
+          <p:nvPr/>
+        </p:nvSpPr>
+        <p:spPr>
+          <a:xfrm>
+            <a:off x="2387472" y="1766780"/>
+            <a:ext cx="1127671" cy="1298042"/>
+          </a:xfrm>
+          <a:custGeom>
+            <a:avLst/>
+            <a:gdLst/>
+            <a:ahLst/>
+            <a:cxnLst/>
+            <a:rect l="l" t="t" r="r" b="b"/>
+            <a:pathLst>
+              <a:path w="1127671" h="1298042">
+                <a:moveTo>
+                  <a:pt x="0" y="0"/>
+                </a:moveTo>
+                <a:lnTo>
+                  <a:pt x="1127671" y="0"/>
+                </a:lnTo>
+                <a:lnTo>
+                  <a:pt x="1127671" y="1298042"/>
+                </a:lnTo>
+                <a:lnTo>
+                  <a:pt x="0" y="1298042"/>
+                </a:lnTo>
+                <a:lnTo>
+                  <a:pt x="0" y="0"/>
+                </a:lnTo>
+                <a:close/>
+              </a:path>
+            </a:pathLst>
+          </a:custGeom>
+          <a:blipFill>
+            <a:blip r:embed="rId3">
+              <a:extLst>
+                <a:ext uri="{96DAC541-7B7A-43D3-8B79-37D633B846F1}">
+                  <asvg:svgBlip xmlns:asvg="http://schemas.microsoft.com/office/drawing/2016/SVG/main" r:embed="rId4"/>
+                </a:ext>
+              </a:extLst>
+            </a:blip>
+            <a:stretch>
+              <a:fillRect/>
+            </a:stretch>
+          </a:blipFill>
+        </p:spPr>
+      </p:sp>
       <p:sp>
         <p:nvSpPr>
           <p:cNvPr id="15" name="TextBox 15"/>
@@ -15630,7 +17359,7 @@
 </p:sld>
 </file>
 
-<file path=ppt/slides/slide21.xml><?xml version="1.0" encoding="utf-8"?>
+<file path=ppt/slides/slide24.xml><?xml version="1.0" encoding="utf-8"?>
 <p:sld xmlns:a="http://schemas.openxmlformats.org/drawingml/2006/main" xmlns:r="http://schemas.openxmlformats.org/officeDocument/2006/relationships" xmlns:p="http://schemas.openxmlformats.org/presentationml/2006/main">
   <p:cSld>
     <p:bg>
@@ -16567,7 +18296,7 @@
 </p:sld>
 </file>
 
-<file path=ppt/slides/slide22.xml><?xml version="1.0" encoding="utf-8"?>
+<file path=ppt/slides/slide25.xml><?xml version="1.0" encoding="utf-8"?>
 <p:sld xmlns:a="http://schemas.openxmlformats.org/drawingml/2006/main" xmlns:r="http://schemas.openxmlformats.org/officeDocument/2006/relationships" xmlns:p="http://schemas.openxmlformats.org/presentationml/2006/main">
   <p:cSld>
     <p:bg>
@@ -16866,7 +18595,7 @@
                 <a:cs typeface="Poppins"/>
                 <a:sym typeface="Poppins"/>
               </a:rPr>
-              <a:t>10</a:t>
+              <a:t>11</a:t>
             </a:r>
           </a:p>
         </p:txBody>
@@ -17060,1794 +18789,6 @@
             </a:stretch>
           </a:blipFill>
         </p:spPr>
-      </p:sp>
-    </p:spTree>
-  </p:cSld>
-  <p:clrMapOvr>
-    <a:masterClrMapping/>
-  </p:clrMapOvr>
-</p:sld>
-</file>
-
-<file path=ppt/slides/slide23.xml><?xml version="1.0" encoding="utf-8"?>
-<p:sld xmlns:a="http://schemas.openxmlformats.org/drawingml/2006/main" xmlns:r="http://schemas.openxmlformats.org/officeDocument/2006/relationships" xmlns:p="http://schemas.openxmlformats.org/presentationml/2006/main">
-  <p:cSld>
-    <p:bg>
-      <p:bgPr>
-        <a:solidFill>
-          <a:srgbClr val="F3F3F3"/>
-        </a:solidFill>
-        <a:effectLst/>
-      </p:bgPr>
-    </p:bg>
-    <p:spTree>
-      <p:nvGrpSpPr>
-        <p:cNvPr id="1" name=""/>
-        <p:cNvGrpSpPr/>
-        <p:nvPr/>
-      </p:nvGrpSpPr>
-      <p:grpSpPr>
-        <a:xfrm>
-          <a:off x="0" y="0"/>
-          <a:ext cx="0" cy="0"/>
-          <a:chOff x="0" y="0"/>
-          <a:chExt cx="0" cy="0"/>
-        </a:xfrm>
-      </p:grpSpPr>
-      <p:grpSp>
-        <p:nvGrpSpPr>
-          <p:cNvPr id="2" name="Group 2"/>
-          <p:cNvGrpSpPr/>
-          <p:nvPr/>
-        </p:nvGrpSpPr>
-        <p:grpSpPr>
-          <a:xfrm>
-            <a:off x="16615730" y="8637146"/>
-            <a:ext cx="455056" cy="453816"/>
-            <a:chOff x="0" y="0"/>
-            <a:chExt cx="606741" cy="605088"/>
-          </a:xfrm>
-        </p:grpSpPr>
-        <p:sp>
-          <p:nvSpPr>
-            <p:cNvPr id="3" name="Freeform 3"/>
-            <p:cNvSpPr/>
-            <p:nvPr/>
-          </p:nvSpPr>
-          <p:spPr>
-            <a:xfrm>
-              <a:off x="0" y="0"/>
-              <a:ext cx="606679" cy="605028"/>
-            </a:xfrm>
-            <a:custGeom>
-              <a:avLst/>
-              <a:gdLst/>
-              <a:ahLst/>
-              <a:cxnLst/>
-              <a:rect l="l" t="t" r="r" b="b"/>
-              <a:pathLst>
-                <a:path w="606679" h="605028">
-                  <a:moveTo>
-                    <a:pt x="304165" y="0"/>
-                  </a:moveTo>
-                  <a:lnTo>
-                    <a:pt x="275844" y="115316"/>
-                  </a:lnTo>
-                  <a:cubicBezTo>
-                    <a:pt x="257429" y="193929"/>
-                    <a:pt x="195580" y="255778"/>
-                    <a:pt x="117094" y="274066"/>
-                  </a:cubicBezTo>
-                  <a:lnTo>
-                    <a:pt x="0" y="300863"/>
-                  </a:lnTo>
-                  <a:lnTo>
-                    <a:pt x="116967" y="329311"/>
-                  </a:lnTo>
-                  <a:cubicBezTo>
-                    <a:pt x="195580" y="347726"/>
-                    <a:pt x="257429" y="409575"/>
-                    <a:pt x="275717" y="488061"/>
-                  </a:cubicBezTo>
-                  <a:lnTo>
-                    <a:pt x="302514" y="605028"/>
-                  </a:lnTo>
-                  <a:lnTo>
-                    <a:pt x="330962" y="488061"/>
-                  </a:lnTo>
-                  <a:cubicBezTo>
-                    <a:pt x="349377" y="409448"/>
-                    <a:pt x="411226" y="347599"/>
-                    <a:pt x="489712" y="329311"/>
-                  </a:cubicBezTo>
-                  <a:lnTo>
-                    <a:pt x="606679" y="302514"/>
-                  </a:lnTo>
-                  <a:lnTo>
-                    <a:pt x="489712" y="274066"/>
-                  </a:lnTo>
-                  <a:cubicBezTo>
-                    <a:pt x="411099" y="255651"/>
-                    <a:pt x="349250" y="193802"/>
-                    <a:pt x="330962" y="115316"/>
-                  </a:cubicBezTo>
-                  <a:lnTo>
-                    <a:pt x="304165" y="0"/>
-                  </a:lnTo>
-                  <a:close/>
-                </a:path>
-              </a:pathLst>
-            </a:custGeom>
-            <a:solidFill>
-              <a:srgbClr val="F1EFF2"/>
-            </a:solidFill>
-          </p:spPr>
-        </p:sp>
-      </p:grpSp>
-      <p:sp>
-        <p:nvSpPr>
-          <p:cNvPr id="4" name="AutoShape 4"/>
-          <p:cNvSpPr/>
-          <p:nvPr/>
-        </p:nvSpPr>
-        <p:spPr>
-          <a:xfrm rot="157789">
-            <a:off x="1602525" y="1887825"/>
-            <a:ext cx="1660749" cy="0"/>
-          </a:xfrm>
-          <a:prstGeom prst="line">
-            <a:avLst/>
-          </a:prstGeom>
-          <a:ln w="28575" cap="rnd">
-            <a:solidFill>
-              <a:srgbClr val="ED7A07"/>
-            </a:solidFill>
-            <a:prstDash val="solid"/>
-            <a:headEnd type="none" w="sm" len="sm"/>
-            <a:tailEnd type="none" w="sm" len="sm"/>
-          </a:ln>
-        </p:spPr>
-      </p:sp>
-      <p:grpSp>
-        <p:nvGrpSpPr>
-          <p:cNvPr id="5" name="Group 5"/>
-          <p:cNvGrpSpPr/>
-          <p:nvPr/>
-        </p:nvGrpSpPr>
-        <p:grpSpPr>
-          <a:xfrm>
-            <a:off x="0" y="0"/>
-            <a:ext cx="504600" cy="10287000"/>
-            <a:chOff x="0" y="0"/>
-            <a:chExt cx="672800" cy="13716000"/>
-          </a:xfrm>
-        </p:grpSpPr>
-        <p:sp>
-          <p:nvSpPr>
-            <p:cNvPr id="6" name="Freeform 6"/>
-            <p:cNvSpPr/>
-            <p:nvPr/>
-          </p:nvSpPr>
-          <p:spPr>
-            <a:xfrm>
-              <a:off x="0" y="0"/>
-              <a:ext cx="672846" cy="13716000"/>
-            </a:xfrm>
-            <a:custGeom>
-              <a:avLst/>
-              <a:gdLst/>
-              <a:ahLst/>
-              <a:cxnLst/>
-              <a:rect l="l" t="t" r="r" b="b"/>
-              <a:pathLst>
-                <a:path w="672846" h="13716000">
-                  <a:moveTo>
-                    <a:pt x="0" y="0"/>
-                  </a:moveTo>
-                  <a:lnTo>
-                    <a:pt x="672846" y="0"/>
-                  </a:lnTo>
-                  <a:lnTo>
-                    <a:pt x="672846" y="13716000"/>
-                  </a:lnTo>
-                  <a:lnTo>
-                    <a:pt x="0" y="13716000"/>
-                  </a:lnTo>
-                  <a:close/>
-                </a:path>
-              </a:pathLst>
-            </a:custGeom>
-            <a:gradFill rotWithShape="1">
-              <a:gsLst>
-                <a:gs pos="0">
-                  <a:srgbClr val="ED7A07">
-                    <a:alpha val="100000"/>
-                  </a:srgbClr>
-                </a:gs>
-                <a:gs pos="100000">
-                  <a:srgbClr val="737373">
-                    <a:alpha val="0"/>
-                  </a:srgbClr>
-                </a:gs>
-              </a:gsLst>
-              <a:lin ang="5400002"/>
-            </a:gradFill>
-          </p:spPr>
-        </p:sp>
-      </p:grpSp>
-      <p:grpSp>
-        <p:nvGrpSpPr>
-          <p:cNvPr id="7" name="Group 7"/>
-          <p:cNvGrpSpPr/>
-          <p:nvPr/>
-        </p:nvGrpSpPr>
-        <p:grpSpPr>
-          <a:xfrm>
-            <a:off x="13089976" y="494548"/>
-            <a:ext cx="2082600" cy="2082000"/>
-            <a:chOff x="0" y="0"/>
-            <a:chExt cx="2776800" cy="2776000"/>
-          </a:xfrm>
-        </p:grpSpPr>
-        <p:sp>
-          <p:nvSpPr>
-            <p:cNvPr id="8" name="Freeform 8"/>
-            <p:cNvSpPr/>
-            <p:nvPr/>
-          </p:nvSpPr>
-          <p:spPr>
-            <a:xfrm>
-              <a:off x="0" y="0"/>
-              <a:ext cx="2776855" cy="2776220"/>
-            </a:xfrm>
-            <a:custGeom>
-              <a:avLst/>
-              <a:gdLst/>
-              <a:ahLst/>
-              <a:cxnLst/>
-              <a:rect l="l" t="t" r="r" b="b"/>
-              <a:pathLst>
-                <a:path w="2776855" h="2776220">
-                  <a:moveTo>
-                    <a:pt x="0" y="1387983"/>
-                  </a:moveTo>
-                  <a:lnTo>
-                    <a:pt x="265176" y="530225"/>
-                  </a:lnTo>
-                  <a:lnTo>
-                    <a:pt x="959358" y="0"/>
-                  </a:lnTo>
-                  <a:lnTo>
-                    <a:pt x="1817497" y="0"/>
-                  </a:lnTo>
-                  <a:lnTo>
-                    <a:pt x="2511679" y="530225"/>
-                  </a:lnTo>
-                  <a:lnTo>
-                    <a:pt x="2776855" y="1388110"/>
-                  </a:lnTo>
-                  <a:lnTo>
-                    <a:pt x="2511679" y="2245995"/>
-                  </a:lnTo>
-                  <a:lnTo>
-                    <a:pt x="1817497" y="2776220"/>
-                  </a:lnTo>
-                  <a:lnTo>
-                    <a:pt x="959358" y="2776220"/>
-                  </a:lnTo>
-                  <a:lnTo>
-                    <a:pt x="265176" y="2245868"/>
-                  </a:lnTo>
-                  <a:close/>
-                </a:path>
-              </a:pathLst>
-            </a:custGeom>
-            <a:solidFill>
-              <a:srgbClr val="ED7A07"/>
-            </a:solidFill>
-          </p:spPr>
-        </p:sp>
-      </p:grpSp>
-      <p:sp>
-        <p:nvSpPr>
-          <p:cNvPr id="9" name="TextBox 9"/>
-          <p:cNvSpPr txBox="1"/>
-          <p:nvPr/>
-        </p:nvSpPr>
-        <p:spPr>
-          <a:xfrm>
-            <a:off x="3556075" y="1151375"/>
-            <a:ext cx="13213950" cy="1076391"/>
-          </a:xfrm>
-          <a:prstGeom prst="rect">
-            <a:avLst/>
-          </a:prstGeom>
-        </p:spPr>
-        <p:txBody>
-          <a:bodyPr lIns="0" tIns="0" rIns="0" bIns="0" rtlCol="0" anchor="t">
-            <a:spAutoFit/>
-          </a:bodyPr>
-          <a:lstStyle/>
-          <a:p>
-            <a:pPr algn="l">
-              <a:lnSpc>
-                <a:spcPts val="8400"/>
-              </a:lnSpc>
-            </a:pPr>
-            <a:r>
-              <a:rPr lang="en-US" sz="7000">
-                <a:solidFill>
-                  <a:srgbClr val="000000"/>
-                </a:solidFill>
-                <a:latin typeface="Abhaya Libre"/>
-                <a:ea typeface="Abhaya Libre"/>
-                <a:cs typeface="Abhaya Libre"/>
-                <a:sym typeface="Abhaya Libre"/>
-              </a:rPr>
-              <a:t> Benefícios do Sistema</a:t>
-            </a:r>
-          </a:p>
-        </p:txBody>
-      </p:sp>
-      <p:sp>
-        <p:nvSpPr>
-          <p:cNvPr id="10" name="Freeform 10"/>
-          <p:cNvSpPr/>
-          <p:nvPr/>
-        </p:nvSpPr>
-        <p:spPr>
-          <a:xfrm>
-            <a:off x="13592821" y="1016247"/>
-            <a:ext cx="1113925" cy="1090518"/>
-          </a:xfrm>
-          <a:custGeom>
-            <a:avLst/>
-            <a:gdLst/>
-            <a:ahLst/>
-            <a:cxnLst/>
-            <a:rect l="l" t="t" r="r" b="b"/>
-            <a:pathLst>
-              <a:path w="1113925" h="1090518">
-                <a:moveTo>
-                  <a:pt x="0" y="0"/>
-                </a:moveTo>
-                <a:lnTo>
-                  <a:pt x="1113925" y="0"/>
-                </a:lnTo>
-                <a:lnTo>
-                  <a:pt x="1113925" y="1090519"/>
-                </a:lnTo>
-                <a:lnTo>
-                  <a:pt x="0" y="1090519"/>
-                </a:lnTo>
-                <a:lnTo>
-                  <a:pt x="0" y="0"/>
-                </a:lnTo>
-                <a:close/>
-              </a:path>
-            </a:pathLst>
-          </a:custGeom>
-          <a:blipFill>
-            <a:blip r:embed="rId3">
-              <a:extLst>
-                <a:ext uri="{96DAC541-7B7A-43D3-8B79-37D633B846F1}">
-                  <asvg:svgBlip xmlns:asvg="http://schemas.microsoft.com/office/drawing/2016/SVG/main" r:embed="rId4"/>
-                </a:ext>
-              </a:extLst>
-            </a:blip>
-            <a:stretch>
-              <a:fillRect/>
-            </a:stretch>
-          </a:blipFill>
-        </p:spPr>
-      </p:sp>
-      <p:sp>
-        <p:nvSpPr>
-          <p:cNvPr id="11" name="Freeform 11"/>
-          <p:cNvSpPr/>
-          <p:nvPr/>
-        </p:nvSpPr>
-        <p:spPr>
-          <a:xfrm>
-            <a:off x="9333826" y="6802800"/>
-            <a:ext cx="3082226" cy="440400"/>
-          </a:xfrm>
-          <a:custGeom>
-            <a:avLst/>
-            <a:gdLst/>
-            <a:ahLst/>
-            <a:cxnLst/>
-            <a:rect l="l" t="t" r="r" b="b"/>
-            <a:pathLst>
-              <a:path w="3082226" h="440400">
-                <a:moveTo>
-                  <a:pt x="0" y="0"/>
-                </a:moveTo>
-                <a:lnTo>
-                  <a:pt x="3082226" y="0"/>
-                </a:lnTo>
-                <a:lnTo>
-                  <a:pt x="3082226" y="440400"/>
-                </a:lnTo>
-                <a:lnTo>
-                  <a:pt x="0" y="440400"/>
-                </a:lnTo>
-                <a:lnTo>
-                  <a:pt x="0" y="0"/>
-                </a:lnTo>
-                <a:close/>
-              </a:path>
-            </a:pathLst>
-          </a:custGeom>
-          <a:blipFill>
-            <a:blip r:embed="rId5">
-              <a:extLst>
-                <a:ext uri="{96DAC541-7B7A-43D3-8B79-37D633B846F1}">
-                  <asvg:svgBlip xmlns:asvg="http://schemas.microsoft.com/office/drawing/2016/SVG/main" r:embed="rId6"/>
-                </a:ext>
-              </a:extLst>
-            </a:blip>
-            <a:stretch>
-              <a:fillRect/>
-            </a:stretch>
-          </a:blipFill>
-        </p:spPr>
-      </p:sp>
-      <p:sp>
-        <p:nvSpPr>
-          <p:cNvPr id="12" name="Freeform 12"/>
-          <p:cNvSpPr/>
-          <p:nvPr/>
-        </p:nvSpPr>
-        <p:spPr>
-          <a:xfrm>
-            <a:off x="9333826" y="3632640"/>
-            <a:ext cx="3082226" cy="440400"/>
-          </a:xfrm>
-          <a:custGeom>
-            <a:avLst/>
-            <a:gdLst/>
-            <a:ahLst/>
-            <a:cxnLst/>
-            <a:rect l="l" t="t" r="r" b="b"/>
-            <a:pathLst>
-              <a:path w="3082226" h="440400">
-                <a:moveTo>
-                  <a:pt x="0" y="0"/>
-                </a:moveTo>
-                <a:lnTo>
-                  <a:pt x="3082226" y="0"/>
-                </a:lnTo>
-                <a:lnTo>
-                  <a:pt x="3082226" y="440400"/>
-                </a:lnTo>
-                <a:lnTo>
-                  <a:pt x="0" y="440400"/>
-                </a:lnTo>
-                <a:lnTo>
-                  <a:pt x="0" y="0"/>
-                </a:lnTo>
-                <a:close/>
-              </a:path>
-            </a:pathLst>
-          </a:custGeom>
-          <a:blipFill>
-            <a:blip r:embed="rId5">
-              <a:extLst>
-                <a:ext uri="{96DAC541-7B7A-43D3-8B79-37D633B846F1}">
-                  <asvg:svgBlip xmlns:asvg="http://schemas.microsoft.com/office/drawing/2016/SVG/main" r:embed="rId7"/>
-                </a:ext>
-              </a:extLst>
-            </a:blip>
-            <a:stretch>
-              <a:fillRect/>
-            </a:stretch>
-          </a:blipFill>
-        </p:spPr>
-      </p:sp>
-      <p:sp>
-        <p:nvSpPr>
-          <p:cNvPr id="13" name="Freeform 13"/>
-          <p:cNvSpPr/>
-          <p:nvPr/>
-        </p:nvSpPr>
-        <p:spPr>
-          <a:xfrm>
-            <a:off x="1429000" y="6802800"/>
-            <a:ext cx="3082226" cy="440400"/>
-          </a:xfrm>
-          <a:custGeom>
-            <a:avLst/>
-            <a:gdLst/>
-            <a:ahLst/>
-            <a:cxnLst/>
-            <a:rect l="l" t="t" r="r" b="b"/>
-            <a:pathLst>
-              <a:path w="3082226" h="440400">
-                <a:moveTo>
-                  <a:pt x="0" y="0"/>
-                </a:moveTo>
-                <a:lnTo>
-                  <a:pt x="3082226" y="0"/>
-                </a:lnTo>
-                <a:lnTo>
-                  <a:pt x="3082226" y="440400"/>
-                </a:lnTo>
-                <a:lnTo>
-                  <a:pt x="0" y="440400"/>
-                </a:lnTo>
-                <a:lnTo>
-                  <a:pt x="0" y="0"/>
-                </a:lnTo>
-                <a:close/>
-              </a:path>
-            </a:pathLst>
-          </a:custGeom>
-          <a:blipFill>
-            <a:blip r:embed="rId5">
-              <a:extLst>
-                <a:ext uri="{96DAC541-7B7A-43D3-8B79-37D633B846F1}">
-                  <asvg:svgBlip xmlns:asvg="http://schemas.microsoft.com/office/drawing/2016/SVG/main" r:embed="rId6"/>
-                </a:ext>
-              </a:extLst>
-            </a:blip>
-            <a:stretch>
-              <a:fillRect/>
-            </a:stretch>
-          </a:blipFill>
-        </p:spPr>
-      </p:sp>
-      <p:sp>
-        <p:nvSpPr>
-          <p:cNvPr id="14" name="Freeform 14"/>
-          <p:cNvSpPr/>
-          <p:nvPr/>
-        </p:nvSpPr>
-        <p:spPr>
-          <a:xfrm>
-            <a:off x="1288049" y="3592360"/>
-            <a:ext cx="3364127" cy="480679"/>
-          </a:xfrm>
-          <a:custGeom>
-            <a:avLst/>
-            <a:gdLst/>
-            <a:ahLst/>
-            <a:cxnLst/>
-            <a:rect l="l" t="t" r="r" b="b"/>
-            <a:pathLst>
-              <a:path w="3364127" h="480679">
-                <a:moveTo>
-                  <a:pt x="0" y="0"/>
-                </a:moveTo>
-                <a:lnTo>
-                  <a:pt x="3364127" y="0"/>
-                </a:lnTo>
-                <a:lnTo>
-                  <a:pt x="3364127" y="480680"/>
-                </a:lnTo>
-                <a:lnTo>
-                  <a:pt x="0" y="480680"/>
-                </a:lnTo>
-                <a:lnTo>
-                  <a:pt x="0" y="0"/>
-                </a:lnTo>
-                <a:close/>
-              </a:path>
-            </a:pathLst>
-          </a:custGeom>
-          <a:blipFill>
-            <a:blip r:embed="rId5">
-              <a:extLst>
-                <a:ext uri="{96DAC541-7B7A-43D3-8B79-37D633B846F1}">
-                  <asvg:svgBlip xmlns:asvg="http://schemas.microsoft.com/office/drawing/2016/SVG/main" r:embed="rId8"/>
-                </a:ext>
-              </a:extLst>
-            </a:blip>
-            <a:stretch>
-              <a:fillRect/>
-            </a:stretch>
-          </a:blipFill>
-        </p:spPr>
-      </p:sp>
-      <p:sp>
-        <p:nvSpPr>
-          <p:cNvPr id="15" name="TextBox 15"/>
-          <p:cNvSpPr txBox="1"/>
-          <p:nvPr/>
-        </p:nvSpPr>
-        <p:spPr>
-          <a:xfrm>
-            <a:off x="4786726" y="3459010"/>
-            <a:ext cx="4163550" cy="1514475"/>
-          </a:xfrm>
-          <a:prstGeom prst="rect">
-            <a:avLst/>
-          </a:prstGeom>
-        </p:spPr>
-        <p:txBody>
-          <a:bodyPr lIns="0" tIns="0" rIns="0" bIns="0" rtlCol="0" anchor="t">
-            <a:spAutoFit/>
-          </a:bodyPr>
-          <a:lstStyle/>
-          <a:p>
-            <a:pPr algn="l">
-              <a:lnSpc>
-                <a:spcPts val="5999"/>
-              </a:lnSpc>
-            </a:pPr>
-            <a:r>
-              <a:rPr lang="en-US" sz="4999" b="1">
-                <a:solidFill>
-                  <a:srgbClr val="000000"/>
-                </a:solidFill>
-                <a:latin typeface="Abhaya Libre Bold"/>
-                <a:ea typeface="Abhaya Libre Bold"/>
-                <a:cs typeface="Abhaya Libre Bold"/>
-                <a:sym typeface="Abhaya Libre Bold"/>
-              </a:rPr>
-              <a:t>Organização Centralizada</a:t>
-            </a:r>
-          </a:p>
-        </p:txBody>
-      </p:sp>
-      <p:sp>
-        <p:nvSpPr>
-          <p:cNvPr id="16" name="TextBox 16"/>
-          <p:cNvSpPr txBox="1"/>
-          <p:nvPr/>
-        </p:nvSpPr>
-        <p:spPr>
-          <a:xfrm>
-            <a:off x="4720051" y="6669450"/>
-            <a:ext cx="4163550" cy="1514475"/>
-          </a:xfrm>
-          <a:prstGeom prst="rect">
-            <a:avLst/>
-          </a:prstGeom>
-        </p:spPr>
-        <p:txBody>
-          <a:bodyPr lIns="0" tIns="0" rIns="0" bIns="0" rtlCol="0" anchor="t">
-            <a:spAutoFit/>
-          </a:bodyPr>
-          <a:lstStyle/>
-          <a:p>
-            <a:pPr algn="l">
-              <a:lnSpc>
-                <a:spcPts val="5999"/>
-              </a:lnSpc>
-            </a:pPr>
-            <a:r>
-              <a:rPr lang="en-US" sz="4999" b="1">
-                <a:solidFill>
-                  <a:srgbClr val="000000"/>
-                </a:solidFill>
-                <a:latin typeface="Abhaya Libre Bold"/>
-                <a:ea typeface="Abhaya Libre Bold"/>
-                <a:cs typeface="Abhaya Libre Bold"/>
-                <a:sym typeface="Abhaya Libre Bold"/>
-              </a:rPr>
-              <a:t>Maior alcance e divulgação</a:t>
-            </a:r>
-          </a:p>
-        </p:txBody>
-      </p:sp>
-      <p:sp>
-        <p:nvSpPr>
-          <p:cNvPr id="17" name="TextBox 17"/>
-          <p:cNvSpPr txBox="1"/>
-          <p:nvPr/>
-        </p:nvSpPr>
-        <p:spPr>
-          <a:xfrm>
-            <a:off x="12602725" y="3506635"/>
-            <a:ext cx="4163550" cy="1514475"/>
-          </a:xfrm>
-          <a:prstGeom prst="rect">
-            <a:avLst/>
-          </a:prstGeom>
-        </p:spPr>
-        <p:txBody>
-          <a:bodyPr lIns="0" tIns="0" rIns="0" bIns="0" rtlCol="0" anchor="t">
-            <a:spAutoFit/>
-          </a:bodyPr>
-          <a:lstStyle/>
-          <a:p>
-            <a:pPr algn="l">
-              <a:lnSpc>
-                <a:spcPts val="5999"/>
-              </a:lnSpc>
-            </a:pPr>
-            <a:r>
-              <a:rPr lang="en-US" sz="4999" b="1">
-                <a:solidFill>
-                  <a:srgbClr val="000000"/>
-                </a:solidFill>
-                <a:latin typeface="Abhaya Libre Bold"/>
-                <a:ea typeface="Abhaya Libre Bold"/>
-                <a:cs typeface="Abhaya Libre Bold"/>
-                <a:sym typeface="Abhaya Libre Bold"/>
-              </a:rPr>
-              <a:t>Fácil e intuitivo de se utilizar</a:t>
-            </a:r>
-          </a:p>
-        </p:txBody>
-      </p:sp>
-      <p:sp>
-        <p:nvSpPr>
-          <p:cNvPr id="18" name="TextBox 18"/>
-          <p:cNvSpPr txBox="1"/>
-          <p:nvPr/>
-        </p:nvSpPr>
-        <p:spPr>
-          <a:xfrm>
-            <a:off x="12641608" y="6688500"/>
-            <a:ext cx="4163550" cy="1514475"/>
-          </a:xfrm>
-          <a:prstGeom prst="rect">
-            <a:avLst/>
-          </a:prstGeom>
-        </p:spPr>
-        <p:txBody>
-          <a:bodyPr lIns="0" tIns="0" rIns="0" bIns="0" rtlCol="0" anchor="t">
-            <a:spAutoFit/>
-          </a:bodyPr>
-          <a:lstStyle/>
-          <a:p>
-            <a:pPr algn="l">
-              <a:lnSpc>
-                <a:spcPts val="5999"/>
-              </a:lnSpc>
-            </a:pPr>
-            <a:r>
-              <a:rPr lang="en-US" sz="4999" b="1">
-                <a:solidFill>
-                  <a:srgbClr val="000000"/>
-                </a:solidFill>
-                <a:latin typeface="Abhaya Libre Bold"/>
-                <a:ea typeface="Abhaya Libre Bold"/>
-                <a:cs typeface="Abhaya Libre Bold"/>
-                <a:sym typeface="Abhaya Libre Bold"/>
-              </a:rPr>
-              <a:t>Redução de erros</a:t>
-            </a:r>
-          </a:p>
-        </p:txBody>
-      </p:sp>
-    </p:spTree>
-  </p:cSld>
-  <p:clrMapOvr>
-    <a:masterClrMapping/>
-  </p:clrMapOvr>
-</p:sld>
-</file>
-
-<file path=ppt/slides/slide24.xml><?xml version="1.0" encoding="utf-8"?>
-<p:sld xmlns:a="http://schemas.openxmlformats.org/drawingml/2006/main" xmlns:r="http://schemas.openxmlformats.org/officeDocument/2006/relationships" xmlns:p="http://schemas.openxmlformats.org/presentationml/2006/main">
-  <p:cSld>
-    <p:bg>
-      <p:bgPr>
-        <a:solidFill>
-          <a:srgbClr val="F3F3F3"/>
-        </a:solidFill>
-        <a:effectLst/>
-      </p:bgPr>
-    </p:bg>
-    <p:spTree>
-      <p:nvGrpSpPr>
-        <p:cNvPr id="1" name=""/>
-        <p:cNvGrpSpPr/>
-        <p:nvPr/>
-      </p:nvGrpSpPr>
-      <p:grpSpPr>
-        <a:xfrm>
-          <a:off x="0" y="0"/>
-          <a:ext cx="0" cy="0"/>
-          <a:chOff x="0" y="0"/>
-          <a:chExt cx="0" cy="0"/>
-        </a:xfrm>
-      </p:grpSpPr>
-      <p:grpSp>
-        <p:nvGrpSpPr>
-          <p:cNvPr id="2" name="Group 2"/>
-          <p:cNvGrpSpPr/>
-          <p:nvPr/>
-        </p:nvGrpSpPr>
-        <p:grpSpPr>
-          <a:xfrm>
-            <a:off x="0" y="0"/>
-            <a:ext cx="504600" cy="10287000"/>
-            <a:chOff x="0" y="0"/>
-            <a:chExt cx="672800" cy="13716000"/>
-          </a:xfrm>
-        </p:grpSpPr>
-        <p:sp>
-          <p:nvSpPr>
-            <p:cNvPr id="3" name="Freeform 3"/>
-            <p:cNvSpPr/>
-            <p:nvPr/>
-          </p:nvSpPr>
-          <p:spPr>
-            <a:xfrm>
-              <a:off x="0" y="0"/>
-              <a:ext cx="672846" cy="13716000"/>
-            </a:xfrm>
-            <a:custGeom>
-              <a:avLst/>
-              <a:gdLst/>
-              <a:ahLst/>
-              <a:cxnLst/>
-              <a:rect l="l" t="t" r="r" b="b"/>
-              <a:pathLst>
-                <a:path w="672846" h="13716000">
-                  <a:moveTo>
-                    <a:pt x="0" y="0"/>
-                  </a:moveTo>
-                  <a:lnTo>
-                    <a:pt x="672846" y="0"/>
-                  </a:lnTo>
-                  <a:lnTo>
-                    <a:pt x="672846" y="13716000"/>
-                  </a:lnTo>
-                  <a:lnTo>
-                    <a:pt x="0" y="13716000"/>
-                  </a:lnTo>
-                  <a:close/>
-                </a:path>
-              </a:pathLst>
-            </a:custGeom>
-            <a:gradFill rotWithShape="1">
-              <a:gsLst>
-                <a:gs pos="0">
-                  <a:srgbClr val="ED7A07">
-                    <a:alpha val="100000"/>
-                  </a:srgbClr>
-                </a:gs>
-                <a:gs pos="100000">
-                  <a:srgbClr val="737373">
-                    <a:alpha val="0"/>
-                  </a:srgbClr>
-                </a:gs>
-              </a:gsLst>
-              <a:lin ang="5400002"/>
-            </a:gradFill>
-          </p:spPr>
-        </p:sp>
-      </p:grpSp>
-      <p:grpSp>
-        <p:nvGrpSpPr>
-          <p:cNvPr id="4" name="Group 4"/>
-          <p:cNvGrpSpPr/>
-          <p:nvPr/>
-        </p:nvGrpSpPr>
-        <p:grpSpPr>
-          <a:xfrm>
-            <a:off x="7851781" y="6311043"/>
-            <a:ext cx="4961888" cy="256469"/>
-            <a:chOff x="0" y="0"/>
-            <a:chExt cx="7470592" cy="386139"/>
-          </a:xfrm>
-        </p:grpSpPr>
-        <p:sp>
-          <p:nvSpPr>
-            <p:cNvPr id="5" name="Freeform 5"/>
-            <p:cNvSpPr/>
-            <p:nvPr/>
-          </p:nvSpPr>
-          <p:spPr>
-            <a:xfrm>
-              <a:off x="0" y="0"/>
-              <a:ext cx="7470649" cy="386080"/>
-            </a:xfrm>
-            <a:custGeom>
-              <a:avLst/>
-              <a:gdLst/>
-              <a:ahLst/>
-              <a:cxnLst/>
-              <a:rect l="l" t="t" r="r" b="b"/>
-              <a:pathLst>
-                <a:path w="7470649" h="386080">
-                  <a:moveTo>
-                    <a:pt x="16256" y="0"/>
-                  </a:moveTo>
-                  <a:lnTo>
-                    <a:pt x="0" y="386080"/>
-                  </a:lnTo>
-                  <a:lnTo>
-                    <a:pt x="7454392" y="344678"/>
-                  </a:lnTo>
-                  <a:lnTo>
-                    <a:pt x="7470649" y="55118"/>
-                  </a:lnTo>
-                  <a:close/>
-                </a:path>
-              </a:pathLst>
-            </a:custGeom>
-            <a:solidFill>
-              <a:srgbClr val="ED7A07"/>
-            </a:solidFill>
-          </p:spPr>
-        </p:sp>
-      </p:grpSp>
-      <p:sp>
-        <p:nvSpPr>
-          <p:cNvPr id="6" name="TextBox 6"/>
-          <p:cNvSpPr txBox="1"/>
-          <p:nvPr/>
-        </p:nvSpPr>
-        <p:spPr>
-          <a:xfrm>
-            <a:off x="7755400" y="4455574"/>
-            <a:ext cx="9377252" cy="2460879"/>
-          </a:xfrm>
-          <a:prstGeom prst="rect">
-            <a:avLst/>
-          </a:prstGeom>
-        </p:spPr>
-        <p:txBody>
-          <a:bodyPr lIns="0" tIns="0" rIns="0" bIns="0" rtlCol="0" anchor="t">
-            <a:spAutoFit/>
-          </a:bodyPr>
-          <a:lstStyle/>
-          <a:p>
-            <a:pPr algn="l">
-              <a:lnSpc>
-                <a:spcPts val="8927"/>
-              </a:lnSpc>
-            </a:pPr>
-            <a:r>
-              <a:rPr lang="en-US" sz="12399">
-                <a:solidFill>
-                  <a:srgbClr val="000000"/>
-                </a:solidFill>
-                <a:latin typeface="Abhaya Libre"/>
-                <a:ea typeface="Abhaya Libre"/>
-                <a:cs typeface="Abhaya Libre"/>
-                <a:sym typeface="Abhaya Libre"/>
-              </a:rPr>
-              <a:t>         Trabalhos Futuros</a:t>
-            </a:r>
-          </a:p>
-        </p:txBody>
-      </p:sp>
-      <p:grpSp>
-        <p:nvGrpSpPr>
-          <p:cNvPr id="7" name="Group 7"/>
-          <p:cNvGrpSpPr/>
-          <p:nvPr/>
-        </p:nvGrpSpPr>
-        <p:grpSpPr>
-          <a:xfrm rot="-448633">
-            <a:off x="1342460" y="5476300"/>
-            <a:ext cx="5436024" cy="5434834"/>
-            <a:chOff x="0" y="0"/>
-            <a:chExt cx="7248032" cy="7246445"/>
-          </a:xfrm>
-        </p:grpSpPr>
-        <p:sp>
-          <p:nvSpPr>
-            <p:cNvPr id="8" name="Freeform 8"/>
-            <p:cNvSpPr/>
-            <p:nvPr/>
-          </p:nvSpPr>
-          <p:spPr>
-            <a:xfrm>
-              <a:off x="0" y="0"/>
-              <a:ext cx="7248017" cy="7246493"/>
-            </a:xfrm>
-            <a:custGeom>
-              <a:avLst/>
-              <a:gdLst/>
-              <a:ahLst/>
-              <a:cxnLst/>
-              <a:rect l="l" t="t" r="r" b="b"/>
-              <a:pathLst>
-                <a:path w="7248017" h="7246493">
-                  <a:moveTo>
-                    <a:pt x="0" y="3623183"/>
-                  </a:moveTo>
-                  <a:lnTo>
-                    <a:pt x="692150" y="1383919"/>
-                  </a:lnTo>
-                  <a:lnTo>
-                    <a:pt x="2504186" y="0"/>
-                  </a:lnTo>
-                  <a:lnTo>
-                    <a:pt x="4743958" y="0"/>
-                  </a:lnTo>
-                  <a:lnTo>
-                    <a:pt x="6555867" y="1383919"/>
-                  </a:lnTo>
-                  <a:lnTo>
-                    <a:pt x="7248017" y="3623183"/>
-                  </a:lnTo>
-                  <a:lnTo>
-                    <a:pt x="6555867" y="5862447"/>
-                  </a:lnTo>
-                  <a:lnTo>
-                    <a:pt x="4743958" y="7246493"/>
-                  </a:lnTo>
-                  <a:lnTo>
-                    <a:pt x="2504186" y="7246493"/>
-                  </a:lnTo>
-                  <a:lnTo>
-                    <a:pt x="692150" y="5862447"/>
-                  </a:lnTo>
-                  <a:close/>
-                </a:path>
-              </a:pathLst>
-            </a:custGeom>
-            <a:solidFill>
-              <a:srgbClr val="ED7A07">
-                <a:alpha val="27843"/>
-              </a:srgbClr>
-            </a:solidFill>
-          </p:spPr>
-        </p:sp>
-      </p:grpSp>
-      <p:sp>
-        <p:nvSpPr>
-          <p:cNvPr id="9" name="TextBox 9"/>
-          <p:cNvSpPr txBox="1"/>
-          <p:nvPr/>
-        </p:nvSpPr>
-        <p:spPr>
-          <a:xfrm>
-            <a:off x="7369725" y="515562"/>
-            <a:ext cx="4069614" cy="3847207"/>
-          </a:xfrm>
-          <a:prstGeom prst="rect">
-            <a:avLst/>
-          </a:prstGeom>
-        </p:spPr>
-        <p:txBody>
-          <a:bodyPr lIns="0" tIns="0" rIns="0" bIns="0" rtlCol="0" anchor="t">
-            <a:spAutoFit/>
-          </a:bodyPr>
-          <a:lstStyle/>
-          <a:p>
-            <a:pPr algn="l">
-              <a:lnSpc>
-                <a:spcPts val="30000"/>
-              </a:lnSpc>
-            </a:pPr>
-            <a:r>
-              <a:rPr lang="en-US" sz="25000" dirty="0">
-                <a:solidFill>
-                  <a:srgbClr val="ED7A07"/>
-                </a:solidFill>
-                <a:latin typeface="Poppins"/>
-                <a:ea typeface="Poppins"/>
-                <a:cs typeface="Poppins"/>
-                <a:sym typeface="Poppins"/>
-              </a:rPr>
-              <a:t>11</a:t>
-            </a:r>
-          </a:p>
-        </p:txBody>
-      </p:sp>
-      <p:sp>
-        <p:nvSpPr>
-          <p:cNvPr id="10" name="TextBox 10"/>
-          <p:cNvSpPr txBox="1"/>
-          <p:nvPr/>
-        </p:nvSpPr>
-        <p:spPr>
-          <a:xfrm>
-            <a:off x="7841125" y="7270501"/>
-            <a:ext cx="7698328" cy="1000125"/>
-          </a:xfrm>
-          <a:prstGeom prst="rect">
-            <a:avLst/>
-          </a:prstGeom>
-        </p:spPr>
-        <p:txBody>
-          <a:bodyPr lIns="0" tIns="0" rIns="0" bIns="0" rtlCol="0" anchor="t">
-            <a:spAutoFit/>
-          </a:bodyPr>
-          <a:lstStyle/>
-          <a:p>
-            <a:pPr algn="l">
-              <a:lnSpc>
-                <a:spcPts val="3840"/>
-              </a:lnSpc>
-            </a:pPr>
-            <a:r>
-              <a:rPr lang="en-US" sz="3200">
-                <a:solidFill>
-                  <a:srgbClr val="000000"/>
-                </a:solidFill>
-                <a:latin typeface="Poppins"/>
-                <a:ea typeface="Poppins"/>
-                <a:cs typeface="Poppins"/>
-                <a:sym typeface="Poppins"/>
-              </a:rPr>
-              <a:t>O próximo passo: evoluções que darão vida ao sistema completo</a:t>
-            </a:r>
-          </a:p>
-        </p:txBody>
-      </p:sp>
-      <p:sp>
-        <p:nvSpPr>
-          <p:cNvPr id="11" name="AutoShape 11"/>
-          <p:cNvSpPr/>
-          <p:nvPr/>
-        </p:nvSpPr>
-        <p:spPr>
-          <a:xfrm rot="211568">
-            <a:off x="7537806" y="4729887"/>
-            <a:ext cx="2477891" cy="0"/>
-          </a:xfrm>
-          <a:prstGeom prst="line">
-            <a:avLst/>
-          </a:prstGeom>
-          <a:ln w="57150" cap="rnd">
-            <a:solidFill>
-              <a:srgbClr val="ED7A07"/>
-            </a:solidFill>
-            <a:prstDash val="solid"/>
-            <a:headEnd type="none" w="sm" len="sm"/>
-            <a:tailEnd type="none" w="sm" len="sm"/>
-          </a:ln>
-        </p:spPr>
-      </p:sp>
-      <p:grpSp>
-        <p:nvGrpSpPr>
-          <p:cNvPr id="12" name="Group 12"/>
-          <p:cNvGrpSpPr/>
-          <p:nvPr/>
-        </p:nvGrpSpPr>
-        <p:grpSpPr>
-          <a:xfrm>
-            <a:off x="1912400" y="1374798"/>
-            <a:ext cx="2082600" cy="2082000"/>
-            <a:chOff x="0" y="0"/>
-            <a:chExt cx="2776800" cy="2776000"/>
-          </a:xfrm>
-        </p:grpSpPr>
-        <p:sp>
-          <p:nvSpPr>
-            <p:cNvPr id="13" name="Freeform 13"/>
-            <p:cNvSpPr/>
-            <p:nvPr/>
-          </p:nvSpPr>
-          <p:spPr>
-            <a:xfrm>
-              <a:off x="0" y="0"/>
-              <a:ext cx="2776855" cy="2776220"/>
-            </a:xfrm>
-            <a:custGeom>
-              <a:avLst/>
-              <a:gdLst/>
-              <a:ahLst/>
-              <a:cxnLst/>
-              <a:rect l="l" t="t" r="r" b="b"/>
-              <a:pathLst>
-                <a:path w="2776855" h="2776220">
-                  <a:moveTo>
-                    <a:pt x="0" y="1387983"/>
-                  </a:moveTo>
-                  <a:lnTo>
-                    <a:pt x="265176" y="530225"/>
-                  </a:lnTo>
-                  <a:lnTo>
-                    <a:pt x="959358" y="0"/>
-                  </a:lnTo>
-                  <a:lnTo>
-                    <a:pt x="1817497" y="0"/>
-                  </a:lnTo>
-                  <a:lnTo>
-                    <a:pt x="2511679" y="530225"/>
-                  </a:lnTo>
-                  <a:lnTo>
-                    <a:pt x="2776855" y="1388110"/>
-                  </a:lnTo>
-                  <a:lnTo>
-                    <a:pt x="2511679" y="2245995"/>
-                  </a:lnTo>
-                  <a:lnTo>
-                    <a:pt x="1817497" y="2776220"/>
-                  </a:lnTo>
-                  <a:lnTo>
-                    <a:pt x="959358" y="2776220"/>
-                  </a:lnTo>
-                  <a:lnTo>
-                    <a:pt x="265176" y="2245868"/>
-                  </a:lnTo>
-                  <a:close/>
-                </a:path>
-              </a:pathLst>
-            </a:custGeom>
-            <a:solidFill>
-              <a:srgbClr val="ED7A07"/>
-            </a:solidFill>
-          </p:spPr>
-        </p:sp>
-      </p:grpSp>
-      <p:sp>
-        <p:nvSpPr>
-          <p:cNvPr id="14" name="Freeform 14"/>
-          <p:cNvSpPr/>
-          <p:nvPr/>
-        </p:nvSpPr>
-        <p:spPr>
-          <a:xfrm>
-            <a:off x="2387472" y="1766780"/>
-            <a:ext cx="1127671" cy="1298042"/>
-          </a:xfrm>
-          <a:custGeom>
-            <a:avLst/>
-            <a:gdLst/>
-            <a:ahLst/>
-            <a:cxnLst/>
-            <a:rect l="l" t="t" r="r" b="b"/>
-            <a:pathLst>
-              <a:path w="1127671" h="1298042">
-                <a:moveTo>
-                  <a:pt x="0" y="0"/>
-                </a:moveTo>
-                <a:lnTo>
-                  <a:pt x="1127671" y="0"/>
-                </a:lnTo>
-                <a:lnTo>
-                  <a:pt x="1127671" y="1298042"/>
-                </a:lnTo>
-                <a:lnTo>
-                  <a:pt x="0" y="1298042"/>
-                </a:lnTo>
-                <a:lnTo>
-                  <a:pt x="0" y="0"/>
-                </a:lnTo>
-                <a:close/>
-              </a:path>
-            </a:pathLst>
-          </a:custGeom>
-          <a:blipFill>
-            <a:blip r:embed="rId3">
-              <a:extLst>
-                <a:ext uri="{96DAC541-7B7A-43D3-8B79-37D633B846F1}">
-                  <asvg:svgBlip xmlns:asvg="http://schemas.microsoft.com/office/drawing/2016/SVG/main" r:embed="rId4"/>
-                </a:ext>
-              </a:extLst>
-            </a:blip>
-            <a:stretch>
-              <a:fillRect/>
-            </a:stretch>
-          </a:blipFill>
-        </p:spPr>
-      </p:sp>
-    </p:spTree>
-  </p:cSld>
-  <p:clrMapOvr>
-    <a:masterClrMapping/>
-  </p:clrMapOvr>
-</p:sld>
-</file>
-
-<file path=ppt/slides/slide25.xml><?xml version="1.0" encoding="utf-8"?>
-<p:sld xmlns:a="http://schemas.openxmlformats.org/drawingml/2006/main" xmlns:r="http://schemas.openxmlformats.org/officeDocument/2006/relationships" xmlns:p="http://schemas.openxmlformats.org/presentationml/2006/main">
-  <p:cSld>
-    <p:bg>
-      <p:bgPr>
-        <a:solidFill>
-          <a:srgbClr val="F3F3F3"/>
-        </a:solidFill>
-        <a:effectLst/>
-      </p:bgPr>
-    </p:bg>
-    <p:spTree>
-      <p:nvGrpSpPr>
-        <p:cNvPr id="1" name=""/>
-        <p:cNvGrpSpPr/>
-        <p:nvPr/>
-      </p:nvGrpSpPr>
-      <p:grpSpPr>
-        <a:xfrm>
-          <a:off x="0" y="0"/>
-          <a:ext cx="0" cy="0"/>
-          <a:chOff x="0" y="0"/>
-          <a:chExt cx="0" cy="0"/>
-        </a:xfrm>
-      </p:grpSpPr>
-      <p:sp>
-        <p:nvSpPr>
-          <p:cNvPr id="2" name="AutoShape 2"/>
-          <p:cNvSpPr/>
-          <p:nvPr/>
-        </p:nvSpPr>
-        <p:spPr>
-          <a:xfrm rot="147060">
-            <a:off x="2314485" y="2790075"/>
-            <a:ext cx="1781830" cy="0"/>
-          </a:xfrm>
-          <a:prstGeom prst="line">
-            <a:avLst/>
-          </a:prstGeom>
-          <a:ln w="28575" cap="rnd">
-            <a:solidFill>
-              <a:srgbClr val="ED7A07"/>
-            </a:solidFill>
-            <a:prstDash val="solid"/>
-            <a:headEnd type="none" w="sm" len="sm"/>
-            <a:tailEnd type="none" w="sm" len="sm"/>
-          </a:ln>
-        </p:spPr>
-      </p:sp>
-      <p:grpSp>
-        <p:nvGrpSpPr>
-          <p:cNvPr id="3" name="Group 3"/>
-          <p:cNvGrpSpPr/>
-          <p:nvPr/>
-        </p:nvGrpSpPr>
-        <p:grpSpPr>
-          <a:xfrm>
-            <a:off x="0" y="0"/>
-            <a:ext cx="504600" cy="10287000"/>
-            <a:chOff x="0" y="0"/>
-            <a:chExt cx="672800" cy="13716000"/>
-          </a:xfrm>
-        </p:grpSpPr>
-        <p:sp>
-          <p:nvSpPr>
-            <p:cNvPr id="4" name="Freeform 4"/>
-            <p:cNvSpPr/>
-            <p:nvPr/>
-          </p:nvSpPr>
-          <p:spPr>
-            <a:xfrm>
-              <a:off x="0" y="0"/>
-              <a:ext cx="672846" cy="13716000"/>
-            </a:xfrm>
-            <a:custGeom>
-              <a:avLst/>
-              <a:gdLst/>
-              <a:ahLst/>
-              <a:cxnLst/>
-              <a:rect l="l" t="t" r="r" b="b"/>
-              <a:pathLst>
-                <a:path w="672846" h="13716000">
-                  <a:moveTo>
-                    <a:pt x="0" y="0"/>
-                  </a:moveTo>
-                  <a:lnTo>
-                    <a:pt x="672846" y="0"/>
-                  </a:lnTo>
-                  <a:lnTo>
-                    <a:pt x="672846" y="13716000"/>
-                  </a:lnTo>
-                  <a:lnTo>
-                    <a:pt x="0" y="13716000"/>
-                  </a:lnTo>
-                  <a:close/>
-                </a:path>
-              </a:pathLst>
-            </a:custGeom>
-            <a:gradFill rotWithShape="1">
-              <a:gsLst>
-                <a:gs pos="0">
-                  <a:srgbClr val="ED7A07">
-                    <a:alpha val="100000"/>
-                  </a:srgbClr>
-                </a:gs>
-                <a:gs pos="100000">
-                  <a:srgbClr val="737373">
-                    <a:alpha val="0"/>
-                  </a:srgbClr>
-                </a:gs>
-              </a:gsLst>
-              <a:lin ang="5400002"/>
-            </a:gradFill>
-          </p:spPr>
-        </p:sp>
-      </p:grpSp>
-      <p:grpSp>
-        <p:nvGrpSpPr>
-          <p:cNvPr id="5" name="Group 5"/>
-          <p:cNvGrpSpPr/>
-          <p:nvPr/>
-        </p:nvGrpSpPr>
-        <p:grpSpPr>
-          <a:xfrm rot="-448633">
-            <a:off x="11828236" y="3807350"/>
-            <a:ext cx="5436024" cy="5434834"/>
-            <a:chOff x="0" y="0"/>
-            <a:chExt cx="7248032" cy="7246445"/>
-          </a:xfrm>
-        </p:grpSpPr>
-        <p:sp>
-          <p:nvSpPr>
-            <p:cNvPr id="6" name="Freeform 6"/>
-            <p:cNvSpPr/>
-            <p:nvPr/>
-          </p:nvSpPr>
-          <p:spPr>
-            <a:xfrm>
-              <a:off x="0" y="0"/>
-              <a:ext cx="7248017" cy="7246493"/>
-            </a:xfrm>
-            <a:custGeom>
-              <a:avLst/>
-              <a:gdLst/>
-              <a:ahLst/>
-              <a:cxnLst/>
-              <a:rect l="l" t="t" r="r" b="b"/>
-              <a:pathLst>
-                <a:path w="7248017" h="7246493">
-                  <a:moveTo>
-                    <a:pt x="0" y="3623183"/>
-                  </a:moveTo>
-                  <a:lnTo>
-                    <a:pt x="692150" y="1383919"/>
-                  </a:lnTo>
-                  <a:lnTo>
-                    <a:pt x="2504186" y="0"/>
-                  </a:lnTo>
-                  <a:lnTo>
-                    <a:pt x="4743958" y="0"/>
-                  </a:lnTo>
-                  <a:lnTo>
-                    <a:pt x="6555867" y="1383919"/>
-                  </a:lnTo>
-                  <a:lnTo>
-                    <a:pt x="7248017" y="3623183"/>
-                  </a:lnTo>
-                  <a:lnTo>
-                    <a:pt x="6555867" y="5862447"/>
-                  </a:lnTo>
-                  <a:lnTo>
-                    <a:pt x="4743958" y="7246493"/>
-                  </a:lnTo>
-                  <a:lnTo>
-                    <a:pt x="2504186" y="7246493"/>
-                  </a:lnTo>
-                  <a:lnTo>
-                    <a:pt x="692150" y="5862447"/>
-                  </a:lnTo>
-                  <a:close/>
-                </a:path>
-              </a:pathLst>
-            </a:custGeom>
-            <a:solidFill>
-              <a:srgbClr val="ED7A07">
-                <a:alpha val="27843"/>
-              </a:srgbClr>
-            </a:solidFill>
-          </p:spPr>
-        </p:sp>
-      </p:grpSp>
-      <p:sp>
-        <p:nvSpPr>
-          <p:cNvPr id="7" name="Freeform 7"/>
-          <p:cNvSpPr/>
-          <p:nvPr/>
-        </p:nvSpPr>
-        <p:spPr>
-          <a:xfrm>
-            <a:off x="10237200" y="2514124"/>
-            <a:ext cx="5869750" cy="5126702"/>
-          </a:xfrm>
-          <a:custGeom>
-            <a:avLst/>
-            <a:gdLst/>
-            <a:ahLst/>
-            <a:cxnLst/>
-            <a:rect l="l" t="t" r="r" b="b"/>
-            <a:pathLst>
-              <a:path w="5869750" h="5126702">
-                <a:moveTo>
-                  <a:pt x="0" y="0"/>
-                </a:moveTo>
-                <a:lnTo>
-                  <a:pt x="5869750" y="0"/>
-                </a:lnTo>
-                <a:lnTo>
-                  <a:pt x="5869750" y="5126702"/>
-                </a:lnTo>
-                <a:lnTo>
-                  <a:pt x="0" y="5126702"/>
-                </a:lnTo>
-                <a:lnTo>
-                  <a:pt x="0" y="0"/>
-                </a:lnTo>
-                <a:close/>
-              </a:path>
-            </a:pathLst>
-          </a:custGeom>
-          <a:blipFill>
-            <a:blip r:embed="rId3">
-              <a:extLst>
-                <a:ext uri="{96DAC541-7B7A-43D3-8B79-37D633B846F1}">
-                  <asvg:svgBlip xmlns:asvg="http://schemas.microsoft.com/office/drawing/2016/SVG/main" r:embed="rId4"/>
-                </a:ext>
-              </a:extLst>
-            </a:blip>
-            <a:stretch>
-              <a:fillRect/>
-            </a:stretch>
-          </a:blipFill>
-        </p:spPr>
-      </p:sp>
-      <p:sp>
-        <p:nvSpPr>
-          <p:cNvPr id="8" name="Freeform 8"/>
-          <p:cNvSpPr/>
-          <p:nvPr/>
-        </p:nvSpPr>
-        <p:spPr>
-          <a:xfrm>
-            <a:off x="10684500" y="3082050"/>
-            <a:ext cx="4773896" cy="2736654"/>
-          </a:xfrm>
-          <a:custGeom>
-            <a:avLst/>
-            <a:gdLst/>
-            <a:ahLst/>
-            <a:cxnLst/>
-            <a:rect l="l" t="t" r="r" b="b"/>
-            <a:pathLst>
-              <a:path w="4773896" h="2736654">
-                <a:moveTo>
-                  <a:pt x="0" y="0"/>
-                </a:moveTo>
-                <a:lnTo>
-                  <a:pt x="4773896" y="0"/>
-                </a:lnTo>
-                <a:lnTo>
-                  <a:pt x="4773896" y="2736654"/>
-                </a:lnTo>
-                <a:lnTo>
-                  <a:pt x="0" y="2736654"/>
-                </a:lnTo>
-                <a:lnTo>
-                  <a:pt x="0" y="0"/>
-                </a:lnTo>
-                <a:close/>
-              </a:path>
-            </a:pathLst>
-          </a:custGeom>
-          <a:blipFill>
-            <a:blip r:embed="rId5"/>
-            <a:stretch>
-              <a:fillRect l="-693" r="-1308"/>
-            </a:stretch>
-          </a:blipFill>
-        </p:spPr>
-      </p:sp>
-      <p:sp>
-        <p:nvSpPr>
-          <p:cNvPr id="9" name="Freeform 9"/>
-          <p:cNvSpPr/>
-          <p:nvPr/>
-        </p:nvSpPr>
-        <p:spPr>
-          <a:xfrm>
-            <a:off x="10457492" y="5987274"/>
-            <a:ext cx="5222842" cy="205500"/>
-          </a:xfrm>
-          <a:custGeom>
-            <a:avLst/>
-            <a:gdLst/>
-            <a:ahLst/>
-            <a:cxnLst/>
-            <a:rect l="l" t="t" r="r" b="b"/>
-            <a:pathLst>
-              <a:path w="5222842" h="205500">
-                <a:moveTo>
-                  <a:pt x="0" y="0"/>
-                </a:moveTo>
-                <a:lnTo>
-                  <a:pt x="5222842" y="0"/>
-                </a:lnTo>
-                <a:lnTo>
-                  <a:pt x="5222842" y="205500"/>
-                </a:lnTo>
-                <a:lnTo>
-                  <a:pt x="0" y="205500"/>
-                </a:lnTo>
-                <a:lnTo>
-                  <a:pt x="0" y="0"/>
-                </a:lnTo>
-                <a:close/>
-              </a:path>
-            </a:pathLst>
-          </a:custGeom>
-          <a:blipFill>
-            <a:blip r:embed="rId6">
-              <a:extLst>
-                <a:ext uri="{96DAC541-7B7A-43D3-8B79-37D633B846F1}">
-                  <asvg:svgBlip xmlns:asvg="http://schemas.microsoft.com/office/drawing/2016/SVG/main" r:embed="rId7"/>
-                </a:ext>
-              </a:extLst>
-            </a:blip>
-            <a:stretch>
-              <a:fillRect/>
-            </a:stretch>
-          </a:blipFill>
-        </p:spPr>
-      </p:sp>
-      <p:sp>
-        <p:nvSpPr>
-          <p:cNvPr id="10" name="Freeform 10"/>
-          <p:cNvSpPr/>
-          <p:nvPr/>
-        </p:nvSpPr>
-        <p:spPr>
-          <a:xfrm>
-            <a:off x="10524347" y="2945088"/>
-            <a:ext cx="5132301" cy="2873616"/>
-          </a:xfrm>
-          <a:custGeom>
-            <a:avLst/>
-            <a:gdLst/>
-            <a:ahLst/>
-            <a:cxnLst/>
-            <a:rect l="l" t="t" r="r" b="b"/>
-            <a:pathLst>
-              <a:path w="5132301" h="2873616">
-                <a:moveTo>
-                  <a:pt x="0" y="0"/>
-                </a:moveTo>
-                <a:lnTo>
-                  <a:pt x="5132302" y="0"/>
-                </a:lnTo>
-                <a:lnTo>
-                  <a:pt x="5132302" y="2873616"/>
-                </a:lnTo>
-                <a:lnTo>
-                  <a:pt x="0" y="2873616"/>
-                </a:lnTo>
-                <a:lnTo>
-                  <a:pt x="0" y="0"/>
-                </a:lnTo>
-                <a:close/>
-              </a:path>
-            </a:pathLst>
-          </a:custGeom>
-          <a:blipFill>
-            <a:blip r:embed="rId8"/>
-            <a:stretch>
-              <a:fillRect/>
-            </a:stretch>
-          </a:blipFill>
-        </p:spPr>
-      </p:sp>
-      <p:sp>
-        <p:nvSpPr>
-          <p:cNvPr id="11" name="TextBox 11"/>
-          <p:cNvSpPr txBox="1"/>
-          <p:nvPr/>
-        </p:nvSpPr>
-        <p:spPr>
-          <a:xfrm>
-            <a:off x="2315300" y="4652602"/>
-            <a:ext cx="5734950" cy="2543175"/>
-          </a:xfrm>
-          <a:prstGeom prst="rect">
-            <a:avLst/>
-          </a:prstGeom>
-        </p:spPr>
-        <p:txBody>
-          <a:bodyPr lIns="0" tIns="0" rIns="0" bIns="0" rtlCol="0" anchor="t">
-            <a:spAutoFit/>
-          </a:bodyPr>
-          <a:lstStyle/>
-          <a:p>
-            <a:pPr algn="l">
-              <a:lnSpc>
-                <a:spcPts val="3359"/>
-              </a:lnSpc>
-            </a:pPr>
-            <a:r>
-              <a:rPr lang="en-US" sz="2799">
-                <a:solidFill>
-                  <a:srgbClr val="000000"/>
-                </a:solidFill>
-                <a:latin typeface="Poppins"/>
-                <a:ea typeface="Poppins"/>
-                <a:cs typeface="Poppins"/>
-                <a:sym typeface="Poppins"/>
-              </a:rPr>
-              <a:t>1 - Backend Completo</a:t>
-            </a:r>
-          </a:p>
-          <a:p>
-            <a:pPr algn="l">
-              <a:lnSpc>
-                <a:spcPts val="3359"/>
-              </a:lnSpc>
-            </a:pPr>
-            <a:r>
-              <a:rPr lang="en-US" sz="2799">
-                <a:solidFill>
-                  <a:srgbClr val="000000"/>
-                </a:solidFill>
-                <a:latin typeface="Poppins"/>
-                <a:ea typeface="Poppins"/>
-                <a:cs typeface="Poppins"/>
-                <a:sym typeface="Poppins"/>
-              </a:rPr>
-              <a:t>2 - Integração CRUD administrativo</a:t>
-            </a:r>
-          </a:p>
-          <a:p>
-            <a:pPr algn="l">
-              <a:lnSpc>
-                <a:spcPts val="3359"/>
-              </a:lnSpc>
-            </a:pPr>
-            <a:r>
-              <a:rPr lang="en-US" sz="2799">
-                <a:solidFill>
-                  <a:srgbClr val="000000"/>
-                </a:solidFill>
-                <a:latin typeface="Poppins"/>
-                <a:ea typeface="Poppins"/>
-                <a:cs typeface="Poppins"/>
-                <a:sym typeface="Poppins"/>
-              </a:rPr>
-              <a:t>3 - Sistema de autenticação</a:t>
-            </a:r>
-          </a:p>
-          <a:p>
-            <a:pPr algn="l">
-              <a:lnSpc>
-                <a:spcPts val="3359"/>
-              </a:lnSpc>
-            </a:pPr>
-            <a:r>
-              <a:rPr lang="en-US" sz="2799">
-                <a:solidFill>
-                  <a:srgbClr val="000000"/>
-                </a:solidFill>
-                <a:latin typeface="Poppins"/>
-                <a:ea typeface="Poppins"/>
-                <a:cs typeface="Poppins"/>
-                <a:sym typeface="Poppins"/>
-              </a:rPr>
-              <a:t>4 - Dashboard para vendedor e administrador</a:t>
-            </a:r>
-          </a:p>
-        </p:txBody>
-      </p:sp>
-      <p:sp>
-        <p:nvSpPr>
-          <p:cNvPr id="12" name="TextBox 12"/>
-          <p:cNvSpPr txBox="1"/>
-          <p:nvPr/>
-        </p:nvSpPr>
-        <p:spPr>
-          <a:xfrm>
-            <a:off x="2193901" y="3081402"/>
-            <a:ext cx="6801298" cy="1076325"/>
-          </a:xfrm>
-          <a:prstGeom prst="rect">
-            <a:avLst/>
-          </a:prstGeom>
-        </p:spPr>
-        <p:txBody>
-          <a:bodyPr lIns="0" tIns="0" rIns="0" bIns="0" rtlCol="0" anchor="t">
-            <a:spAutoFit/>
-          </a:bodyPr>
-          <a:lstStyle/>
-          <a:p>
-            <a:pPr algn="l">
-              <a:lnSpc>
-                <a:spcPts val="8400"/>
-              </a:lnSpc>
-            </a:pPr>
-            <a:r>
-              <a:rPr lang="en-US" sz="7000">
-                <a:solidFill>
-                  <a:srgbClr val="000000"/>
-                </a:solidFill>
-                <a:latin typeface="Abhaya Libre"/>
-                <a:ea typeface="Abhaya Libre"/>
-                <a:cs typeface="Abhaya Libre"/>
-                <a:sym typeface="Abhaya Libre"/>
-              </a:rPr>
-              <a:t>Trabalhos Futuros</a:t>
-            </a:r>
-          </a:p>
-        </p:txBody>
       </p:sp>
     </p:spTree>
   </p:cSld>
@@ -18890,6 +18831,120 @@
         </p:nvGrpSpPr>
         <p:grpSpPr>
           <a:xfrm>
+            <a:off x="16615730" y="8637146"/>
+            <a:ext cx="455056" cy="453816"/>
+            <a:chOff x="0" y="0"/>
+            <a:chExt cx="606741" cy="605088"/>
+          </a:xfrm>
+        </p:grpSpPr>
+        <p:sp>
+          <p:nvSpPr>
+            <p:cNvPr id="3" name="Freeform 3"/>
+            <p:cNvSpPr/>
+            <p:nvPr/>
+          </p:nvSpPr>
+          <p:spPr>
+            <a:xfrm>
+              <a:off x="0" y="0"/>
+              <a:ext cx="606679" cy="605028"/>
+            </a:xfrm>
+            <a:custGeom>
+              <a:avLst/>
+              <a:gdLst/>
+              <a:ahLst/>
+              <a:cxnLst/>
+              <a:rect l="l" t="t" r="r" b="b"/>
+              <a:pathLst>
+                <a:path w="606679" h="605028">
+                  <a:moveTo>
+                    <a:pt x="304165" y="0"/>
+                  </a:moveTo>
+                  <a:lnTo>
+                    <a:pt x="275844" y="115316"/>
+                  </a:lnTo>
+                  <a:cubicBezTo>
+                    <a:pt x="257429" y="193929"/>
+                    <a:pt x="195580" y="255778"/>
+                    <a:pt x="117094" y="274066"/>
+                  </a:cubicBezTo>
+                  <a:lnTo>
+                    <a:pt x="0" y="300863"/>
+                  </a:lnTo>
+                  <a:lnTo>
+                    <a:pt x="116967" y="329311"/>
+                  </a:lnTo>
+                  <a:cubicBezTo>
+                    <a:pt x="195580" y="347726"/>
+                    <a:pt x="257429" y="409575"/>
+                    <a:pt x="275717" y="488061"/>
+                  </a:cubicBezTo>
+                  <a:lnTo>
+                    <a:pt x="302514" y="605028"/>
+                  </a:lnTo>
+                  <a:lnTo>
+                    <a:pt x="330962" y="488061"/>
+                  </a:lnTo>
+                  <a:cubicBezTo>
+                    <a:pt x="349377" y="409448"/>
+                    <a:pt x="411226" y="347599"/>
+                    <a:pt x="489712" y="329311"/>
+                  </a:cubicBezTo>
+                  <a:lnTo>
+                    <a:pt x="606679" y="302514"/>
+                  </a:lnTo>
+                  <a:lnTo>
+                    <a:pt x="489712" y="274066"/>
+                  </a:lnTo>
+                  <a:cubicBezTo>
+                    <a:pt x="411099" y="255651"/>
+                    <a:pt x="349250" y="193802"/>
+                    <a:pt x="330962" y="115316"/>
+                  </a:cubicBezTo>
+                  <a:lnTo>
+                    <a:pt x="304165" y="0"/>
+                  </a:lnTo>
+                  <a:close/>
+                </a:path>
+              </a:pathLst>
+            </a:custGeom>
+            <a:solidFill>
+              <a:srgbClr val="F1EFF2"/>
+            </a:solidFill>
+          </p:spPr>
+        </p:sp>
+      </p:grpSp>
+      <p:sp>
+        <p:nvSpPr>
+          <p:cNvPr id="4" name="AutoShape 4"/>
+          <p:cNvSpPr/>
+          <p:nvPr/>
+        </p:nvSpPr>
+        <p:spPr>
+          <a:xfrm rot="157789">
+            <a:off x="1602525" y="1887825"/>
+            <a:ext cx="1660749" cy="0"/>
+          </a:xfrm>
+          <a:prstGeom prst="line">
+            <a:avLst/>
+          </a:prstGeom>
+          <a:ln w="28575" cap="rnd">
+            <a:solidFill>
+              <a:srgbClr val="ED7A07"/>
+            </a:solidFill>
+            <a:prstDash val="solid"/>
+            <a:headEnd type="none" w="sm" len="sm"/>
+            <a:tailEnd type="none" w="sm" len="sm"/>
+          </a:ln>
+        </p:spPr>
+      </p:sp>
+      <p:grpSp>
+        <p:nvGrpSpPr>
+          <p:cNvPr id="5" name="Group 5"/>
+          <p:cNvGrpSpPr/>
+          <p:nvPr/>
+        </p:nvGrpSpPr>
+        <p:grpSpPr>
+          <a:xfrm>
             <a:off x="0" y="0"/>
             <a:ext cx="504600" cy="10287000"/>
             <a:chOff x="0" y="0"/>
@@ -18898,7 +18953,7 @@
         </p:grpSpPr>
         <p:sp>
           <p:nvSpPr>
-            <p:cNvPr id="3" name="Freeform 3"/>
+            <p:cNvPr id="6" name="Freeform 6"/>
             <p:cNvSpPr/>
             <p:nvPr/>
           </p:nvSpPr>
@@ -18951,314 +19006,21 @@
       </p:grpSp>
       <p:grpSp>
         <p:nvGrpSpPr>
-          <p:cNvPr id="4" name="Group 4"/>
-          <p:cNvGrpSpPr/>
-          <p:nvPr/>
-        </p:nvGrpSpPr>
-        <p:grpSpPr>
-          <a:xfrm>
-            <a:off x="10519935" y="5143500"/>
-            <a:ext cx="4720066" cy="289604"/>
-            <a:chOff x="0" y="0"/>
-            <a:chExt cx="7470592" cy="386139"/>
-          </a:xfrm>
-        </p:grpSpPr>
-        <p:sp>
-          <p:nvSpPr>
-            <p:cNvPr id="5" name="Freeform 5"/>
-            <p:cNvSpPr/>
-            <p:nvPr/>
-          </p:nvSpPr>
-          <p:spPr>
-            <a:xfrm>
-              <a:off x="0" y="0"/>
-              <a:ext cx="7470649" cy="386080"/>
-            </a:xfrm>
-            <a:custGeom>
-              <a:avLst/>
-              <a:gdLst/>
-              <a:ahLst/>
-              <a:cxnLst/>
-              <a:rect l="l" t="t" r="r" b="b"/>
-              <a:pathLst>
-                <a:path w="7470649" h="386080">
-                  <a:moveTo>
-                    <a:pt x="16256" y="0"/>
-                  </a:moveTo>
-                  <a:lnTo>
-                    <a:pt x="0" y="386080"/>
-                  </a:lnTo>
-                  <a:lnTo>
-                    <a:pt x="7454392" y="344678"/>
-                  </a:lnTo>
-                  <a:lnTo>
-                    <a:pt x="7470649" y="55118"/>
-                  </a:lnTo>
-                  <a:close/>
-                </a:path>
-              </a:pathLst>
-            </a:custGeom>
-            <a:solidFill>
-              <a:srgbClr val="ED7A07"/>
-            </a:solidFill>
-          </p:spPr>
-        </p:sp>
-      </p:grpSp>
-      <p:sp>
-        <p:nvSpPr>
-          <p:cNvPr id="6" name="TextBox 6"/>
-          <p:cNvSpPr txBox="1"/>
-          <p:nvPr/>
-        </p:nvSpPr>
-        <p:spPr>
-          <a:xfrm>
-            <a:off x="10527466" y="4312286"/>
-            <a:ext cx="7531933" cy="1298432"/>
-          </a:xfrm>
-          <a:prstGeom prst="rect">
-            <a:avLst/>
-          </a:prstGeom>
-        </p:spPr>
-        <p:txBody>
-          <a:bodyPr wrap="square" lIns="0" tIns="0" rIns="0" bIns="0" rtlCol="0" anchor="t">
-            <a:spAutoFit/>
-          </a:bodyPr>
-          <a:lstStyle/>
-          <a:p>
-            <a:pPr algn="l">
-              <a:lnSpc>
-                <a:spcPts val="8927"/>
-              </a:lnSpc>
-            </a:pPr>
-            <a:r>
-              <a:rPr lang="en-US" sz="11500" i="1" dirty="0" err="1">
-                <a:solidFill>
-                  <a:srgbClr val="000000"/>
-                </a:solidFill>
-                <a:latin typeface="Abhaya Libre Italics"/>
-                <a:ea typeface="Abhaya Libre Italics"/>
-                <a:cs typeface="Abhaya Libre Italics"/>
-                <a:sym typeface="Abhaya Libre Italics"/>
-              </a:rPr>
-              <a:t>Segurança</a:t>
-            </a:r>
-            <a:r>
-              <a:rPr lang="en-US" sz="11500" i="1" dirty="0">
-                <a:solidFill>
-                  <a:srgbClr val="000000"/>
-                </a:solidFill>
-                <a:latin typeface="Abhaya Libre Italics"/>
-                <a:ea typeface="Abhaya Libre Italics"/>
-                <a:cs typeface="Abhaya Libre Italics"/>
-                <a:sym typeface="Abhaya Libre Italics"/>
-              </a:rPr>
-              <a:t> e</a:t>
-            </a:r>
-          </a:p>
-        </p:txBody>
-      </p:sp>
-      <p:grpSp>
-        <p:nvGrpSpPr>
           <p:cNvPr id="7" name="Group 7"/>
           <p:cNvGrpSpPr/>
           <p:nvPr/>
         </p:nvGrpSpPr>
         <p:grpSpPr>
-          <a:xfrm rot="-448633">
-            <a:off x="1342460" y="5476300"/>
-            <a:ext cx="5436024" cy="5434834"/>
+          <a:xfrm>
+            <a:off x="13089976" y="494548"/>
+            <a:ext cx="2082600" cy="2082000"/>
             <a:chOff x="0" y="0"/>
-            <a:chExt cx="7248032" cy="7246445"/>
+            <a:chExt cx="2776800" cy="2776000"/>
           </a:xfrm>
         </p:grpSpPr>
         <p:sp>
           <p:nvSpPr>
             <p:cNvPr id="8" name="Freeform 8"/>
-            <p:cNvSpPr/>
-            <p:nvPr/>
-          </p:nvSpPr>
-          <p:spPr>
-            <a:xfrm>
-              <a:off x="0" y="0"/>
-              <a:ext cx="7248017" cy="7246493"/>
-            </a:xfrm>
-            <a:custGeom>
-              <a:avLst/>
-              <a:gdLst/>
-              <a:ahLst/>
-              <a:cxnLst/>
-              <a:rect l="l" t="t" r="r" b="b"/>
-              <a:pathLst>
-                <a:path w="7248017" h="7246493">
-                  <a:moveTo>
-                    <a:pt x="0" y="3623183"/>
-                  </a:moveTo>
-                  <a:lnTo>
-                    <a:pt x="692150" y="1383919"/>
-                  </a:lnTo>
-                  <a:lnTo>
-                    <a:pt x="2504186" y="0"/>
-                  </a:lnTo>
-                  <a:lnTo>
-                    <a:pt x="4743958" y="0"/>
-                  </a:lnTo>
-                  <a:lnTo>
-                    <a:pt x="6555867" y="1383919"/>
-                  </a:lnTo>
-                  <a:lnTo>
-                    <a:pt x="7248017" y="3623183"/>
-                  </a:lnTo>
-                  <a:lnTo>
-                    <a:pt x="6555867" y="5862447"/>
-                  </a:lnTo>
-                  <a:lnTo>
-                    <a:pt x="4743958" y="7246493"/>
-                  </a:lnTo>
-                  <a:lnTo>
-                    <a:pt x="2504186" y="7246493"/>
-                  </a:lnTo>
-                  <a:lnTo>
-                    <a:pt x="692150" y="5862447"/>
-                  </a:lnTo>
-                  <a:close/>
-                </a:path>
-              </a:pathLst>
-            </a:custGeom>
-            <a:solidFill>
-              <a:srgbClr val="ED7A07">
-                <a:alpha val="27843"/>
-              </a:srgbClr>
-            </a:solidFill>
-          </p:spPr>
-        </p:sp>
-      </p:grpSp>
-      <p:sp>
-        <p:nvSpPr>
-          <p:cNvPr id="9" name="TextBox 9"/>
-          <p:cNvSpPr txBox="1"/>
-          <p:nvPr/>
-        </p:nvSpPr>
-        <p:spPr>
-          <a:xfrm>
-            <a:off x="7369725" y="515562"/>
-            <a:ext cx="4069614" cy="3847207"/>
-          </a:xfrm>
-          <a:prstGeom prst="rect">
-            <a:avLst/>
-          </a:prstGeom>
-        </p:spPr>
-        <p:txBody>
-          <a:bodyPr lIns="0" tIns="0" rIns="0" bIns="0" rtlCol="0" anchor="t">
-            <a:spAutoFit/>
-          </a:bodyPr>
-          <a:lstStyle/>
-          <a:p>
-            <a:pPr algn="l">
-              <a:lnSpc>
-                <a:spcPts val="30000"/>
-              </a:lnSpc>
-            </a:pPr>
-            <a:r>
-              <a:rPr lang="en-US" sz="25000" dirty="0">
-                <a:solidFill>
-                  <a:srgbClr val="ED7A07"/>
-                </a:solidFill>
-                <a:latin typeface="Poppins"/>
-                <a:ea typeface="Poppins"/>
-                <a:cs typeface="Poppins"/>
-                <a:sym typeface="Poppins"/>
-              </a:rPr>
-              <a:t>12</a:t>
-            </a:r>
-          </a:p>
-        </p:txBody>
-      </p:sp>
-      <p:sp>
-        <p:nvSpPr>
-          <p:cNvPr id="10" name="TextBox 10"/>
-          <p:cNvSpPr txBox="1"/>
-          <p:nvPr/>
-        </p:nvSpPr>
-        <p:spPr>
-          <a:xfrm>
-            <a:off x="7707775" y="7280026"/>
-            <a:ext cx="7398744" cy="974626"/>
-          </a:xfrm>
-          <a:prstGeom prst="rect">
-            <a:avLst/>
-          </a:prstGeom>
-        </p:spPr>
-        <p:txBody>
-          <a:bodyPr lIns="0" tIns="0" rIns="0" bIns="0" rtlCol="0" anchor="t">
-            <a:spAutoFit/>
-          </a:bodyPr>
-          <a:lstStyle/>
-          <a:p>
-            <a:pPr>
-              <a:lnSpc>
-                <a:spcPts val="3840"/>
-              </a:lnSpc>
-            </a:pPr>
-            <a:r>
-              <a:rPr lang="pt-BR" sz="3200" dirty="0">
-                <a:latin typeface="Poppins" panose="020B0604020202020204" charset="0"/>
-                <a:cs typeface="Poppins" panose="020B0604020202020204" charset="0"/>
-              </a:rPr>
-              <a:t>Função e importância do sistema dentro da organização</a:t>
-            </a:r>
-            <a:endParaRPr lang="en-US" sz="3200" dirty="0">
-              <a:solidFill>
-                <a:srgbClr val="000000"/>
-              </a:solidFill>
-              <a:latin typeface="Poppins" panose="020B0604020202020204" charset="0"/>
-              <a:ea typeface="Poppins"/>
-              <a:cs typeface="Poppins" panose="020B0604020202020204" charset="0"/>
-              <a:sym typeface="Poppins"/>
-            </a:endParaRPr>
-          </a:p>
-        </p:txBody>
-      </p:sp>
-      <p:sp>
-        <p:nvSpPr>
-          <p:cNvPr id="11" name="AutoShape 11"/>
-          <p:cNvSpPr/>
-          <p:nvPr/>
-        </p:nvSpPr>
-        <p:spPr>
-          <a:xfrm rot="211568">
-            <a:off x="7537806" y="4729887"/>
-            <a:ext cx="2477891" cy="0"/>
-          </a:xfrm>
-          <a:prstGeom prst="line">
-            <a:avLst/>
-          </a:prstGeom>
-          <a:ln w="57150" cap="rnd">
-            <a:solidFill>
-              <a:srgbClr val="ED7A07"/>
-            </a:solidFill>
-            <a:prstDash val="solid"/>
-            <a:headEnd type="none" w="sm" len="sm"/>
-            <a:tailEnd type="none" w="sm" len="sm"/>
-          </a:ln>
-        </p:spPr>
-      </p:sp>
-      <p:grpSp>
-        <p:nvGrpSpPr>
-          <p:cNvPr id="12" name="Group 12"/>
-          <p:cNvGrpSpPr/>
-          <p:nvPr/>
-        </p:nvGrpSpPr>
-        <p:grpSpPr>
-          <a:xfrm>
-            <a:off x="1912400" y="1374798"/>
-            <a:ext cx="2082600" cy="2082000"/>
-            <a:chOff x="0" y="0"/>
-            <a:chExt cx="2776800" cy="2776000"/>
-          </a:xfrm>
-        </p:grpSpPr>
-        <p:sp>
-          <p:nvSpPr>
-            <p:cNvPr id="13" name="Freeform 13"/>
             <p:cNvSpPr/>
             <p:nvPr/>
           </p:nvSpPr>
@@ -19317,14 +19079,55 @@
       </p:grpSp>
       <p:sp>
         <p:nvSpPr>
-          <p:cNvPr id="14" name="Freeform 14"/>
+          <p:cNvPr id="9" name="TextBox 9"/>
+          <p:cNvSpPr txBox="1"/>
+          <p:nvPr/>
+        </p:nvSpPr>
+        <p:spPr>
+          <a:xfrm>
+            <a:off x="3556075" y="1151375"/>
+            <a:ext cx="13213950" cy="1076391"/>
+          </a:xfrm>
+          <a:prstGeom prst="rect">
+            <a:avLst/>
+          </a:prstGeom>
+        </p:spPr>
+        <p:txBody>
+          <a:bodyPr lIns="0" tIns="0" rIns="0" bIns="0" rtlCol="0" anchor="t">
+            <a:spAutoFit/>
+          </a:bodyPr>
+          <a:lstStyle/>
+          <a:p>
+            <a:pPr algn="l">
+              <a:lnSpc>
+                <a:spcPts val="8400"/>
+              </a:lnSpc>
+            </a:pPr>
+            <a:r>
+              <a:rPr lang="en-US" sz="7000">
+                <a:solidFill>
+                  <a:srgbClr val="000000"/>
+                </a:solidFill>
+                <a:latin typeface="Abhaya Libre"/>
+                <a:ea typeface="Abhaya Libre"/>
+                <a:cs typeface="Abhaya Libre"/>
+                <a:sym typeface="Abhaya Libre"/>
+              </a:rPr>
+              <a:t> Benefícios do Sistema</a:t>
+            </a:r>
+          </a:p>
+        </p:txBody>
+      </p:sp>
+      <p:sp>
+        <p:nvSpPr>
+          <p:cNvPr id="10" name="Freeform 10"/>
           <p:cNvSpPr/>
           <p:nvPr/>
         </p:nvSpPr>
         <p:spPr>
           <a:xfrm>
-            <a:off x="2387472" y="1766780"/>
-            <a:ext cx="1127671" cy="1298042"/>
+            <a:off x="13592821" y="1016247"/>
+            <a:ext cx="1113925" cy="1090518"/>
           </a:xfrm>
           <a:custGeom>
             <a:avLst/>
@@ -19333,18 +19136,18 @@
             <a:cxnLst/>
             <a:rect l="l" t="t" r="r" b="b"/>
             <a:pathLst>
-              <a:path w="1127671" h="1298042">
+              <a:path w="1113925" h="1090518">
                 <a:moveTo>
                   <a:pt x="0" y="0"/>
                 </a:moveTo>
                 <a:lnTo>
-                  <a:pt x="1127671" y="0"/>
+                  <a:pt x="1113925" y="0"/>
                 </a:lnTo>
                 <a:lnTo>
-                  <a:pt x="1127671" y="1298042"/>
+                  <a:pt x="1113925" y="1090519"/>
                 </a:lnTo>
                 <a:lnTo>
-                  <a:pt x="0" y="1298042"/>
+                  <a:pt x="0" y="1090519"/>
                 </a:lnTo>
                 <a:lnTo>
                   <a:pt x="0" y="0"/>
@@ -19369,61 +19172,377 @@
       </p:sp>
       <p:sp>
         <p:nvSpPr>
-          <p:cNvPr id="16" name="TextBox 6">
-            <a:extLst>
-              <a:ext uri="{FF2B5EF4-FFF2-40B4-BE49-F238E27FC236}">
-                <a16:creationId xmlns:a16="http://schemas.microsoft.com/office/drawing/2014/main" id="{CF17F820-F359-4B3F-84D9-781B52844763}"/>
-              </a:ext>
-            </a:extLst>
-          </p:cNvPr>
+          <p:cNvPr id="11" name="Freeform 11"/>
+          <p:cNvSpPr/>
+          <p:nvPr/>
+        </p:nvSpPr>
+        <p:spPr>
+          <a:xfrm>
+            <a:off x="9333826" y="6802800"/>
+            <a:ext cx="3082226" cy="440400"/>
+          </a:xfrm>
+          <a:custGeom>
+            <a:avLst/>
+            <a:gdLst/>
+            <a:ahLst/>
+            <a:cxnLst/>
+            <a:rect l="l" t="t" r="r" b="b"/>
+            <a:pathLst>
+              <a:path w="3082226" h="440400">
+                <a:moveTo>
+                  <a:pt x="0" y="0"/>
+                </a:moveTo>
+                <a:lnTo>
+                  <a:pt x="3082226" y="0"/>
+                </a:lnTo>
+                <a:lnTo>
+                  <a:pt x="3082226" y="440400"/>
+                </a:lnTo>
+                <a:lnTo>
+                  <a:pt x="0" y="440400"/>
+                </a:lnTo>
+                <a:lnTo>
+                  <a:pt x="0" y="0"/>
+                </a:lnTo>
+                <a:close/>
+              </a:path>
+            </a:pathLst>
+          </a:custGeom>
+          <a:blipFill>
+            <a:blip r:embed="rId5">
+              <a:extLst>
+                <a:ext uri="{96DAC541-7B7A-43D3-8B79-37D633B846F1}">
+                  <asvg:svgBlip xmlns:asvg="http://schemas.microsoft.com/office/drawing/2016/SVG/main" r:embed="rId6"/>
+                </a:ext>
+              </a:extLst>
+            </a:blip>
+            <a:stretch>
+              <a:fillRect/>
+            </a:stretch>
+          </a:blipFill>
+        </p:spPr>
+      </p:sp>
+      <p:sp>
+        <p:nvSpPr>
+          <p:cNvPr id="12" name="Freeform 12"/>
+          <p:cNvSpPr/>
+          <p:nvPr/>
+        </p:nvSpPr>
+        <p:spPr>
+          <a:xfrm>
+            <a:off x="9333826" y="3632640"/>
+            <a:ext cx="3082226" cy="440400"/>
+          </a:xfrm>
+          <a:custGeom>
+            <a:avLst/>
+            <a:gdLst/>
+            <a:ahLst/>
+            <a:cxnLst/>
+            <a:rect l="l" t="t" r="r" b="b"/>
+            <a:pathLst>
+              <a:path w="3082226" h="440400">
+                <a:moveTo>
+                  <a:pt x="0" y="0"/>
+                </a:moveTo>
+                <a:lnTo>
+                  <a:pt x="3082226" y="0"/>
+                </a:lnTo>
+                <a:lnTo>
+                  <a:pt x="3082226" y="440400"/>
+                </a:lnTo>
+                <a:lnTo>
+                  <a:pt x="0" y="440400"/>
+                </a:lnTo>
+                <a:lnTo>
+                  <a:pt x="0" y="0"/>
+                </a:lnTo>
+                <a:close/>
+              </a:path>
+            </a:pathLst>
+          </a:custGeom>
+          <a:blipFill>
+            <a:blip r:embed="rId5">
+              <a:extLst>
+                <a:ext uri="{96DAC541-7B7A-43D3-8B79-37D633B846F1}">
+                  <asvg:svgBlip xmlns:asvg="http://schemas.microsoft.com/office/drawing/2016/SVG/main" r:embed="rId7"/>
+                </a:ext>
+              </a:extLst>
+            </a:blip>
+            <a:stretch>
+              <a:fillRect/>
+            </a:stretch>
+          </a:blipFill>
+        </p:spPr>
+      </p:sp>
+      <p:sp>
+        <p:nvSpPr>
+          <p:cNvPr id="13" name="Freeform 13"/>
+          <p:cNvSpPr/>
+          <p:nvPr/>
+        </p:nvSpPr>
+        <p:spPr>
+          <a:xfrm>
+            <a:off x="1429000" y="6802800"/>
+            <a:ext cx="3082226" cy="440400"/>
+          </a:xfrm>
+          <a:custGeom>
+            <a:avLst/>
+            <a:gdLst/>
+            <a:ahLst/>
+            <a:cxnLst/>
+            <a:rect l="l" t="t" r="r" b="b"/>
+            <a:pathLst>
+              <a:path w="3082226" h="440400">
+                <a:moveTo>
+                  <a:pt x="0" y="0"/>
+                </a:moveTo>
+                <a:lnTo>
+                  <a:pt x="3082226" y="0"/>
+                </a:lnTo>
+                <a:lnTo>
+                  <a:pt x="3082226" y="440400"/>
+                </a:lnTo>
+                <a:lnTo>
+                  <a:pt x="0" y="440400"/>
+                </a:lnTo>
+                <a:lnTo>
+                  <a:pt x="0" y="0"/>
+                </a:lnTo>
+                <a:close/>
+              </a:path>
+            </a:pathLst>
+          </a:custGeom>
+          <a:blipFill>
+            <a:blip r:embed="rId5">
+              <a:extLst>
+                <a:ext uri="{96DAC541-7B7A-43D3-8B79-37D633B846F1}">
+                  <asvg:svgBlip xmlns:asvg="http://schemas.microsoft.com/office/drawing/2016/SVG/main" r:embed="rId6"/>
+                </a:ext>
+              </a:extLst>
+            </a:blip>
+            <a:stretch>
+              <a:fillRect/>
+            </a:stretch>
+          </a:blipFill>
+        </p:spPr>
+      </p:sp>
+      <p:sp>
+        <p:nvSpPr>
+          <p:cNvPr id="14" name="Freeform 14"/>
+          <p:cNvSpPr/>
+          <p:nvPr/>
+        </p:nvSpPr>
+        <p:spPr>
+          <a:xfrm>
+            <a:off x="1288049" y="3592360"/>
+            <a:ext cx="3364127" cy="480679"/>
+          </a:xfrm>
+          <a:custGeom>
+            <a:avLst/>
+            <a:gdLst/>
+            <a:ahLst/>
+            <a:cxnLst/>
+            <a:rect l="l" t="t" r="r" b="b"/>
+            <a:pathLst>
+              <a:path w="3364127" h="480679">
+                <a:moveTo>
+                  <a:pt x="0" y="0"/>
+                </a:moveTo>
+                <a:lnTo>
+                  <a:pt x="3364127" y="0"/>
+                </a:lnTo>
+                <a:lnTo>
+                  <a:pt x="3364127" y="480680"/>
+                </a:lnTo>
+                <a:lnTo>
+                  <a:pt x="0" y="480680"/>
+                </a:lnTo>
+                <a:lnTo>
+                  <a:pt x="0" y="0"/>
+                </a:lnTo>
+                <a:close/>
+              </a:path>
+            </a:pathLst>
+          </a:custGeom>
+          <a:blipFill>
+            <a:blip r:embed="rId5">
+              <a:extLst>
+                <a:ext uri="{96DAC541-7B7A-43D3-8B79-37D633B846F1}">
+                  <asvg:svgBlip xmlns:asvg="http://schemas.microsoft.com/office/drawing/2016/SVG/main" r:embed="rId8"/>
+                </a:ext>
+              </a:extLst>
+            </a:blip>
+            <a:stretch>
+              <a:fillRect/>
+            </a:stretch>
+          </a:blipFill>
+        </p:spPr>
+      </p:sp>
+      <p:sp>
+        <p:nvSpPr>
+          <p:cNvPr id="15" name="TextBox 15"/>
           <p:cNvSpPr txBox="1"/>
           <p:nvPr/>
         </p:nvSpPr>
         <p:spPr>
           <a:xfrm>
-            <a:off x="7548618" y="5480914"/>
-            <a:ext cx="13542924" cy="1163780"/>
-          </a:xfrm>
-          <a:prstGeom prst="rect">
-            <a:avLst/>
-          </a:prstGeom>
-        </p:spPr>
-        <p:txBody>
-          <a:bodyPr wrap="square" lIns="0" tIns="0" rIns="0" bIns="0" rtlCol="0" anchor="t">
+            <a:off x="4786726" y="3459010"/>
+            <a:ext cx="4163550" cy="1514475"/>
+          </a:xfrm>
+          <a:prstGeom prst="rect">
+            <a:avLst/>
+          </a:prstGeom>
+        </p:spPr>
+        <p:txBody>
+          <a:bodyPr lIns="0" tIns="0" rIns="0" bIns="0" rtlCol="0" anchor="t">
             <a:spAutoFit/>
           </a:bodyPr>
           <a:lstStyle/>
           <a:p>
-            <a:pPr>
+            <a:pPr algn="l">
               <a:lnSpc>
-                <a:spcPts val="8927"/>
+                <a:spcPts val="5999"/>
               </a:lnSpc>
             </a:pPr>
             <a:r>
-              <a:rPr lang="pt-BR" sz="7200" dirty="0">
-                <a:latin typeface="Abhaya Libre Italics" panose="020B0604020202020204" charset="0"/>
-                <a:cs typeface="Abhaya Libre Italics" panose="020B0604020202020204" charset="0"/>
+              <a:rPr lang="en-US" sz="4999" b="1">
+                <a:solidFill>
+                  <a:srgbClr val="000000"/>
+                </a:solidFill>
+                <a:latin typeface="Abhaya Libre Bold"/>
+                <a:ea typeface="Abhaya Libre Bold"/>
+                <a:cs typeface="Abhaya Libre Bold"/>
+                <a:sym typeface="Abhaya Libre Bold"/>
               </a:rPr>
-              <a:t>Governança da Informação</a:t>
+              <a:t>Organização Centralizada</a:t>
             </a:r>
-            <a:endParaRPr lang="en-US" sz="8000" i="1" dirty="0">
-              <a:solidFill>
-                <a:srgbClr val="000000"/>
-              </a:solidFill>
-              <a:latin typeface="Abhaya Libre Italics" panose="020B0604020202020204" charset="0"/>
-              <a:ea typeface="Abhaya Libre Italics"/>
-              <a:cs typeface="Abhaya Libre Italics" panose="020B0604020202020204" charset="0"/>
-              <a:sym typeface="Abhaya Libre Italics"/>
-            </a:endParaRPr>
+          </a:p>
+        </p:txBody>
+      </p:sp>
+      <p:sp>
+        <p:nvSpPr>
+          <p:cNvPr id="16" name="TextBox 16"/>
+          <p:cNvSpPr txBox="1"/>
+          <p:nvPr/>
+        </p:nvSpPr>
+        <p:spPr>
+          <a:xfrm>
+            <a:off x="4720051" y="6669450"/>
+            <a:ext cx="4163550" cy="1514475"/>
+          </a:xfrm>
+          <a:prstGeom prst="rect">
+            <a:avLst/>
+          </a:prstGeom>
+        </p:spPr>
+        <p:txBody>
+          <a:bodyPr lIns="0" tIns="0" rIns="0" bIns="0" rtlCol="0" anchor="t">
+            <a:spAutoFit/>
+          </a:bodyPr>
+          <a:lstStyle/>
+          <a:p>
+            <a:pPr algn="l">
+              <a:lnSpc>
+                <a:spcPts val="5999"/>
+              </a:lnSpc>
+            </a:pPr>
+            <a:r>
+              <a:rPr lang="en-US" sz="4999" b="1">
+                <a:solidFill>
+                  <a:srgbClr val="000000"/>
+                </a:solidFill>
+                <a:latin typeface="Abhaya Libre Bold"/>
+                <a:ea typeface="Abhaya Libre Bold"/>
+                <a:cs typeface="Abhaya Libre Bold"/>
+                <a:sym typeface="Abhaya Libre Bold"/>
+              </a:rPr>
+              <a:t>Maior alcance e divulgação</a:t>
+            </a:r>
+          </a:p>
+        </p:txBody>
+      </p:sp>
+      <p:sp>
+        <p:nvSpPr>
+          <p:cNvPr id="17" name="TextBox 17"/>
+          <p:cNvSpPr txBox="1"/>
+          <p:nvPr/>
+        </p:nvSpPr>
+        <p:spPr>
+          <a:xfrm>
+            <a:off x="12602725" y="3506635"/>
+            <a:ext cx="4163550" cy="1514475"/>
+          </a:xfrm>
+          <a:prstGeom prst="rect">
+            <a:avLst/>
+          </a:prstGeom>
+        </p:spPr>
+        <p:txBody>
+          <a:bodyPr lIns="0" tIns="0" rIns="0" bIns="0" rtlCol="0" anchor="t">
+            <a:spAutoFit/>
+          </a:bodyPr>
+          <a:lstStyle/>
+          <a:p>
+            <a:pPr algn="l">
+              <a:lnSpc>
+                <a:spcPts val="5999"/>
+              </a:lnSpc>
+            </a:pPr>
+            <a:r>
+              <a:rPr lang="en-US" sz="4999" b="1">
+                <a:solidFill>
+                  <a:srgbClr val="000000"/>
+                </a:solidFill>
+                <a:latin typeface="Abhaya Libre Bold"/>
+                <a:ea typeface="Abhaya Libre Bold"/>
+                <a:cs typeface="Abhaya Libre Bold"/>
+                <a:sym typeface="Abhaya Libre Bold"/>
+              </a:rPr>
+              <a:t>Fácil e intuitivo de se utilizar</a:t>
+            </a:r>
+          </a:p>
+        </p:txBody>
+      </p:sp>
+      <p:sp>
+        <p:nvSpPr>
+          <p:cNvPr id="18" name="TextBox 18"/>
+          <p:cNvSpPr txBox="1"/>
+          <p:nvPr/>
+        </p:nvSpPr>
+        <p:spPr>
+          <a:xfrm>
+            <a:off x="12641608" y="6688500"/>
+            <a:ext cx="4163550" cy="1514475"/>
+          </a:xfrm>
+          <a:prstGeom prst="rect">
+            <a:avLst/>
+          </a:prstGeom>
+        </p:spPr>
+        <p:txBody>
+          <a:bodyPr lIns="0" tIns="0" rIns="0" bIns="0" rtlCol="0" anchor="t">
+            <a:spAutoFit/>
+          </a:bodyPr>
+          <a:lstStyle/>
+          <a:p>
+            <a:pPr algn="l">
+              <a:lnSpc>
+                <a:spcPts val="5999"/>
+              </a:lnSpc>
+            </a:pPr>
+            <a:r>
+              <a:rPr lang="en-US" sz="4999" b="1">
+                <a:solidFill>
+                  <a:srgbClr val="000000"/>
+                </a:solidFill>
+                <a:latin typeface="Abhaya Libre Bold"/>
+                <a:ea typeface="Abhaya Libre Bold"/>
+                <a:cs typeface="Abhaya Libre Bold"/>
+                <a:sym typeface="Abhaya Libre Bold"/>
+              </a:rPr>
+              <a:t>Redução de erros</a:t>
+            </a:r>
           </a:p>
         </p:txBody>
       </p:sp>
     </p:spTree>
-    <p:extLst>
-      <p:ext uri="{BB962C8B-B14F-4D97-AF65-F5344CB8AC3E}">
-        <p14:creationId xmlns:p14="http://schemas.microsoft.com/office/powerpoint/2010/main" val="1664683383"/>
-      </p:ext>
-    </p:extLst>
   </p:cSld>
   <p:clrMapOvr>
     <a:masterClrMapping/>
@@ -19531,8 +19650,8 @@
         </p:nvGrpSpPr>
         <p:grpSpPr>
           <a:xfrm>
-            <a:off x="10519934" y="5126199"/>
-            <a:ext cx="5937671" cy="306905"/>
+            <a:off x="7851781" y="6311043"/>
+            <a:ext cx="4961888" cy="256469"/>
             <a:chOff x="0" y="0"/>
             <a:chExt cx="7470592" cy="386139"/>
           </a:xfrm>
@@ -19586,8 +19705,8 @@
         </p:nvSpPr>
         <p:spPr>
           <a:xfrm>
-            <a:off x="10519934" y="4451947"/>
-            <a:ext cx="9377252" cy="1327404"/>
+            <a:off x="7755400" y="4455574"/>
+            <a:ext cx="9377252" cy="2460879"/>
           </a:xfrm>
           <a:prstGeom prst="rect">
             <a:avLst/>
@@ -19605,16 +19724,16 @@
               </a:lnSpc>
             </a:pPr>
             <a:r>
-              <a:rPr lang="en-US" sz="12399" i="1">
+              <a:rPr lang="en-US" sz="12399">
                 <a:solidFill>
                   <a:srgbClr val="000000"/>
                 </a:solidFill>
-                <a:latin typeface="Abhaya Libre Italics"/>
-                <a:ea typeface="Abhaya Libre Italics"/>
-                <a:cs typeface="Abhaya Libre Italics"/>
-                <a:sym typeface="Abhaya Libre Italics"/>
+                <a:latin typeface="Abhaya Libre"/>
+                <a:ea typeface="Abhaya Libre"/>
+                <a:cs typeface="Abhaya Libre"/>
+                <a:sym typeface="Abhaya Libre"/>
               </a:rPr>
-              <a:t>Protótipo</a:t>
+              <a:t>         Trabalhos Futuros</a:t>
             </a:r>
           </a:p>
         </p:txBody>
@@ -19730,7 +19849,7 @@
                 <a:cs typeface="Poppins"/>
                 <a:sym typeface="Poppins"/>
               </a:rPr>
-              <a:t>13</a:t>
+              <a:t>12</a:t>
             </a:r>
           </a:p>
         </p:txBody>
@@ -19743,8 +19862,8 @@
         </p:nvSpPr>
         <p:spPr>
           <a:xfrm>
-            <a:off x="7707775" y="7280026"/>
-            <a:ext cx="7398744" cy="1000125"/>
+            <a:off x="7841125" y="7270501"/>
+            <a:ext cx="7698328" cy="1000125"/>
           </a:xfrm>
           <a:prstGeom prst="rect">
             <a:avLst/>
@@ -19771,7 +19890,7 @@
                 <a:cs typeface="Poppins"/>
                 <a:sym typeface="Poppins"/>
               </a:rPr>
-              <a:t>Da ideia ao visual: experimentando o sistema pela primeira vez</a:t>
+              <a:t>O próximo passo: evoluções que darão vida ao sistema completo</a:t>
             </a:r>
           </a:p>
         </p:txBody>
@@ -19958,9 +20077,33 @@
           <a:chExt cx="0" cy="0"/>
         </a:xfrm>
       </p:grpSpPr>
+      <p:sp>
+        <p:nvSpPr>
+          <p:cNvPr id="2" name="AutoShape 2"/>
+          <p:cNvSpPr/>
+          <p:nvPr/>
+        </p:nvSpPr>
+        <p:spPr>
+          <a:xfrm rot="147060">
+            <a:off x="2314485" y="2790075"/>
+            <a:ext cx="1781830" cy="0"/>
+          </a:xfrm>
+          <a:prstGeom prst="line">
+            <a:avLst/>
+          </a:prstGeom>
+          <a:ln w="28575" cap="rnd">
+            <a:solidFill>
+              <a:srgbClr val="ED7A07"/>
+            </a:solidFill>
+            <a:prstDash val="solid"/>
+            <a:headEnd type="none" w="sm" len="sm"/>
+            <a:tailEnd type="none" w="sm" len="sm"/>
+          </a:ln>
+        </p:spPr>
+      </p:sp>
       <p:grpSp>
         <p:nvGrpSpPr>
-          <p:cNvPr id="2" name="Group 2"/>
+          <p:cNvPr id="3" name="Group 3"/>
           <p:cNvGrpSpPr/>
           <p:nvPr/>
         </p:nvGrpSpPr>
@@ -19974,7 +20117,7 @@
         </p:grpSpPr>
         <p:sp>
           <p:nvSpPr>
-            <p:cNvPr id="3" name="Freeform 3"/>
+            <p:cNvPr id="4" name="Freeform 4"/>
             <p:cNvSpPr/>
             <p:nvPr/>
           </p:nvSpPr>
@@ -20027,104 +20170,13 @@
       </p:grpSp>
       <p:grpSp>
         <p:nvGrpSpPr>
-          <p:cNvPr id="4" name="Group 4"/>
-          <p:cNvGrpSpPr/>
-          <p:nvPr/>
-        </p:nvGrpSpPr>
-        <p:grpSpPr>
-          <a:xfrm>
-            <a:off x="0" y="0"/>
-            <a:ext cx="504600" cy="10287000"/>
-            <a:chOff x="0" y="0"/>
-            <a:chExt cx="672800" cy="13716000"/>
-          </a:xfrm>
-        </p:grpSpPr>
-        <p:sp>
-          <p:nvSpPr>
-            <p:cNvPr id="5" name="Freeform 5"/>
-            <p:cNvSpPr/>
-            <p:nvPr/>
-          </p:nvSpPr>
-          <p:spPr>
-            <a:xfrm>
-              <a:off x="0" y="0"/>
-              <a:ext cx="672846" cy="13716000"/>
-            </a:xfrm>
-            <a:custGeom>
-              <a:avLst/>
-              <a:gdLst/>
-              <a:ahLst/>
-              <a:cxnLst/>
-              <a:rect l="l" t="t" r="r" b="b"/>
-              <a:pathLst>
-                <a:path w="672846" h="13716000">
-                  <a:moveTo>
-                    <a:pt x="0" y="0"/>
-                  </a:moveTo>
-                  <a:lnTo>
-                    <a:pt x="672846" y="0"/>
-                  </a:lnTo>
-                  <a:lnTo>
-                    <a:pt x="672846" y="13716000"/>
-                  </a:lnTo>
-                  <a:lnTo>
-                    <a:pt x="0" y="13716000"/>
-                  </a:lnTo>
-                  <a:close/>
-                </a:path>
-              </a:pathLst>
-            </a:custGeom>
-            <a:gradFill rotWithShape="1">
-              <a:gsLst>
-                <a:gs pos="0">
-                  <a:srgbClr val="ED7A07">
-                    <a:alpha val="100000"/>
-                  </a:srgbClr>
-                </a:gs>
-                <a:gs pos="100000">
-                  <a:srgbClr val="737373">
-                    <a:alpha val="0"/>
-                  </a:srgbClr>
-                </a:gs>
-              </a:gsLst>
-              <a:lin ang="5400002"/>
-            </a:gradFill>
-          </p:spPr>
-        </p:sp>
-      </p:grpSp>
-      <p:sp>
-        <p:nvSpPr>
-          <p:cNvPr id="6" name="AutoShape 6"/>
-          <p:cNvSpPr/>
-          <p:nvPr/>
-        </p:nvSpPr>
-        <p:spPr>
-          <a:xfrm rot="157789">
-            <a:off x="1602525" y="1887825"/>
-            <a:ext cx="1660749" cy="0"/>
-          </a:xfrm>
-          <a:prstGeom prst="line">
-            <a:avLst/>
-          </a:prstGeom>
-          <a:ln w="28575" cap="rnd">
-            <a:solidFill>
-              <a:srgbClr val="ED7A07"/>
-            </a:solidFill>
-            <a:prstDash val="solid"/>
-            <a:headEnd type="none" w="sm" len="sm"/>
-            <a:tailEnd type="none" w="sm" len="sm"/>
-          </a:ln>
-        </p:spPr>
-      </p:sp>
-      <p:grpSp>
-        <p:nvGrpSpPr>
-          <p:cNvPr id="7" name="Group 7"/>
+          <p:cNvPr id="5" name="Group 5"/>
           <p:cNvGrpSpPr/>
           <p:nvPr/>
         </p:nvGrpSpPr>
         <p:grpSpPr>
           <a:xfrm rot="-448633">
-            <a:off x="4318136" y="6194650"/>
+            <a:off x="11828236" y="3807350"/>
             <a:ext cx="5436024" cy="5434834"/>
             <a:chOff x="0" y="0"/>
             <a:chExt cx="7248032" cy="7246445"/>
@@ -20132,7 +20184,7 @@
         </p:grpSpPr>
         <p:sp>
           <p:nvSpPr>
-            <p:cNvPr id="8" name="Freeform 8"/>
+            <p:cNvPr id="6" name="Freeform 6"/>
             <p:cNvSpPr/>
             <p:nvPr/>
           </p:nvSpPr>
@@ -20193,111 +20245,14 @@
       </p:grpSp>
       <p:sp>
         <p:nvSpPr>
-          <p:cNvPr id="9" name="AutoShape 9"/>
+          <p:cNvPr id="7" name="Freeform 7"/>
           <p:cNvSpPr/>
           <p:nvPr/>
         </p:nvSpPr>
         <p:spPr>
-          <a:xfrm rot="157789">
-            <a:off x="1602525" y="1887825"/>
-            <a:ext cx="1660749" cy="0"/>
-          </a:xfrm>
-          <a:prstGeom prst="line">
-            <a:avLst/>
-          </a:prstGeom>
-          <a:ln w="28575" cap="rnd">
-            <a:solidFill>
-              <a:srgbClr val="ED7A07"/>
-            </a:solidFill>
-            <a:prstDash val="solid"/>
-            <a:headEnd type="none" w="sm" len="sm"/>
-            <a:tailEnd type="none" w="sm" len="sm"/>
-          </a:ln>
-        </p:spPr>
-      </p:sp>
-      <p:grpSp>
-        <p:nvGrpSpPr>
-          <p:cNvPr id="10" name="Group 10"/>
-          <p:cNvGrpSpPr/>
-          <p:nvPr/>
-        </p:nvGrpSpPr>
-        <p:grpSpPr>
-          <a:xfrm>
-            <a:off x="14547676" y="1198598"/>
-            <a:ext cx="2082600" cy="2082000"/>
-            <a:chOff x="0" y="0"/>
-            <a:chExt cx="2776800" cy="2776000"/>
-          </a:xfrm>
-        </p:grpSpPr>
-        <p:sp>
-          <p:nvSpPr>
-            <p:cNvPr id="11" name="Freeform 11"/>
-            <p:cNvSpPr/>
-            <p:nvPr/>
-          </p:nvSpPr>
-          <p:spPr>
-            <a:xfrm>
-              <a:off x="0" y="0"/>
-              <a:ext cx="2776855" cy="2776220"/>
-            </a:xfrm>
-            <a:custGeom>
-              <a:avLst/>
-              <a:gdLst/>
-              <a:ahLst/>
-              <a:cxnLst/>
-              <a:rect l="l" t="t" r="r" b="b"/>
-              <a:pathLst>
-                <a:path w="2776855" h="2776220">
-                  <a:moveTo>
-                    <a:pt x="0" y="1387983"/>
-                  </a:moveTo>
-                  <a:lnTo>
-                    <a:pt x="265176" y="530225"/>
-                  </a:lnTo>
-                  <a:lnTo>
-                    <a:pt x="959358" y="0"/>
-                  </a:lnTo>
-                  <a:lnTo>
-                    <a:pt x="1817497" y="0"/>
-                  </a:lnTo>
-                  <a:lnTo>
-                    <a:pt x="2511679" y="530225"/>
-                  </a:lnTo>
-                  <a:lnTo>
-                    <a:pt x="2776855" y="1388110"/>
-                  </a:lnTo>
-                  <a:lnTo>
-                    <a:pt x="2511679" y="2245995"/>
-                  </a:lnTo>
-                  <a:lnTo>
-                    <a:pt x="1817497" y="2776220"/>
-                  </a:lnTo>
-                  <a:lnTo>
-                    <a:pt x="959358" y="2776220"/>
-                  </a:lnTo>
-                  <a:lnTo>
-                    <a:pt x="265176" y="2245868"/>
-                  </a:lnTo>
-                  <a:close/>
-                </a:path>
-              </a:pathLst>
-            </a:custGeom>
-            <a:solidFill>
-              <a:srgbClr val="ED7A07"/>
-            </a:solidFill>
-          </p:spPr>
-        </p:sp>
-      </p:grpSp>
-      <p:sp>
-        <p:nvSpPr>
-          <p:cNvPr id="12" name="Freeform 12"/>
-          <p:cNvSpPr/>
-          <p:nvPr/>
-        </p:nvSpPr>
-        <p:spPr>
-          <a:xfrm>
-            <a:off x="15067118" y="1712022"/>
-            <a:ext cx="1083379" cy="996428"/>
+          <a:xfrm>
+            <a:off x="10237200" y="2514124"/>
+            <a:ext cx="5869750" cy="5126702"/>
           </a:xfrm>
           <a:custGeom>
             <a:avLst/>
@@ -20306,18 +20261,18 @@
             <a:cxnLst/>
             <a:rect l="l" t="t" r="r" b="b"/>
             <a:pathLst>
-              <a:path w="1083379" h="996428">
+              <a:path w="5869750" h="5126702">
                 <a:moveTo>
                   <a:pt x="0" y="0"/>
                 </a:moveTo>
                 <a:lnTo>
-                  <a:pt x="1083380" y="0"/>
+                  <a:pt x="5869750" y="0"/>
                 </a:lnTo>
                 <a:lnTo>
-                  <a:pt x="1083380" y="996428"/>
+                  <a:pt x="5869750" y="5126702"/>
                 </a:lnTo>
                 <a:lnTo>
-                  <a:pt x="0" y="996428"/>
+                  <a:pt x="0" y="5126702"/>
                 </a:lnTo>
                 <a:lnTo>
                   <a:pt x="0" y="0"/>
@@ -20342,14 +20297,14 @@
       </p:sp>
       <p:sp>
         <p:nvSpPr>
-          <p:cNvPr id="13" name="Freeform 13"/>
+          <p:cNvPr id="8" name="Freeform 8"/>
           <p:cNvSpPr/>
           <p:nvPr/>
         </p:nvSpPr>
         <p:spPr>
           <a:xfrm>
-            <a:off x="2682842" y="3280598"/>
-            <a:ext cx="4746982" cy="4746982"/>
+            <a:off x="10684500" y="3082050"/>
+            <a:ext cx="4773896" cy="2736654"/>
           </a:xfrm>
           <a:custGeom>
             <a:avLst/>
@@ -20358,18 +20313,18 @@
             <a:cxnLst/>
             <a:rect l="l" t="t" r="r" b="b"/>
             <a:pathLst>
-              <a:path w="4746982" h="4746982">
+              <a:path w="4773896" h="2736654">
                 <a:moveTo>
                   <a:pt x="0" y="0"/>
                 </a:moveTo>
                 <a:lnTo>
-                  <a:pt x="4746981" y="0"/>
+                  <a:pt x="4773896" y="0"/>
                 </a:lnTo>
                 <a:lnTo>
-                  <a:pt x="4746981" y="4746982"/>
+                  <a:pt x="4773896" y="2736654"/>
                 </a:lnTo>
                 <a:lnTo>
-                  <a:pt x="0" y="4746982"/>
+                  <a:pt x="0" y="2736654"/>
                 </a:lnTo>
                 <a:lnTo>
                   <a:pt x="0" y="0"/>
@@ -20381,6 +20336,58 @@
           <a:blipFill>
             <a:blip r:embed="rId5"/>
             <a:stretch>
+              <a:fillRect l="-693" r="-1308"/>
+            </a:stretch>
+          </a:blipFill>
+        </p:spPr>
+      </p:sp>
+      <p:sp>
+        <p:nvSpPr>
+          <p:cNvPr id="9" name="Freeform 9"/>
+          <p:cNvSpPr/>
+          <p:nvPr/>
+        </p:nvSpPr>
+        <p:spPr>
+          <a:xfrm>
+            <a:off x="10457492" y="5987274"/>
+            <a:ext cx="5222842" cy="205500"/>
+          </a:xfrm>
+          <a:custGeom>
+            <a:avLst/>
+            <a:gdLst/>
+            <a:ahLst/>
+            <a:cxnLst/>
+            <a:rect l="l" t="t" r="r" b="b"/>
+            <a:pathLst>
+              <a:path w="5222842" h="205500">
+                <a:moveTo>
+                  <a:pt x="0" y="0"/>
+                </a:moveTo>
+                <a:lnTo>
+                  <a:pt x="5222842" y="0"/>
+                </a:lnTo>
+                <a:lnTo>
+                  <a:pt x="5222842" y="205500"/>
+                </a:lnTo>
+                <a:lnTo>
+                  <a:pt x="0" y="205500"/>
+                </a:lnTo>
+                <a:lnTo>
+                  <a:pt x="0" y="0"/>
+                </a:lnTo>
+                <a:close/>
+              </a:path>
+            </a:pathLst>
+          </a:custGeom>
+          <a:blipFill>
+            <a:blip r:embed="rId6">
+              <a:extLst>
+                <a:ext uri="{96DAC541-7B7A-43D3-8B79-37D633B846F1}">
+                  <asvg:svgBlip xmlns:asvg="http://schemas.microsoft.com/office/drawing/2016/SVG/main" r:embed="rId7"/>
+                </a:ext>
+              </a:extLst>
+            </a:blip>
+            <a:stretch>
               <a:fillRect/>
             </a:stretch>
           </a:blipFill>
@@ -20388,14 +20395,158 @@
       </p:sp>
       <p:sp>
         <p:nvSpPr>
-          <p:cNvPr id="14" name="TextBox 14"/>
+          <p:cNvPr id="10" name="Freeform 10"/>
+          <p:cNvSpPr/>
+          <p:nvPr/>
+        </p:nvSpPr>
+        <p:spPr>
+          <a:xfrm>
+            <a:off x="10524347" y="2945088"/>
+            <a:ext cx="5132301" cy="2873616"/>
+          </a:xfrm>
+          <a:custGeom>
+            <a:avLst/>
+            <a:gdLst/>
+            <a:ahLst/>
+            <a:cxnLst/>
+            <a:rect l="l" t="t" r="r" b="b"/>
+            <a:pathLst>
+              <a:path w="5132301" h="2873616">
+                <a:moveTo>
+                  <a:pt x="0" y="0"/>
+                </a:moveTo>
+                <a:lnTo>
+                  <a:pt x="5132302" y="0"/>
+                </a:lnTo>
+                <a:lnTo>
+                  <a:pt x="5132302" y="2873616"/>
+                </a:lnTo>
+                <a:lnTo>
+                  <a:pt x="0" y="2873616"/>
+                </a:lnTo>
+                <a:lnTo>
+                  <a:pt x="0" y="0"/>
+                </a:lnTo>
+                <a:close/>
+              </a:path>
+            </a:pathLst>
+          </a:custGeom>
+          <a:blipFill>
+            <a:blip r:embed="rId8"/>
+            <a:stretch>
+              <a:fillRect/>
+            </a:stretch>
+          </a:blipFill>
+        </p:spPr>
+      </p:sp>
+      <p:sp>
+        <p:nvSpPr>
+          <p:cNvPr id="11" name="TextBox 11"/>
           <p:cNvSpPr txBox="1"/>
           <p:nvPr/>
         </p:nvSpPr>
         <p:spPr>
           <a:xfrm>
-            <a:off x="3555875" y="1151375"/>
-            <a:ext cx="3488300" cy="1076325"/>
+            <a:off x="2315300" y="4652602"/>
+            <a:ext cx="5734950" cy="2543175"/>
+          </a:xfrm>
+          <a:prstGeom prst="rect">
+            <a:avLst/>
+          </a:prstGeom>
+        </p:spPr>
+        <p:txBody>
+          <a:bodyPr lIns="0" tIns="0" rIns="0" bIns="0" rtlCol="0" anchor="t">
+            <a:spAutoFit/>
+          </a:bodyPr>
+          <a:lstStyle/>
+          <a:p>
+            <a:pPr algn="l">
+              <a:lnSpc>
+                <a:spcPts val="3359"/>
+              </a:lnSpc>
+            </a:pPr>
+            <a:r>
+              <a:rPr lang="en-US" sz="2799">
+                <a:solidFill>
+                  <a:srgbClr val="000000"/>
+                </a:solidFill>
+                <a:latin typeface="Poppins"/>
+                <a:ea typeface="Poppins"/>
+                <a:cs typeface="Poppins"/>
+                <a:sym typeface="Poppins"/>
+              </a:rPr>
+              <a:t>1 - Backend Completo</a:t>
+            </a:r>
+          </a:p>
+          <a:p>
+            <a:pPr algn="l">
+              <a:lnSpc>
+                <a:spcPts val="3359"/>
+              </a:lnSpc>
+            </a:pPr>
+            <a:r>
+              <a:rPr lang="en-US" sz="2799">
+                <a:solidFill>
+                  <a:srgbClr val="000000"/>
+                </a:solidFill>
+                <a:latin typeface="Poppins"/>
+                <a:ea typeface="Poppins"/>
+                <a:cs typeface="Poppins"/>
+                <a:sym typeface="Poppins"/>
+              </a:rPr>
+              <a:t>2 - Integração CRUD administrativo</a:t>
+            </a:r>
+          </a:p>
+          <a:p>
+            <a:pPr algn="l">
+              <a:lnSpc>
+                <a:spcPts val="3359"/>
+              </a:lnSpc>
+            </a:pPr>
+            <a:r>
+              <a:rPr lang="en-US" sz="2799">
+                <a:solidFill>
+                  <a:srgbClr val="000000"/>
+                </a:solidFill>
+                <a:latin typeface="Poppins"/>
+                <a:ea typeface="Poppins"/>
+                <a:cs typeface="Poppins"/>
+                <a:sym typeface="Poppins"/>
+              </a:rPr>
+              <a:t>3 - Sistema de autenticação</a:t>
+            </a:r>
+          </a:p>
+          <a:p>
+            <a:pPr algn="l">
+              <a:lnSpc>
+                <a:spcPts val="3359"/>
+              </a:lnSpc>
+            </a:pPr>
+            <a:r>
+              <a:rPr lang="en-US" sz="2799">
+                <a:solidFill>
+                  <a:srgbClr val="000000"/>
+                </a:solidFill>
+                <a:latin typeface="Poppins"/>
+                <a:ea typeface="Poppins"/>
+                <a:cs typeface="Poppins"/>
+                <a:sym typeface="Poppins"/>
+              </a:rPr>
+              <a:t>4 - Dashboard para vendedor e administrador</a:t>
+            </a:r>
+          </a:p>
+        </p:txBody>
+      </p:sp>
+      <p:sp>
+        <p:nvSpPr>
+          <p:cNvPr id="12" name="TextBox 12"/>
+          <p:cNvSpPr txBox="1"/>
+          <p:nvPr/>
+        </p:nvSpPr>
+        <p:spPr>
+          <a:xfrm>
+            <a:off x="2193901" y="3081402"/>
+            <a:ext cx="6801298" cy="1076325"/>
           </a:xfrm>
           <a:prstGeom prst="rect">
             <a:avLst/>
@@ -20422,48 +20573,7 @@
                 <a:cs typeface="Abhaya Libre"/>
                 <a:sym typeface="Abhaya Libre"/>
               </a:rPr>
-              <a:t>Protótipo</a:t>
-            </a:r>
-          </a:p>
-        </p:txBody>
-      </p:sp>
-      <p:sp>
-        <p:nvSpPr>
-          <p:cNvPr id="15" name="TextBox 15"/>
-          <p:cNvSpPr txBox="1"/>
-          <p:nvPr/>
-        </p:nvSpPr>
-        <p:spPr>
-          <a:xfrm>
-            <a:off x="8612002" y="4637009"/>
-            <a:ext cx="8647298" cy="1977010"/>
-          </a:xfrm>
-          <a:prstGeom prst="rect">
-            <a:avLst/>
-          </a:prstGeom>
-        </p:spPr>
-        <p:txBody>
-          <a:bodyPr lIns="0" tIns="0" rIns="0" bIns="0" rtlCol="0" anchor="t">
-            <a:spAutoFit/>
-          </a:bodyPr>
-          <a:lstStyle/>
-          <a:p>
-            <a:pPr algn="l">
-              <a:lnSpc>
-                <a:spcPts val="7695"/>
-              </a:lnSpc>
-            </a:pPr>
-            <a:r>
-              <a:rPr lang="en-US" sz="6413">
-                <a:solidFill>
-                  <a:srgbClr val="000000"/>
-                </a:solidFill>
-                <a:latin typeface="Poppins"/>
-                <a:ea typeface="Poppins"/>
-                <a:cs typeface="Poppins"/>
-                <a:sym typeface="Poppins"/>
-              </a:rPr>
-              <a:t>https://joaoribeiro-v.github.io/ShopUp/</a:t>
+              <a:t>Trabalhos Futuros</a:t>
             </a:r>
           </a:p>
         </p:txBody>
@@ -20576,8 +20686,8 @@
         </p:nvGrpSpPr>
         <p:grpSpPr>
           <a:xfrm>
-            <a:off x="10519934" y="5126199"/>
-            <a:ext cx="5937671" cy="306905"/>
+            <a:off x="10519935" y="5143500"/>
+            <a:ext cx="4720066" cy="289604"/>
             <a:chOff x="0" y="0"/>
             <a:chExt cx="7470592" cy="386139"/>
           </a:xfrm>
@@ -20631,15 +20741,15 @@
         </p:nvSpPr>
         <p:spPr>
           <a:xfrm>
-            <a:off x="10519934" y="4451947"/>
-            <a:ext cx="9377252" cy="1327404"/>
-          </a:xfrm>
-          <a:prstGeom prst="rect">
-            <a:avLst/>
-          </a:prstGeom>
-        </p:spPr>
-        <p:txBody>
-          <a:bodyPr lIns="0" tIns="0" rIns="0" bIns="0" rtlCol="0" anchor="t">
+            <a:off x="10527466" y="4312286"/>
+            <a:ext cx="7531933" cy="1298432"/>
+          </a:xfrm>
+          <a:prstGeom prst="rect">
+            <a:avLst/>
+          </a:prstGeom>
+        </p:spPr>
+        <p:txBody>
+          <a:bodyPr wrap="square" lIns="0" tIns="0" rIns="0" bIns="0" rtlCol="0" anchor="t">
             <a:spAutoFit/>
           </a:bodyPr>
           <a:lstStyle/>
@@ -20650,7 +20760,7 @@
               </a:lnSpc>
             </a:pPr>
             <a:r>
-              <a:rPr lang="en-US" sz="12399" i="1" dirty="0" err="1">
+              <a:rPr lang="en-US" sz="11500" i="1" dirty="0" err="1">
                 <a:solidFill>
                   <a:srgbClr val="000000"/>
                 </a:solidFill>
@@ -20659,17 +20769,20 @@
                 <a:cs typeface="Abhaya Libre Italics"/>
                 <a:sym typeface="Abhaya Libre Italics"/>
               </a:rPr>
-              <a:t>Conclusão</a:t>
+              <a:t>Segurança</a:t>
             </a:r>
-            <a:endParaRPr lang="en-US" sz="12399" i="1" dirty="0">
-              <a:solidFill>
-                <a:srgbClr val="000000"/>
-              </a:solidFill>
-              <a:latin typeface="Abhaya Libre Italics"/>
-              <a:ea typeface="Abhaya Libre Italics"/>
-              <a:cs typeface="Abhaya Libre Italics"/>
-              <a:sym typeface="Abhaya Libre Italics"/>
-            </a:endParaRPr>
+            <a:r>
+              <a:rPr lang="en-US" sz="11500" i="1" dirty="0">
+                <a:solidFill>
+                  <a:srgbClr val="000000"/>
+                </a:solidFill>
+                <a:latin typeface="Abhaya Libre Italics"/>
+                <a:ea typeface="Abhaya Libre Italics"/>
+                <a:cs typeface="Abhaya Libre Italics"/>
+                <a:sym typeface="Abhaya Libre Italics"/>
+              </a:rPr>
+              <a:t> e</a:t>
+            </a:r>
           </a:p>
         </p:txBody>
       </p:sp>
@@ -20786,6 +20899,51 @@
               </a:rPr>
               <a:t>13</a:t>
             </a:r>
+          </a:p>
+        </p:txBody>
+      </p:sp>
+      <p:sp>
+        <p:nvSpPr>
+          <p:cNvPr id="10" name="TextBox 10"/>
+          <p:cNvSpPr txBox="1"/>
+          <p:nvPr/>
+        </p:nvSpPr>
+        <p:spPr>
+          <a:xfrm>
+            <a:off x="7707775" y="7280026"/>
+            <a:ext cx="7398744" cy="974626"/>
+          </a:xfrm>
+          <a:prstGeom prst="rect">
+            <a:avLst/>
+          </a:prstGeom>
+        </p:spPr>
+        <p:txBody>
+          <a:bodyPr lIns="0" tIns="0" rIns="0" bIns="0" rtlCol="0" anchor="t">
+            <a:spAutoFit/>
+          </a:bodyPr>
+          <a:lstStyle/>
+          <a:p>
+            <a:pPr>
+              <a:lnSpc>
+                <a:spcPts val="3840"/>
+              </a:lnSpc>
+            </a:pPr>
+            <a:r>
+              <a:rPr lang="pt-BR" sz="3200" dirty="0">
+                <a:latin typeface="Poppins" panose="020B0604020202020204" charset="0"/>
+                <a:cs typeface="Poppins" panose="020B0604020202020204" charset="0"/>
+              </a:rPr>
+              <a:t>Função e importância do sistema dentro da organização</a:t>
+            </a:r>
+            <a:endParaRPr lang="en-US" sz="3200" dirty="0">
+              <a:solidFill>
+                <a:srgbClr val="000000"/>
+              </a:solidFill>
+              <a:latin typeface="Poppins" panose="020B0604020202020204" charset="0"/>
+              <a:ea typeface="Poppins"/>
+              <a:cs typeface="Poppins" panose="020B0604020202020204" charset="0"/>
+              <a:sym typeface="Poppins"/>
+            </a:endParaRPr>
           </a:p>
         </p:txBody>
       </p:sp>
@@ -20938,10 +21096,61 @@
           </a:blipFill>
         </p:spPr>
       </p:sp>
+      <p:sp>
+        <p:nvSpPr>
+          <p:cNvPr id="16" name="TextBox 6">
+            <a:extLst>
+              <a:ext uri="{FF2B5EF4-FFF2-40B4-BE49-F238E27FC236}">
+                <a16:creationId xmlns:a16="http://schemas.microsoft.com/office/drawing/2014/main" id="{CF17F820-F359-4B3F-84D9-781B52844763}"/>
+              </a:ext>
+            </a:extLst>
+          </p:cNvPr>
+          <p:cNvSpPr txBox="1"/>
+          <p:nvPr/>
+        </p:nvSpPr>
+        <p:spPr>
+          <a:xfrm>
+            <a:off x="7548618" y="5480914"/>
+            <a:ext cx="13542924" cy="1163780"/>
+          </a:xfrm>
+          <a:prstGeom prst="rect">
+            <a:avLst/>
+          </a:prstGeom>
+        </p:spPr>
+        <p:txBody>
+          <a:bodyPr wrap="square" lIns="0" tIns="0" rIns="0" bIns="0" rtlCol="0" anchor="t">
+            <a:spAutoFit/>
+          </a:bodyPr>
+          <a:lstStyle/>
+          <a:p>
+            <a:pPr>
+              <a:lnSpc>
+                <a:spcPts val="8927"/>
+              </a:lnSpc>
+            </a:pPr>
+            <a:r>
+              <a:rPr lang="pt-BR" sz="7200" dirty="0">
+                <a:latin typeface="Abhaya Libre Italics" panose="020B0604020202020204" charset="0"/>
+                <a:cs typeface="Abhaya Libre Italics" panose="020B0604020202020204" charset="0"/>
+              </a:rPr>
+              <a:t>Governança da Informação</a:t>
+            </a:r>
+            <a:endParaRPr lang="en-US" sz="8000" i="1" dirty="0">
+              <a:solidFill>
+                <a:srgbClr val="000000"/>
+              </a:solidFill>
+              <a:latin typeface="Abhaya Libre Italics" panose="020B0604020202020204" charset="0"/>
+              <a:ea typeface="Abhaya Libre Italics"/>
+              <a:cs typeface="Abhaya Libre Italics" panose="020B0604020202020204" charset="0"/>
+              <a:sym typeface="Abhaya Libre Italics"/>
+            </a:endParaRPr>
+          </a:p>
+        </p:txBody>
+      </p:sp>
     </p:spTree>
     <p:extLst>
       <p:ext uri="{BB962C8B-B14F-4D97-AF65-F5344CB8AC3E}">
-        <p14:creationId xmlns:p14="http://schemas.microsoft.com/office/powerpoint/2010/main" val="2822213522"/>
+        <p14:creationId xmlns:p14="http://schemas.microsoft.com/office/powerpoint/2010/main" val="1664683383"/>
       </p:ext>
     </p:extLst>
   </p:cSld>
@@ -21358,6 +21567,1526 @@
 </file>
 
 <file path=ppt/slides/slide30.xml><?xml version="1.0" encoding="utf-8"?>
+<p:sld xmlns:a="http://schemas.openxmlformats.org/drawingml/2006/main" xmlns:r="http://schemas.openxmlformats.org/officeDocument/2006/relationships" xmlns:p="http://schemas.openxmlformats.org/presentationml/2006/main">
+  <p:cSld>
+    <p:bg>
+      <p:bgPr>
+        <a:solidFill>
+          <a:srgbClr val="F3F3F3"/>
+        </a:solidFill>
+        <a:effectLst/>
+      </p:bgPr>
+    </p:bg>
+    <p:spTree>
+      <p:nvGrpSpPr>
+        <p:cNvPr id="1" name=""/>
+        <p:cNvGrpSpPr/>
+        <p:nvPr/>
+      </p:nvGrpSpPr>
+      <p:grpSpPr>
+        <a:xfrm>
+          <a:off x="0" y="0"/>
+          <a:ext cx="0" cy="0"/>
+          <a:chOff x="0" y="0"/>
+          <a:chExt cx="0" cy="0"/>
+        </a:xfrm>
+      </p:grpSpPr>
+      <p:grpSp>
+        <p:nvGrpSpPr>
+          <p:cNvPr id="2" name="Group 2"/>
+          <p:cNvGrpSpPr/>
+          <p:nvPr/>
+        </p:nvGrpSpPr>
+        <p:grpSpPr>
+          <a:xfrm>
+            <a:off x="0" y="0"/>
+            <a:ext cx="504600" cy="10287000"/>
+            <a:chOff x="0" y="0"/>
+            <a:chExt cx="672800" cy="13716000"/>
+          </a:xfrm>
+        </p:grpSpPr>
+        <p:sp>
+          <p:nvSpPr>
+            <p:cNvPr id="3" name="Freeform 3"/>
+            <p:cNvSpPr/>
+            <p:nvPr/>
+          </p:nvSpPr>
+          <p:spPr>
+            <a:xfrm>
+              <a:off x="0" y="0"/>
+              <a:ext cx="672846" cy="13716000"/>
+            </a:xfrm>
+            <a:custGeom>
+              <a:avLst/>
+              <a:gdLst/>
+              <a:ahLst/>
+              <a:cxnLst/>
+              <a:rect l="l" t="t" r="r" b="b"/>
+              <a:pathLst>
+                <a:path w="672846" h="13716000">
+                  <a:moveTo>
+                    <a:pt x="0" y="0"/>
+                  </a:moveTo>
+                  <a:lnTo>
+                    <a:pt x="672846" y="0"/>
+                  </a:lnTo>
+                  <a:lnTo>
+                    <a:pt x="672846" y="13716000"/>
+                  </a:lnTo>
+                  <a:lnTo>
+                    <a:pt x="0" y="13716000"/>
+                  </a:lnTo>
+                  <a:close/>
+                </a:path>
+              </a:pathLst>
+            </a:custGeom>
+            <a:gradFill rotWithShape="1">
+              <a:gsLst>
+                <a:gs pos="0">
+                  <a:srgbClr val="ED7A07">
+                    <a:alpha val="100000"/>
+                  </a:srgbClr>
+                </a:gs>
+                <a:gs pos="100000">
+                  <a:srgbClr val="737373">
+                    <a:alpha val="0"/>
+                  </a:srgbClr>
+                </a:gs>
+              </a:gsLst>
+              <a:lin ang="5400002"/>
+            </a:gradFill>
+          </p:spPr>
+        </p:sp>
+      </p:grpSp>
+      <p:grpSp>
+        <p:nvGrpSpPr>
+          <p:cNvPr id="4" name="Group 4"/>
+          <p:cNvGrpSpPr/>
+          <p:nvPr/>
+        </p:nvGrpSpPr>
+        <p:grpSpPr>
+          <a:xfrm>
+            <a:off x="10519934" y="5126199"/>
+            <a:ext cx="5937671" cy="306905"/>
+            <a:chOff x="0" y="0"/>
+            <a:chExt cx="7470592" cy="386139"/>
+          </a:xfrm>
+        </p:grpSpPr>
+        <p:sp>
+          <p:nvSpPr>
+            <p:cNvPr id="5" name="Freeform 5"/>
+            <p:cNvSpPr/>
+            <p:nvPr/>
+          </p:nvSpPr>
+          <p:spPr>
+            <a:xfrm>
+              <a:off x="0" y="0"/>
+              <a:ext cx="7470649" cy="386080"/>
+            </a:xfrm>
+            <a:custGeom>
+              <a:avLst/>
+              <a:gdLst/>
+              <a:ahLst/>
+              <a:cxnLst/>
+              <a:rect l="l" t="t" r="r" b="b"/>
+              <a:pathLst>
+                <a:path w="7470649" h="386080">
+                  <a:moveTo>
+                    <a:pt x="16256" y="0"/>
+                  </a:moveTo>
+                  <a:lnTo>
+                    <a:pt x="0" y="386080"/>
+                  </a:lnTo>
+                  <a:lnTo>
+                    <a:pt x="7454392" y="344678"/>
+                  </a:lnTo>
+                  <a:lnTo>
+                    <a:pt x="7470649" y="55118"/>
+                  </a:lnTo>
+                  <a:close/>
+                </a:path>
+              </a:pathLst>
+            </a:custGeom>
+            <a:solidFill>
+              <a:srgbClr val="ED7A07"/>
+            </a:solidFill>
+          </p:spPr>
+        </p:sp>
+      </p:grpSp>
+      <p:sp>
+        <p:nvSpPr>
+          <p:cNvPr id="6" name="TextBox 6"/>
+          <p:cNvSpPr txBox="1"/>
+          <p:nvPr/>
+        </p:nvSpPr>
+        <p:spPr>
+          <a:xfrm>
+            <a:off x="10519934" y="4451947"/>
+            <a:ext cx="9377252" cy="1327404"/>
+          </a:xfrm>
+          <a:prstGeom prst="rect">
+            <a:avLst/>
+          </a:prstGeom>
+        </p:spPr>
+        <p:txBody>
+          <a:bodyPr lIns="0" tIns="0" rIns="0" bIns="0" rtlCol="0" anchor="t">
+            <a:spAutoFit/>
+          </a:bodyPr>
+          <a:lstStyle/>
+          <a:p>
+            <a:pPr algn="l">
+              <a:lnSpc>
+                <a:spcPts val="8927"/>
+              </a:lnSpc>
+            </a:pPr>
+            <a:r>
+              <a:rPr lang="en-US" sz="12399" i="1">
+                <a:solidFill>
+                  <a:srgbClr val="000000"/>
+                </a:solidFill>
+                <a:latin typeface="Abhaya Libre Italics"/>
+                <a:ea typeface="Abhaya Libre Italics"/>
+                <a:cs typeface="Abhaya Libre Italics"/>
+                <a:sym typeface="Abhaya Libre Italics"/>
+              </a:rPr>
+              <a:t>Protótipo</a:t>
+            </a:r>
+          </a:p>
+        </p:txBody>
+      </p:sp>
+      <p:grpSp>
+        <p:nvGrpSpPr>
+          <p:cNvPr id="7" name="Group 7"/>
+          <p:cNvGrpSpPr/>
+          <p:nvPr/>
+        </p:nvGrpSpPr>
+        <p:grpSpPr>
+          <a:xfrm rot="-448633">
+            <a:off x="1342460" y="5476300"/>
+            <a:ext cx="5436024" cy="5434834"/>
+            <a:chOff x="0" y="0"/>
+            <a:chExt cx="7248032" cy="7246445"/>
+          </a:xfrm>
+        </p:grpSpPr>
+        <p:sp>
+          <p:nvSpPr>
+            <p:cNvPr id="8" name="Freeform 8"/>
+            <p:cNvSpPr/>
+            <p:nvPr/>
+          </p:nvSpPr>
+          <p:spPr>
+            <a:xfrm>
+              <a:off x="0" y="0"/>
+              <a:ext cx="7248017" cy="7246493"/>
+            </a:xfrm>
+            <a:custGeom>
+              <a:avLst/>
+              <a:gdLst/>
+              <a:ahLst/>
+              <a:cxnLst/>
+              <a:rect l="l" t="t" r="r" b="b"/>
+              <a:pathLst>
+                <a:path w="7248017" h="7246493">
+                  <a:moveTo>
+                    <a:pt x="0" y="3623183"/>
+                  </a:moveTo>
+                  <a:lnTo>
+                    <a:pt x="692150" y="1383919"/>
+                  </a:lnTo>
+                  <a:lnTo>
+                    <a:pt x="2504186" y="0"/>
+                  </a:lnTo>
+                  <a:lnTo>
+                    <a:pt x="4743958" y="0"/>
+                  </a:lnTo>
+                  <a:lnTo>
+                    <a:pt x="6555867" y="1383919"/>
+                  </a:lnTo>
+                  <a:lnTo>
+                    <a:pt x="7248017" y="3623183"/>
+                  </a:lnTo>
+                  <a:lnTo>
+                    <a:pt x="6555867" y="5862447"/>
+                  </a:lnTo>
+                  <a:lnTo>
+                    <a:pt x="4743958" y="7246493"/>
+                  </a:lnTo>
+                  <a:lnTo>
+                    <a:pt x="2504186" y="7246493"/>
+                  </a:lnTo>
+                  <a:lnTo>
+                    <a:pt x="692150" y="5862447"/>
+                  </a:lnTo>
+                  <a:close/>
+                </a:path>
+              </a:pathLst>
+            </a:custGeom>
+            <a:solidFill>
+              <a:srgbClr val="ED7A07">
+                <a:alpha val="27843"/>
+              </a:srgbClr>
+            </a:solidFill>
+          </p:spPr>
+        </p:sp>
+      </p:grpSp>
+      <p:sp>
+        <p:nvSpPr>
+          <p:cNvPr id="9" name="TextBox 9"/>
+          <p:cNvSpPr txBox="1"/>
+          <p:nvPr/>
+        </p:nvSpPr>
+        <p:spPr>
+          <a:xfrm>
+            <a:off x="7369725" y="515562"/>
+            <a:ext cx="4069614" cy="3847207"/>
+          </a:xfrm>
+          <a:prstGeom prst="rect">
+            <a:avLst/>
+          </a:prstGeom>
+        </p:spPr>
+        <p:txBody>
+          <a:bodyPr lIns="0" tIns="0" rIns="0" bIns="0" rtlCol="0" anchor="t">
+            <a:spAutoFit/>
+          </a:bodyPr>
+          <a:lstStyle/>
+          <a:p>
+            <a:pPr algn="l">
+              <a:lnSpc>
+                <a:spcPts val="30000"/>
+              </a:lnSpc>
+            </a:pPr>
+            <a:r>
+              <a:rPr lang="en-US" sz="25000" dirty="0">
+                <a:solidFill>
+                  <a:srgbClr val="ED7A07"/>
+                </a:solidFill>
+                <a:latin typeface="Poppins"/>
+                <a:ea typeface="Poppins"/>
+                <a:cs typeface="Poppins"/>
+                <a:sym typeface="Poppins"/>
+              </a:rPr>
+              <a:t>14</a:t>
+            </a:r>
+          </a:p>
+        </p:txBody>
+      </p:sp>
+      <p:sp>
+        <p:nvSpPr>
+          <p:cNvPr id="10" name="TextBox 10"/>
+          <p:cNvSpPr txBox="1"/>
+          <p:nvPr/>
+        </p:nvSpPr>
+        <p:spPr>
+          <a:xfrm>
+            <a:off x="7707775" y="7280026"/>
+            <a:ext cx="7398744" cy="1000125"/>
+          </a:xfrm>
+          <a:prstGeom prst="rect">
+            <a:avLst/>
+          </a:prstGeom>
+        </p:spPr>
+        <p:txBody>
+          <a:bodyPr lIns="0" tIns="0" rIns="0" bIns="0" rtlCol="0" anchor="t">
+            <a:spAutoFit/>
+          </a:bodyPr>
+          <a:lstStyle/>
+          <a:p>
+            <a:pPr algn="l">
+              <a:lnSpc>
+                <a:spcPts val="3840"/>
+              </a:lnSpc>
+            </a:pPr>
+            <a:r>
+              <a:rPr lang="en-US" sz="3200">
+                <a:solidFill>
+                  <a:srgbClr val="000000"/>
+                </a:solidFill>
+                <a:latin typeface="Poppins"/>
+                <a:ea typeface="Poppins"/>
+                <a:cs typeface="Poppins"/>
+                <a:sym typeface="Poppins"/>
+              </a:rPr>
+              <a:t>Da ideia ao visual: experimentando o sistema pela primeira vez</a:t>
+            </a:r>
+          </a:p>
+        </p:txBody>
+      </p:sp>
+      <p:sp>
+        <p:nvSpPr>
+          <p:cNvPr id="11" name="AutoShape 11"/>
+          <p:cNvSpPr/>
+          <p:nvPr/>
+        </p:nvSpPr>
+        <p:spPr>
+          <a:xfrm rot="211568">
+            <a:off x="7537806" y="4729887"/>
+            <a:ext cx="2477891" cy="0"/>
+          </a:xfrm>
+          <a:prstGeom prst="line">
+            <a:avLst/>
+          </a:prstGeom>
+          <a:ln w="57150" cap="rnd">
+            <a:solidFill>
+              <a:srgbClr val="ED7A07"/>
+            </a:solidFill>
+            <a:prstDash val="solid"/>
+            <a:headEnd type="none" w="sm" len="sm"/>
+            <a:tailEnd type="none" w="sm" len="sm"/>
+          </a:ln>
+        </p:spPr>
+      </p:sp>
+      <p:grpSp>
+        <p:nvGrpSpPr>
+          <p:cNvPr id="12" name="Group 12"/>
+          <p:cNvGrpSpPr/>
+          <p:nvPr/>
+        </p:nvGrpSpPr>
+        <p:grpSpPr>
+          <a:xfrm>
+            <a:off x="1912400" y="1374798"/>
+            <a:ext cx="2082600" cy="2082000"/>
+            <a:chOff x="0" y="0"/>
+            <a:chExt cx="2776800" cy="2776000"/>
+          </a:xfrm>
+        </p:grpSpPr>
+        <p:sp>
+          <p:nvSpPr>
+            <p:cNvPr id="13" name="Freeform 13"/>
+            <p:cNvSpPr/>
+            <p:nvPr/>
+          </p:nvSpPr>
+          <p:spPr>
+            <a:xfrm>
+              <a:off x="0" y="0"/>
+              <a:ext cx="2776855" cy="2776220"/>
+            </a:xfrm>
+            <a:custGeom>
+              <a:avLst/>
+              <a:gdLst/>
+              <a:ahLst/>
+              <a:cxnLst/>
+              <a:rect l="l" t="t" r="r" b="b"/>
+              <a:pathLst>
+                <a:path w="2776855" h="2776220">
+                  <a:moveTo>
+                    <a:pt x="0" y="1387983"/>
+                  </a:moveTo>
+                  <a:lnTo>
+                    <a:pt x="265176" y="530225"/>
+                  </a:lnTo>
+                  <a:lnTo>
+                    <a:pt x="959358" y="0"/>
+                  </a:lnTo>
+                  <a:lnTo>
+                    <a:pt x="1817497" y="0"/>
+                  </a:lnTo>
+                  <a:lnTo>
+                    <a:pt x="2511679" y="530225"/>
+                  </a:lnTo>
+                  <a:lnTo>
+                    <a:pt x="2776855" y="1388110"/>
+                  </a:lnTo>
+                  <a:lnTo>
+                    <a:pt x="2511679" y="2245995"/>
+                  </a:lnTo>
+                  <a:lnTo>
+                    <a:pt x="1817497" y="2776220"/>
+                  </a:lnTo>
+                  <a:lnTo>
+                    <a:pt x="959358" y="2776220"/>
+                  </a:lnTo>
+                  <a:lnTo>
+                    <a:pt x="265176" y="2245868"/>
+                  </a:lnTo>
+                  <a:close/>
+                </a:path>
+              </a:pathLst>
+            </a:custGeom>
+            <a:solidFill>
+              <a:srgbClr val="ED7A07"/>
+            </a:solidFill>
+          </p:spPr>
+        </p:sp>
+      </p:grpSp>
+      <p:sp>
+        <p:nvSpPr>
+          <p:cNvPr id="14" name="Freeform 14"/>
+          <p:cNvSpPr/>
+          <p:nvPr/>
+        </p:nvSpPr>
+        <p:spPr>
+          <a:xfrm>
+            <a:off x="2387472" y="1766780"/>
+            <a:ext cx="1127671" cy="1298042"/>
+          </a:xfrm>
+          <a:custGeom>
+            <a:avLst/>
+            <a:gdLst/>
+            <a:ahLst/>
+            <a:cxnLst/>
+            <a:rect l="l" t="t" r="r" b="b"/>
+            <a:pathLst>
+              <a:path w="1127671" h="1298042">
+                <a:moveTo>
+                  <a:pt x="0" y="0"/>
+                </a:moveTo>
+                <a:lnTo>
+                  <a:pt x="1127671" y="0"/>
+                </a:lnTo>
+                <a:lnTo>
+                  <a:pt x="1127671" y="1298042"/>
+                </a:lnTo>
+                <a:lnTo>
+                  <a:pt x="0" y="1298042"/>
+                </a:lnTo>
+                <a:lnTo>
+                  <a:pt x="0" y="0"/>
+                </a:lnTo>
+                <a:close/>
+              </a:path>
+            </a:pathLst>
+          </a:custGeom>
+          <a:blipFill>
+            <a:blip r:embed="rId3">
+              <a:extLst>
+                <a:ext uri="{96DAC541-7B7A-43D3-8B79-37D633B846F1}">
+                  <asvg:svgBlip xmlns:asvg="http://schemas.microsoft.com/office/drawing/2016/SVG/main" r:embed="rId4"/>
+                </a:ext>
+              </a:extLst>
+            </a:blip>
+            <a:stretch>
+              <a:fillRect/>
+            </a:stretch>
+          </a:blipFill>
+        </p:spPr>
+      </p:sp>
+    </p:spTree>
+  </p:cSld>
+  <p:clrMapOvr>
+    <a:masterClrMapping/>
+  </p:clrMapOvr>
+</p:sld>
+</file>
+
+<file path=ppt/slides/slide31.xml><?xml version="1.0" encoding="utf-8"?>
+<p:sld xmlns:a="http://schemas.openxmlformats.org/drawingml/2006/main" xmlns:r="http://schemas.openxmlformats.org/officeDocument/2006/relationships" xmlns:p="http://schemas.openxmlformats.org/presentationml/2006/main">
+  <p:cSld>
+    <p:bg>
+      <p:bgPr>
+        <a:solidFill>
+          <a:srgbClr val="F3F3F3"/>
+        </a:solidFill>
+        <a:effectLst/>
+      </p:bgPr>
+    </p:bg>
+    <p:spTree>
+      <p:nvGrpSpPr>
+        <p:cNvPr id="1" name=""/>
+        <p:cNvGrpSpPr/>
+        <p:nvPr/>
+      </p:nvGrpSpPr>
+      <p:grpSpPr>
+        <a:xfrm>
+          <a:off x="0" y="0"/>
+          <a:ext cx="0" cy="0"/>
+          <a:chOff x="0" y="0"/>
+          <a:chExt cx="0" cy="0"/>
+        </a:xfrm>
+      </p:grpSpPr>
+      <p:grpSp>
+        <p:nvGrpSpPr>
+          <p:cNvPr id="2" name="Group 2"/>
+          <p:cNvGrpSpPr/>
+          <p:nvPr/>
+        </p:nvGrpSpPr>
+        <p:grpSpPr>
+          <a:xfrm>
+            <a:off x="0" y="0"/>
+            <a:ext cx="504600" cy="10287000"/>
+            <a:chOff x="0" y="0"/>
+            <a:chExt cx="672800" cy="13716000"/>
+          </a:xfrm>
+        </p:grpSpPr>
+        <p:sp>
+          <p:nvSpPr>
+            <p:cNvPr id="3" name="Freeform 3"/>
+            <p:cNvSpPr/>
+            <p:nvPr/>
+          </p:nvSpPr>
+          <p:spPr>
+            <a:xfrm>
+              <a:off x="0" y="0"/>
+              <a:ext cx="672846" cy="13716000"/>
+            </a:xfrm>
+            <a:custGeom>
+              <a:avLst/>
+              <a:gdLst/>
+              <a:ahLst/>
+              <a:cxnLst/>
+              <a:rect l="l" t="t" r="r" b="b"/>
+              <a:pathLst>
+                <a:path w="672846" h="13716000">
+                  <a:moveTo>
+                    <a:pt x="0" y="0"/>
+                  </a:moveTo>
+                  <a:lnTo>
+                    <a:pt x="672846" y="0"/>
+                  </a:lnTo>
+                  <a:lnTo>
+                    <a:pt x="672846" y="13716000"/>
+                  </a:lnTo>
+                  <a:lnTo>
+                    <a:pt x="0" y="13716000"/>
+                  </a:lnTo>
+                  <a:close/>
+                </a:path>
+              </a:pathLst>
+            </a:custGeom>
+            <a:gradFill rotWithShape="1">
+              <a:gsLst>
+                <a:gs pos="0">
+                  <a:srgbClr val="ED7A07">
+                    <a:alpha val="100000"/>
+                  </a:srgbClr>
+                </a:gs>
+                <a:gs pos="100000">
+                  <a:srgbClr val="737373">
+                    <a:alpha val="0"/>
+                  </a:srgbClr>
+                </a:gs>
+              </a:gsLst>
+              <a:lin ang="5400002"/>
+            </a:gradFill>
+          </p:spPr>
+        </p:sp>
+      </p:grpSp>
+      <p:grpSp>
+        <p:nvGrpSpPr>
+          <p:cNvPr id="4" name="Group 4"/>
+          <p:cNvGrpSpPr/>
+          <p:nvPr/>
+        </p:nvGrpSpPr>
+        <p:grpSpPr>
+          <a:xfrm>
+            <a:off x="0" y="0"/>
+            <a:ext cx="504600" cy="10287000"/>
+            <a:chOff x="0" y="0"/>
+            <a:chExt cx="672800" cy="13716000"/>
+          </a:xfrm>
+        </p:grpSpPr>
+        <p:sp>
+          <p:nvSpPr>
+            <p:cNvPr id="5" name="Freeform 5"/>
+            <p:cNvSpPr/>
+            <p:nvPr/>
+          </p:nvSpPr>
+          <p:spPr>
+            <a:xfrm>
+              <a:off x="0" y="0"/>
+              <a:ext cx="672846" cy="13716000"/>
+            </a:xfrm>
+            <a:custGeom>
+              <a:avLst/>
+              <a:gdLst/>
+              <a:ahLst/>
+              <a:cxnLst/>
+              <a:rect l="l" t="t" r="r" b="b"/>
+              <a:pathLst>
+                <a:path w="672846" h="13716000">
+                  <a:moveTo>
+                    <a:pt x="0" y="0"/>
+                  </a:moveTo>
+                  <a:lnTo>
+                    <a:pt x="672846" y="0"/>
+                  </a:lnTo>
+                  <a:lnTo>
+                    <a:pt x="672846" y="13716000"/>
+                  </a:lnTo>
+                  <a:lnTo>
+                    <a:pt x="0" y="13716000"/>
+                  </a:lnTo>
+                  <a:close/>
+                </a:path>
+              </a:pathLst>
+            </a:custGeom>
+            <a:gradFill rotWithShape="1">
+              <a:gsLst>
+                <a:gs pos="0">
+                  <a:srgbClr val="ED7A07">
+                    <a:alpha val="100000"/>
+                  </a:srgbClr>
+                </a:gs>
+                <a:gs pos="100000">
+                  <a:srgbClr val="737373">
+                    <a:alpha val="0"/>
+                  </a:srgbClr>
+                </a:gs>
+              </a:gsLst>
+              <a:lin ang="5400002"/>
+            </a:gradFill>
+          </p:spPr>
+        </p:sp>
+      </p:grpSp>
+      <p:sp>
+        <p:nvSpPr>
+          <p:cNvPr id="6" name="AutoShape 6"/>
+          <p:cNvSpPr/>
+          <p:nvPr/>
+        </p:nvSpPr>
+        <p:spPr>
+          <a:xfrm rot="157789">
+            <a:off x="1602525" y="1887825"/>
+            <a:ext cx="1660749" cy="0"/>
+          </a:xfrm>
+          <a:prstGeom prst="line">
+            <a:avLst/>
+          </a:prstGeom>
+          <a:ln w="28575" cap="rnd">
+            <a:solidFill>
+              <a:srgbClr val="ED7A07"/>
+            </a:solidFill>
+            <a:prstDash val="solid"/>
+            <a:headEnd type="none" w="sm" len="sm"/>
+            <a:tailEnd type="none" w="sm" len="sm"/>
+          </a:ln>
+        </p:spPr>
+      </p:sp>
+      <p:grpSp>
+        <p:nvGrpSpPr>
+          <p:cNvPr id="7" name="Group 7"/>
+          <p:cNvGrpSpPr/>
+          <p:nvPr/>
+        </p:nvGrpSpPr>
+        <p:grpSpPr>
+          <a:xfrm rot="-448633">
+            <a:off x="4318136" y="6194650"/>
+            <a:ext cx="5436024" cy="5434834"/>
+            <a:chOff x="0" y="0"/>
+            <a:chExt cx="7248032" cy="7246445"/>
+          </a:xfrm>
+        </p:grpSpPr>
+        <p:sp>
+          <p:nvSpPr>
+            <p:cNvPr id="8" name="Freeform 8"/>
+            <p:cNvSpPr/>
+            <p:nvPr/>
+          </p:nvSpPr>
+          <p:spPr>
+            <a:xfrm>
+              <a:off x="0" y="0"/>
+              <a:ext cx="7248017" cy="7246493"/>
+            </a:xfrm>
+            <a:custGeom>
+              <a:avLst/>
+              <a:gdLst/>
+              <a:ahLst/>
+              <a:cxnLst/>
+              <a:rect l="l" t="t" r="r" b="b"/>
+              <a:pathLst>
+                <a:path w="7248017" h="7246493">
+                  <a:moveTo>
+                    <a:pt x="0" y="3623183"/>
+                  </a:moveTo>
+                  <a:lnTo>
+                    <a:pt x="692150" y="1383919"/>
+                  </a:lnTo>
+                  <a:lnTo>
+                    <a:pt x="2504186" y="0"/>
+                  </a:lnTo>
+                  <a:lnTo>
+                    <a:pt x="4743958" y="0"/>
+                  </a:lnTo>
+                  <a:lnTo>
+                    <a:pt x="6555867" y="1383919"/>
+                  </a:lnTo>
+                  <a:lnTo>
+                    <a:pt x="7248017" y="3623183"/>
+                  </a:lnTo>
+                  <a:lnTo>
+                    <a:pt x="6555867" y="5862447"/>
+                  </a:lnTo>
+                  <a:lnTo>
+                    <a:pt x="4743958" y="7246493"/>
+                  </a:lnTo>
+                  <a:lnTo>
+                    <a:pt x="2504186" y="7246493"/>
+                  </a:lnTo>
+                  <a:lnTo>
+                    <a:pt x="692150" y="5862447"/>
+                  </a:lnTo>
+                  <a:close/>
+                </a:path>
+              </a:pathLst>
+            </a:custGeom>
+            <a:solidFill>
+              <a:srgbClr val="ED7A07">
+                <a:alpha val="27843"/>
+              </a:srgbClr>
+            </a:solidFill>
+          </p:spPr>
+        </p:sp>
+      </p:grpSp>
+      <p:sp>
+        <p:nvSpPr>
+          <p:cNvPr id="9" name="AutoShape 9"/>
+          <p:cNvSpPr/>
+          <p:nvPr/>
+        </p:nvSpPr>
+        <p:spPr>
+          <a:xfrm rot="157789">
+            <a:off x="1602525" y="1887825"/>
+            <a:ext cx="1660749" cy="0"/>
+          </a:xfrm>
+          <a:prstGeom prst="line">
+            <a:avLst/>
+          </a:prstGeom>
+          <a:ln w="28575" cap="rnd">
+            <a:solidFill>
+              <a:srgbClr val="ED7A07"/>
+            </a:solidFill>
+            <a:prstDash val="solid"/>
+            <a:headEnd type="none" w="sm" len="sm"/>
+            <a:tailEnd type="none" w="sm" len="sm"/>
+          </a:ln>
+        </p:spPr>
+      </p:sp>
+      <p:grpSp>
+        <p:nvGrpSpPr>
+          <p:cNvPr id="10" name="Group 10"/>
+          <p:cNvGrpSpPr/>
+          <p:nvPr/>
+        </p:nvGrpSpPr>
+        <p:grpSpPr>
+          <a:xfrm>
+            <a:off x="14547676" y="1198598"/>
+            <a:ext cx="2082600" cy="2082000"/>
+            <a:chOff x="0" y="0"/>
+            <a:chExt cx="2776800" cy="2776000"/>
+          </a:xfrm>
+        </p:grpSpPr>
+        <p:sp>
+          <p:nvSpPr>
+            <p:cNvPr id="11" name="Freeform 11"/>
+            <p:cNvSpPr/>
+            <p:nvPr/>
+          </p:nvSpPr>
+          <p:spPr>
+            <a:xfrm>
+              <a:off x="0" y="0"/>
+              <a:ext cx="2776855" cy="2776220"/>
+            </a:xfrm>
+            <a:custGeom>
+              <a:avLst/>
+              <a:gdLst/>
+              <a:ahLst/>
+              <a:cxnLst/>
+              <a:rect l="l" t="t" r="r" b="b"/>
+              <a:pathLst>
+                <a:path w="2776855" h="2776220">
+                  <a:moveTo>
+                    <a:pt x="0" y="1387983"/>
+                  </a:moveTo>
+                  <a:lnTo>
+                    <a:pt x="265176" y="530225"/>
+                  </a:lnTo>
+                  <a:lnTo>
+                    <a:pt x="959358" y="0"/>
+                  </a:lnTo>
+                  <a:lnTo>
+                    <a:pt x="1817497" y="0"/>
+                  </a:lnTo>
+                  <a:lnTo>
+                    <a:pt x="2511679" y="530225"/>
+                  </a:lnTo>
+                  <a:lnTo>
+                    <a:pt x="2776855" y="1388110"/>
+                  </a:lnTo>
+                  <a:lnTo>
+                    <a:pt x="2511679" y="2245995"/>
+                  </a:lnTo>
+                  <a:lnTo>
+                    <a:pt x="1817497" y="2776220"/>
+                  </a:lnTo>
+                  <a:lnTo>
+                    <a:pt x="959358" y="2776220"/>
+                  </a:lnTo>
+                  <a:lnTo>
+                    <a:pt x="265176" y="2245868"/>
+                  </a:lnTo>
+                  <a:close/>
+                </a:path>
+              </a:pathLst>
+            </a:custGeom>
+            <a:solidFill>
+              <a:srgbClr val="ED7A07"/>
+            </a:solidFill>
+          </p:spPr>
+        </p:sp>
+      </p:grpSp>
+      <p:sp>
+        <p:nvSpPr>
+          <p:cNvPr id="12" name="Freeform 12"/>
+          <p:cNvSpPr/>
+          <p:nvPr/>
+        </p:nvSpPr>
+        <p:spPr>
+          <a:xfrm>
+            <a:off x="15067118" y="1712022"/>
+            <a:ext cx="1083379" cy="996428"/>
+          </a:xfrm>
+          <a:custGeom>
+            <a:avLst/>
+            <a:gdLst/>
+            <a:ahLst/>
+            <a:cxnLst/>
+            <a:rect l="l" t="t" r="r" b="b"/>
+            <a:pathLst>
+              <a:path w="1083379" h="996428">
+                <a:moveTo>
+                  <a:pt x="0" y="0"/>
+                </a:moveTo>
+                <a:lnTo>
+                  <a:pt x="1083380" y="0"/>
+                </a:lnTo>
+                <a:lnTo>
+                  <a:pt x="1083380" y="996428"/>
+                </a:lnTo>
+                <a:lnTo>
+                  <a:pt x="0" y="996428"/>
+                </a:lnTo>
+                <a:lnTo>
+                  <a:pt x="0" y="0"/>
+                </a:lnTo>
+                <a:close/>
+              </a:path>
+            </a:pathLst>
+          </a:custGeom>
+          <a:blipFill>
+            <a:blip r:embed="rId3">
+              <a:extLst>
+                <a:ext uri="{96DAC541-7B7A-43D3-8B79-37D633B846F1}">
+                  <asvg:svgBlip xmlns:asvg="http://schemas.microsoft.com/office/drawing/2016/SVG/main" r:embed="rId4"/>
+                </a:ext>
+              </a:extLst>
+            </a:blip>
+            <a:stretch>
+              <a:fillRect/>
+            </a:stretch>
+          </a:blipFill>
+        </p:spPr>
+      </p:sp>
+      <p:sp>
+        <p:nvSpPr>
+          <p:cNvPr id="13" name="Freeform 13"/>
+          <p:cNvSpPr/>
+          <p:nvPr/>
+        </p:nvSpPr>
+        <p:spPr>
+          <a:xfrm>
+            <a:off x="2682842" y="3280598"/>
+            <a:ext cx="4746982" cy="4746982"/>
+          </a:xfrm>
+          <a:custGeom>
+            <a:avLst/>
+            <a:gdLst/>
+            <a:ahLst/>
+            <a:cxnLst/>
+            <a:rect l="l" t="t" r="r" b="b"/>
+            <a:pathLst>
+              <a:path w="4746982" h="4746982">
+                <a:moveTo>
+                  <a:pt x="0" y="0"/>
+                </a:moveTo>
+                <a:lnTo>
+                  <a:pt x="4746981" y="0"/>
+                </a:lnTo>
+                <a:lnTo>
+                  <a:pt x="4746981" y="4746982"/>
+                </a:lnTo>
+                <a:lnTo>
+                  <a:pt x="0" y="4746982"/>
+                </a:lnTo>
+                <a:lnTo>
+                  <a:pt x="0" y="0"/>
+                </a:lnTo>
+                <a:close/>
+              </a:path>
+            </a:pathLst>
+          </a:custGeom>
+          <a:blipFill>
+            <a:blip r:embed="rId5"/>
+            <a:stretch>
+              <a:fillRect/>
+            </a:stretch>
+          </a:blipFill>
+        </p:spPr>
+      </p:sp>
+      <p:sp>
+        <p:nvSpPr>
+          <p:cNvPr id="14" name="TextBox 14"/>
+          <p:cNvSpPr txBox="1"/>
+          <p:nvPr/>
+        </p:nvSpPr>
+        <p:spPr>
+          <a:xfrm>
+            <a:off x="3555875" y="1151375"/>
+            <a:ext cx="3488300" cy="1076325"/>
+          </a:xfrm>
+          <a:prstGeom prst="rect">
+            <a:avLst/>
+          </a:prstGeom>
+        </p:spPr>
+        <p:txBody>
+          <a:bodyPr lIns="0" tIns="0" rIns="0" bIns="0" rtlCol="0" anchor="t">
+            <a:spAutoFit/>
+          </a:bodyPr>
+          <a:lstStyle/>
+          <a:p>
+            <a:pPr algn="l">
+              <a:lnSpc>
+                <a:spcPts val="8400"/>
+              </a:lnSpc>
+            </a:pPr>
+            <a:r>
+              <a:rPr lang="en-US" sz="7000">
+                <a:solidFill>
+                  <a:srgbClr val="000000"/>
+                </a:solidFill>
+                <a:latin typeface="Abhaya Libre"/>
+                <a:ea typeface="Abhaya Libre"/>
+                <a:cs typeface="Abhaya Libre"/>
+                <a:sym typeface="Abhaya Libre"/>
+              </a:rPr>
+              <a:t>Protótipo</a:t>
+            </a:r>
+          </a:p>
+        </p:txBody>
+      </p:sp>
+      <p:sp>
+        <p:nvSpPr>
+          <p:cNvPr id="15" name="TextBox 15"/>
+          <p:cNvSpPr txBox="1"/>
+          <p:nvPr/>
+        </p:nvSpPr>
+        <p:spPr>
+          <a:xfrm>
+            <a:off x="8612002" y="4637009"/>
+            <a:ext cx="8647298" cy="1977010"/>
+          </a:xfrm>
+          <a:prstGeom prst="rect">
+            <a:avLst/>
+          </a:prstGeom>
+        </p:spPr>
+        <p:txBody>
+          <a:bodyPr lIns="0" tIns="0" rIns="0" bIns="0" rtlCol="0" anchor="t">
+            <a:spAutoFit/>
+          </a:bodyPr>
+          <a:lstStyle/>
+          <a:p>
+            <a:pPr algn="l">
+              <a:lnSpc>
+                <a:spcPts val="7695"/>
+              </a:lnSpc>
+            </a:pPr>
+            <a:r>
+              <a:rPr lang="en-US" sz="6413">
+                <a:solidFill>
+                  <a:srgbClr val="000000"/>
+                </a:solidFill>
+                <a:latin typeface="Poppins"/>
+                <a:ea typeface="Poppins"/>
+                <a:cs typeface="Poppins"/>
+                <a:sym typeface="Poppins"/>
+              </a:rPr>
+              <a:t>https://joaoribeiro-v.github.io/ShopUp/</a:t>
+            </a:r>
+          </a:p>
+        </p:txBody>
+      </p:sp>
+    </p:spTree>
+  </p:cSld>
+  <p:clrMapOvr>
+    <a:masterClrMapping/>
+  </p:clrMapOvr>
+</p:sld>
+</file>
+
+<file path=ppt/slides/slide32.xml><?xml version="1.0" encoding="utf-8"?>
+<p:sld xmlns:a="http://schemas.openxmlformats.org/drawingml/2006/main" xmlns:r="http://schemas.openxmlformats.org/officeDocument/2006/relationships" xmlns:p="http://schemas.openxmlformats.org/presentationml/2006/main">
+  <p:cSld>
+    <p:bg>
+      <p:bgPr>
+        <a:solidFill>
+          <a:srgbClr val="F3F3F3"/>
+        </a:solidFill>
+        <a:effectLst/>
+      </p:bgPr>
+    </p:bg>
+    <p:spTree>
+      <p:nvGrpSpPr>
+        <p:cNvPr id="1" name=""/>
+        <p:cNvGrpSpPr/>
+        <p:nvPr/>
+      </p:nvGrpSpPr>
+      <p:grpSpPr>
+        <a:xfrm>
+          <a:off x="0" y="0"/>
+          <a:ext cx="0" cy="0"/>
+          <a:chOff x="0" y="0"/>
+          <a:chExt cx="0" cy="0"/>
+        </a:xfrm>
+      </p:grpSpPr>
+      <p:grpSp>
+        <p:nvGrpSpPr>
+          <p:cNvPr id="2" name="Group 2"/>
+          <p:cNvGrpSpPr/>
+          <p:nvPr/>
+        </p:nvGrpSpPr>
+        <p:grpSpPr>
+          <a:xfrm>
+            <a:off x="0" y="0"/>
+            <a:ext cx="504600" cy="10287000"/>
+            <a:chOff x="0" y="0"/>
+            <a:chExt cx="672800" cy="13716000"/>
+          </a:xfrm>
+        </p:grpSpPr>
+        <p:sp>
+          <p:nvSpPr>
+            <p:cNvPr id="3" name="Freeform 3"/>
+            <p:cNvSpPr/>
+            <p:nvPr/>
+          </p:nvSpPr>
+          <p:spPr>
+            <a:xfrm>
+              <a:off x="0" y="0"/>
+              <a:ext cx="672846" cy="13716000"/>
+            </a:xfrm>
+            <a:custGeom>
+              <a:avLst/>
+              <a:gdLst/>
+              <a:ahLst/>
+              <a:cxnLst/>
+              <a:rect l="l" t="t" r="r" b="b"/>
+              <a:pathLst>
+                <a:path w="672846" h="13716000">
+                  <a:moveTo>
+                    <a:pt x="0" y="0"/>
+                  </a:moveTo>
+                  <a:lnTo>
+                    <a:pt x="672846" y="0"/>
+                  </a:lnTo>
+                  <a:lnTo>
+                    <a:pt x="672846" y="13716000"/>
+                  </a:lnTo>
+                  <a:lnTo>
+                    <a:pt x="0" y="13716000"/>
+                  </a:lnTo>
+                  <a:close/>
+                </a:path>
+              </a:pathLst>
+            </a:custGeom>
+            <a:gradFill rotWithShape="1">
+              <a:gsLst>
+                <a:gs pos="0">
+                  <a:srgbClr val="ED7A07">
+                    <a:alpha val="100000"/>
+                  </a:srgbClr>
+                </a:gs>
+                <a:gs pos="100000">
+                  <a:srgbClr val="737373">
+                    <a:alpha val="0"/>
+                  </a:srgbClr>
+                </a:gs>
+              </a:gsLst>
+              <a:lin ang="5400002"/>
+            </a:gradFill>
+          </p:spPr>
+        </p:sp>
+      </p:grpSp>
+      <p:grpSp>
+        <p:nvGrpSpPr>
+          <p:cNvPr id="4" name="Group 4"/>
+          <p:cNvGrpSpPr/>
+          <p:nvPr/>
+        </p:nvGrpSpPr>
+        <p:grpSpPr>
+          <a:xfrm>
+            <a:off x="10519934" y="5126199"/>
+            <a:ext cx="5937671" cy="306905"/>
+            <a:chOff x="0" y="0"/>
+            <a:chExt cx="7470592" cy="386139"/>
+          </a:xfrm>
+        </p:grpSpPr>
+        <p:sp>
+          <p:nvSpPr>
+            <p:cNvPr id="5" name="Freeform 5"/>
+            <p:cNvSpPr/>
+            <p:nvPr/>
+          </p:nvSpPr>
+          <p:spPr>
+            <a:xfrm>
+              <a:off x="0" y="0"/>
+              <a:ext cx="7470649" cy="386080"/>
+            </a:xfrm>
+            <a:custGeom>
+              <a:avLst/>
+              <a:gdLst/>
+              <a:ahLst/>
+              <a:cxnLst/>
+              <a:rect l="l" t="t" r="r" b="b"/>
+              <a:pathLst>
+                <a:path w="7470649" h="386080">
+                  <a:moveTo>
+                    <a:pt x="16256" y="0"/>
+                  </a:moveTo>
+                  <a:lnTo>
+                    <a:pt x="0" y="386080"/>
+                  </a:lnTo>
+                  <a:lnTo>
+                    <a:pt x="7454392" y="344678"/>
+                  </a:lnTo>
+                  <a:lnTo>
+                    <a:pt x="7470649" y="55118"/>
+                  </a:lnTo>
+                  <a:close/>
+                </a:path>
+              </a:pathLst>
+            </a:custGeom>
+            <a:solidFill>
+              <a:srgbClr val="ED7A07"/>
+            </a:solidFill>
+          </p:spPr>
+        </p:sp>
+      </p:grpSp>
+      <p:sp>
+        <p:nvSpPr>
+          <p:cNvPr id="6" name="TextBox 6"/>
+          <p:cNvSpPr txBox="1"/>
+          <p:nvPr/>
+        </p:nvSpPr>
+        <p:spPr>
+          <a:xfrm>
+            <a:off x="10519934" y="4451947"/>
+            <a:ext cx="9377252" cy="1327404"/>
+          </a:xfrm>
+          <a:prstGeom prst="rect">
+            <a:avLst/>
+          </a:prstGeom>
+        </p:spPr>
+        <p:txBody>
+          <a:bodyPr lIns="0" tIns="0" rIns="0" bIns="0" rtlCol="0" anchor="t">
+            <a:spAutoFit/>
+          </a:bodyPr>
+          <a:lstStyle/>
+          <a:p>
+            <a:pPr algn="l">
+              <a:lnSpc>
+                <a:spcPts val="8927"/>
+              </a:lnSpc>
+            </a:pPr>
+            <a:r>
+              <a:rPr lang="en-US" sz="12399" i="1" dirty="0" err="1">
+                <a:solidFill>
+                  <a:srgbClr val="000000"/>
+                </a:solidFill>
+                <a:latin typeface="Abhaya Libre Italics"/>
+                <a:ea typeface="Abhaya Libre Italics"/>
+                <a:cs typeface="Abhaya Libre Italics"/>
+                <a:sym typeface="Abhaya Libre Italics"/>
+              </a:rPr>
+              <a:t>Conclusão</a:t>
+            </a:r>
+            <a:endParaRPr lang="en-US" sz="12399" i="1" dirty="0">
+              <a:solidFill>
+                <a:srgbClr val="000000"/>
+              </a:solidFill>
+              <a:latin typeface="Abhaya Libre Italics"/>
+              <a:ea typeface="Abhaya Libre Italics"/>
+              <a:cs typeface="Abhaya Libre Italics"/>
+              <a:sym typeface="Abhaya Libre Italics"/>
+            </a:endParaRPr>
+          </a:p>
+        </p:txBody>
+      </p:sp>
+      <p:grpSp>
+        <p:nvGrpSpPr>
+          <p:cNvPr id="7" name="Group 7"/>
+          <p:cNvGrpSpPr/>
+          <p:nvPr/>
+        </p:nvGrpSpPr>
+        <p:grpSpPr>
+          <a:xfrm rot="-448633">
+            <a:off x="1342460" y="5476300"/>
+            <a:ext cx="5436024" cy="5434834"/>
+            <a:chOff x="0" y="0"/>
+            <a:chExt cx="7248032" cy="7246445"/>
+          </a:xfrm>
+        </p:grpSpPr>
+        <p:sp>
+          <p:nvSpPr>
+            <p:cNvPr id="8" name="Freeform 8"/>
+            <p:cNvSpPr/>
+            <p:nvPr/>
+          </p:nvSpPr>
+          <p:spPr>
+            <a:xfrm>
+              <a:off x="0" y="0"/>
+              <a:ext cx="7248017" cy="7246493"/>
+            </a:xfrm>
+            <a:custGeom>
+              <a:avLst/>
+              <a:gdLst/>
+              <a:ahLst/>
+              <a:cxnLst/>
+              <a:rect l="l" t="t" r="r" b="b"/>
+              <a:pathLst>
+                <a:path w="7248017" h="7246493">
+                  <a:moveTo>
+                    <a:pt x="0" y="3623183"/>
+                  </a:moveTo>
+                  <a:lnTo>
+                    <a:pt x="692150" y="1383919"/>
+                  </a:lnTo>
+                  <a:lnTo>
+                    <a:pt x="2504186" y="0"/>
+                  </a:lnTo>
+                  <a:lnTo>
+                    <a:pt x="4743958" y="0"/>
+                  </a:lnTo>
+                  <a:lnTo>
+                    <a:pt x="6555867" y="1383919"/>
+                  </a:lnTo>
+                  <a:lnTo>
+                    <a:pt x="7248017" y="3623183"/>
+                  </a:lnTo>
+                  <a:lnTo>
+                    <a:pt x="6555867" y="5862447"/>
+                  </a:lnTo>
+                  <a:lnTo>
+                    <a:pt x="4743958" y="7246493"/>
+                  </a:lnTo>
+                  <a:lnTo>
+                    <a:pt x="2504186" y="7246493"/>
+                  </a:lnTo>
+                  <a:lnTo>
+                    <a:pt x="692150" y="5862447"/>
+                  </a:lnTo>
+                  <a:close/>
+                </a:path>
+              </a:pathLst>
+            </a:custGeom>
+            <a:solidFill>
+              <a:srgbClr val="ED7A07">
+                <a:alpha val="27843"/>
+              </a:srgbClr>
+            </a:solidFill>
+          </p:spPr>
+        </p:sp>
+      </p:grpSp>
+      <p:sp>
+        <p:nvSpPr>
+          <p:cNvPr id="9" name="TextBox 9"/>
+          <p:cNvSpPr txBox="1"/>
+          <p:nvPr/>
+        </p:nvSpPr>
+        <p:spPr>
+          <a:xfrm>
+            <a:off x="7369725" y="515562"/>
+            <a:ext cx="4069614" cy="3847207"/>
+          </a:xfrm>
+          <a:prstGeom prst="rect">
+            <a:avLst/>
+          </a:prstGeom>
+        </p:spPr>
+        <p:txBody>
+          <a:bodyPr lIns="0" tIns="0" rIns="0" bIns="0" rtlCol="0" anchor="t">
+            <a:spAutoFit/>
+          </a:bodyPr>
+          <a:lstStyle/>
+          <a:p>
+            <a:pPr algn="l">
+              <a:lnSpc>
+                <a:spcPts val="30000"/>
+              </a:lnSpc>
+            </a:pPr>
+            <a:r>
+              <a:rPr lang="en-US" sz="25000" dirty="0">
+                <a:solidFill>
+                  <a:srgbClr val="ED7A07"/>
+                </a:solidFill>
+                <a:latin typeface="Poppins"/>
+                <a:ea typeface="Poppins"/>
+                <a:cs typeface="Poppins"/>
+                <a:sym typeface="Poppins"/>
+              </a:rPr>
+              <a:t>13</a:t>
+            </a:r>
+          </a:p>
+        </p:txBody>
+      </p:sp>
+      <p:sp>
+        <p:nvSpPr>
+          <p:cNvPr id="11" name="AutoShape 11"/>
+          <p:cNvSpPr/>
+          <p:nvPr/>
+        </p:nvSpPr>
+        <p:spPr>
+          <a:xfrm rot="211568">
+            <a:off x="7537806" y="4729887"/>
+            <a:ext cx="2477891" cy="0"/>
+          </a:xfrm>
+          <a:prstGeom prst="line">
+            <a:avLst/>
+          </a:prstGeom>
+          <a:ln w="57150" cap="rnd">
+            <a:solidFill>
+              <a:srgbClr val="ED7A07"/>
+            </a:solidFill>
+            <a:prstDash val="solid"/>
+            <a:headEnd type="none" w="sm" len="sm"/>
+            <a:tailEnd type="none" w="sm" len="sm"/>
+          </a:ln>
+        </p:spPr>
+      </p:sp>
+      <p:grpSp>
+        <p:nvGrpSpPr>
+          <p:cNvPr id="12" name="Group 12"/>
+          <p:cNvGrpSpPr/>
+          <p:nvPr/>
+        </p:nvGrpSpPr>
+        <p:grpSpPr>
+          <a:xfrm>
+            <a:off x="1912400" y="1374798"/>
+            <a:ext cx="2082600" cy="2082000"/>
+            <a:chOff x="0" y="0"/>
+            <a:chExt cx="2776800" cy="2776000"/>
+          </a:xfrm>
+        </p:grpSpPr>
+        <p:sp>
+          <p:nvSpPr>
+            <p:cNvPr id="13" name="Freeform 13"/>
+            <p:cNvSpPr/>
+            <p:nvPr/>
+          </p:nvSpPr>
+          <p:spPr>
+            <a:xfrm>
+              <a:off x="0" y="0"/>
+              <a:ext cx="2776855" cy="2776220"/>
+            </a:xfrm>
+            <a:custGeom>
+              <a:avLst/>
+              <a:gdLst/>
+              <a:ahLst/>
+              <a:cxnLst/>
+              <a:rect l="l" t="t" r="r" b="b"/>
+              <a:pathLst>
+                <a:path w="2776855" h="2776220">
+                  <a:moveTo>
+                    <a:pt x="0" y="1387983"/>
+                  </a:moveTo>
+                  <a:lnTo>
+                    <a:pt x="265176" y="530225"/>
+                  </a:lnTo>
+                  <a:lnTo>
+                    <a:pt x="959358" y="0"/>
+                  </a:lnTo>
+                  <a:lnTo>
+                    <a:pt x="1817497" y="0"/>
+                  </a:lnTo>
+                  <a:lnTo>
+                    <a:pt x="2511679" y="530225"/>
+                  </a:lnTo>
+                  <a:lnTo>
+                    <a:pt x="2776855" y="1388110"/>
+                  </a:lnTo>
+                  <a:lnTo>
+                    <a:pt x="2511679" y="2245995"/>
+                  </a:lnTo>
+                  <a:lnTo>
+                    <a:pt x="1817497" y="2776220"/>
+                  </a:lnTo>
+                  <a:lnTo>
+                    <a:pt x="959358" y="2776220"/>
+                  </a:lnTo>
+                  <a:lnTo>
+                    <a:pt x="265176" y="2245868"/>
+                  </a:lnTo>
+                  <a:close/>
+                </a:path>
+              </a:pathLst>
+            </a:custGeom>
+            <a:solidFill>
+              <a:srgbClr val="ED7A07"/>
+            </a:solidFill>
+          </p:spPr>
+        </p:sp>
+      </p:grpSp>
+      <p:sp>
+        <p:nvSpPr>
+          <p:cNvPr id="14" name="Freeform 14"/>
+          <p:cNvSpPr/>
+          <p:nvPr/>
+        </p:nvSpPr>
+        <p:spPr>
+          <a:xfrm>
+            <a:off x="2387472" y="1766780"/>
+            <a:ext cx="1127671" cy="1298042"/>
+          </a:xfrm>
+          <a:custGeom>
+            <a:avLst/>
+            <a:gdLst/>
+            <a:ahLst/>
+            <a:cxnLst/>
+            <a:rect l="l" t="t" r="r" b="b"/>
+            <a:pathLst>
+              <a:path w="1127671" h="1298042">
+                <a:moveTo>
+                  <a:pt x="0" y="0"/>
+                </a:moveTo>
+                <a:lnTo>
+                  <a:pt x="1127671" y="0"/>
+                </a:lnTo>
+                <a:lnTo>
+                  <a:pt x="1127671" y="1298042"/>
+                </a:lnTo>
+                <a:lnTo>
+                  <a:pt x="0" y="1298042"/>
+                </a:lnTo>
+                <a:lnTo>
+                  <a:pt x="0" y="0"/>
+                </a:lnTo>
+                <a:close/>
+              </a:path>
+            </a:pathLst>
+          </a:custGeom>
+          <a:blipFill>
+            <a:blip r:embed="rId3">
+              <a:extLst>
+                <a:ext uri="{96DAC541-7B7A-43D3-8B79-37D633B846F1}">
+                  <asvg:svgBlip xmlns:asvg="http://schemas.microsoft.com/office/drawing/2016/SVG/main" r:embed="rId4"/>
+                </a:ext>
+              </a:extLst>
+            </a:blip>
+            <a:stretch>
+              <a:fillRect/>
+            </a:stretch>
+          </a:blipFill>
+        </p:spPr>
+      </p:sp>
+    </p:spTree>
+    <p:extLst>
+      <p:ext uri="{BB962C8B-B14F-4D97-AF65-F5344CB8AC3E}">
+        <p14:creationId xmlns:p14="http://schemas.microsoft.com/office/powerpoint/2010/main" val="2822213522"/>
+      </p:ext>
+    </p:extLst>
+  </p:cSld>
+  <p:clrMapOvr>
+    <a:masterClrMapping/>
+  </p:clrMapOvr>
+</p:sld>
+</file>
+
+<file path=ppt/slides/slide33.xml><?xml version="1.0" encoding="utf-8"?>
 <p:sld xmlns:a="http://schemas.openxmlformats.org/drawingml/2006/main" xmlns:r="http://schemas.openxmlformats.org/officeDocument/2006/relationships" xmlns:p="http://schemas.openxmlformats.org/presentationml/2006/main">
   <p:cSld>
     <p:bg>

--- a/documentacao/slides-shopup.pptx
+++ b/documentacao/slides-shopup.pptx
@@ -58,11 +58,18 @@
       <p:regular r:id="rId38"/>
     </p:embeddedFont>
     <p:embeddedFont>
-      <p:font typeface="Poppins" panose="00000500000000000000" pitchFamily="2" charset="0"/>
+      <p:font typeface="Calibri" panose="020F0502020204030204" pitchFamily="34" charset="0"/>
       <p:regular r:id="rId39"/>
       <p:bold r:id="rId40"/>
       <p:italic r:id="rId41"/>
       <p:boldItalic r:id="rId42"/>
+    </p:embeddedFont>
+    <p:embeddedFont>
+      <p:font typeface="Poppins" panose="00000500000000000000" pitchFamily="2" charset="0"/>
+      <p:regular r:id="rId43"/>
+      <p:bold r:id="rId44"/>
+      <p:italic r:id="rId45"/>
+      <p:boldItalic r:id="rId46"/>
     </p:embeddedFont>
   </p:embeddedFontLst>
   <p:defaultTextStyle>
@@ -22919,7 +22926,7 @@
                 <a:cs typeface="Poppins"/>
                 <a:sym typeface="Poppins"/>
               </a:rPr>
-              <a:t>13</a:t>
+              <a:t>15</a:t>
             </a:r>
           </a:p>
         </p:txBody>
@@ -23261,7 +23268,7 @@
         </p:nvSpPr>
         <p:spPr>
           <a:xfrm>
-            <a:off x="5385825" y="4070842"/>
+            <a:off x="5405703" y="2714242"/>
             <a:ext cx="7516350" cy="1451596"/>
           </a:xfrm>
           <a:prstGeom prst="rect">
@@ -23280,7 +23287,7 @@
               </a:lnSpc>
             </a:pPr>
             <a:r>
-              <a:rPr lang="en-US" sz="13499">
+              <a:rPr lang="en-US" sz="13499" dirty="0" err="1">
                 <a:solidFill>
                   <a:srgbClr val="000000"/>
                 </a:solidFill>
@@ -23289,7 +23296,19 @@
                 <a:cs typeface="Abhaya Libre"/>
                 <a:sym typeface="Abhaya Libre"/>
               </a:rPr>
-              <a:t>Obrigado!</a:t>
+              <a:t>Obrigado</a:t>
+            </a:r>
+            <a:r>
+              <a:rPr lang="en-US" sz="13499" dirty="0">
+                <a:solidFill>
+                  <a:srgbClr val="000000"/>
+                </a:solidFill>
+                <a:latin typeface="Abhaya Libre"/>
+                <a:ea typeface="Abhaya Libre"/>
+                <a:cs typeface="Abhaya Libre"/>
+                <a:sym typeface="Abhaya Libre"/>
+              </a:rPr>
+              <a:t>!</a:t>
             </a:r>
           </a:p>
         </p:txBody>
@@ -23302,7 +23321,7 @@
         </p:nvSpPr>
         <p:spPr>
           <a:xfrm>
-            <a:off x="5385825" y="5522438"/>
+            <a:off x="5405703" y="3916675"/>
             <a:ext cx="7516350" cy="514350"/>
           </a:xfrm>
           <a:prstGeom prst="rect">
@@ -23321,7 +23340,7 @@
               </a:lnSpc>
             </a:pPr>
             <a:r>
-              <a:rPr lang="en-US" sz="3199">
+              <a:rPr lang="en-US" sz="3199" dirty="0" err="1">
                 <a:solidFill>
                   <a:srgbClr val="000000"/>
                 </a:solidFill>
@@ -23330,7 +23349,91 @@
                 <a:cs typeface="Poppins"/>
                 <a:sym typeface="Poppins"/>
               </a:rPr>
-              <a:t>Alguém tem alguma dúvida?</a:t>
+              <a:t>Alguém</a:t>
+            </a:r>
+            <a:r>
+              <a:rPr lang="en-US" sz="3199" dirty="0">
+                <a:solidFill>
+                  <a:srgbClr val="000000"/>
+                </a:solidFill>
+                <a:latin typeface="Poppins"/>
+                <a:ea typeface="Poppins"/>
+                <a:cs typeface="Poppins"/>
+                <a:sym typeface="Poppins"/>
+              </a:rPr>
+              <a:t> </a:t>
+            </a:r>
+            <a:r>
+              <a:rPr lang="en-US" sz="3199" dirty="0" err="1">
+                <a:solidFill>
+                  <a:srgbClr val="000000"/>
+                </a:solidFill>
+                <a:latin typeface="Poppins"/>
+                <a:ea typeface="Poppins"/>
+                <a:cs typeface="Poppins"/>
+                <a:sym typeface="Poppins"/>
+              </a:rPr>
+              <a:t>tem</a:t>
+            </a:r>
+            <a:r>
+              <a:rPr lang="en-US" sz="3199" dirty="0">
+                <a:solidFill>
+                  <a:srgbClr val="000000"/>
+                </a:solidFill>
+                <a:latin typeface="Poppins"/>
+                <a:ea typeface="Poppins"/>
+                <a:cs typeface="Poppins"/>
+                <a:sym typeface="Poppins"/>
+              </a:rPr>
+              <a:t> </a:t>
+            </a:r>
+            <a:r>
+              <a:rPr lang="en-US" sz="3199" dirty="0" err="1">
+                <a:solidFill>
+                  <a:srgbClr val="000000"/>
+                </a:solidFill>
+                <a:latin typeface="Poppins"/>
+                <a:ea typeface="Poppins"/>
+                <a:cs typeface="Poppins"/>
+                <a:sym typeface="Poppins"/>
+              </a:rPr>
+              <a:t>alguma</a:t>
+            </a:r>
+            <a:r>
+              <a:rPr lang="en-US" sz="3199" dirty="0">
+                <a:solidFill>
+                  <a:srgbClr val="000000"/>
+                </a:solidFill>
+                <a:latin typeface="Poppins"/>
+                <a:ea typeface="Poppins"/>
+                <a:cs typeface="Poppins"/>
+                <a:sym typeface="Poppins"/>
+              </a:rPr>
+              <a:t> </a:t>
+            </a:r>
+            <a:r>
+              <a:rPr lang="en-US" sz="3199" dirty="0" err="1">
+                <a:solidFill>
+                  <a:srgbClr val="000000"/>
+                </a:solidFill>
+                <a:latin typeface="Poppins"/>
+                <a:ea typeface="Poppins"/>
+                <a:cs typeface="Poppins"/>
+                <a:sym typeface="Poppins"/>
+              </a:rPr>
+              <a:t>dúvida</a:t>
+            </a:r>
+            <a:r>
+              <a:rPr lang="en-US" sz="3199" dirty="0">
+                <a:solidFill>
+                  <a:srgbClr val="000000"/>
+                </a:solidFill>
+                <a:latin typeface="Poppins"/>
+                <a:ea typeface="Poppins"/>
+                <a:cs typeface="Poppins"/>
+                <a:sym typeface="Poppins"/>
+              </a:rPr>
+              <a:t>?</a:t>
             </a:r>
           </a:p>
         </p:txBody>
@@ -23484,6 +23587,42 @@
           </a:ln>
         </p:spPr>
       </p:sp>
+      <p:pic>
+        <p:nvPicPr>
+          <p:cNvPr id="13" name="Imagem 12">
+            <a:extLst>
+              <a:ext uri="{FF2B5EF4-FFF2-40B4-BE49-F238E27FC236}">
+                <a16:creationId xmlns:a16="http://schemas.microsoft.com/office/drawing/2014/main" id="{3DCC3708-B3D7-4475-9A37-9E1DFF5EEF6F}"/>
+              </a:ext>
+            </a:extLst>
+          </p:cNvPr>
+          <p:cNvPicPr>
+            <a:picLocks noChangeAspect="1"/>
+          </p:cNvPicPr>
+          <p:nvPr/>
+        </p:nvPicPr>
+        <p:blipFill>
+          <a:blip r:embed="rId5" cstate="print">
+            <a:extLst>
+              <a:ext uri="{28A0092B-C50C-407E-A947-70E740481C1C}">
+                <a14:useLocalDpi xmlns:a14="http://schemas.microsoft.com/office/drawing/2010/main" val="0"/>
+              </a:ext>
+            </a:extLst>
+          </a:blip>
+          <a:stretch>
+            <a:fillRect/>
+          </a:stretch>
+        </p:blipFill>
+        <p:spPr>
+          <a:xfrm>
+            <a:off x="7658928" y="4838700"/>
+            <a:ext cx="3009900" cy="3009900"/>
+          </a:xfrm>
+          <a:prstGeom prst="rect">
+            <a:avLst/>
+          </a:prstGeom>
+        </p:spPr>
+      </p:pic>
     </p:spTree>
   </p:cSld>
   <p:clrMapOvr>
